--- a/presentation/COMP370_Project.pptx
+++ b/presentation/COMP370_Project.pptx
@@ -7,11 +7,17 @@
   <p:sldIdLst>
     <p:sldId id="256" r:id="rId2"/>
     <p:sldId id="263" r:id="rId3"/>
-    <p:sldId id="261" r:id="rId4"/>
-    <p:sldId id="262" r:id="rId5"/>
-    <p:sldId id="257" r:id="rId6"/>
-    <p:sldId id="260" r:id="rId7"/>
-    <p:sldId id="259" r:id="rId8"/>
+    <p:sldId id="268" r:id="rId4"/>
+    <p:sldId id="264" r:id="rId5"/>
+    <p:sldId id="265" r:id="rId6"/>
+    <p:sldId id="266" r:id="rId7"/>
+    <p:sldId id="267" r:id="rId8"/>
+    <p:sldId id="261" r:id="rId9"/>
+    <p:sldId id="269" r:id="rId10"/>
+    <p:sldId id="262" r:id="rId11"/>
+    <p:sldId id="257" r:id="rId12"/>
+    <p:sldId id="260" r:id="rId13"/>
+    <p:sldId id="259" r:id="rId14"/>
   </p:sldIdLst>
   <p:sldSz cx="9144000" cy="6858000" type="screen4x3"/>
   <p:notesSz cx="6858000" cy="9144000"/>
@@ -239,7 +245,7 @@
             <a:fld id="{1D8BD707-D9CF-40AE-B4C6-C98DA3205C09}" type="datetimeFigureOut">
               <a:rPr lang="en-US" smtClean="0"/>
               <a:pPr/>
-              <a:t>3/24/2016</a:t>
+              <a:t>3/30/2016</a:t>
             </a:fld>
             <a:endParaRPr lang="en-US"/>
           </a:p>
@@ -874,7 +880,7 @@
             <a:fld id="{1D8BD707-D9CF-40AE-B4C6-C98DA3205C09}" type="datetimeFigureOut">
               <a:rPr lang="en-US" smtClean="0"/>
               <a:pPr/>
-              <a:t>3/24/2016</a:t>
+              <a:t>3/30/2016</a:t>
             </a:fld>
             <a:endParaRPr lang="en-US"/>
           </a:p>
@@ -1153,7 +1159,7 @@
             <a:fld id="{1D8BD707-D9CF-40AE-B4C6-C98DA3205C09}" type="datetimeFigureOut">
               <a:rPr lang="en-US" smtClean="0"/>
               <a:pPr/>
-              <a:t>3/24/2016</a:t>
+              <a:t>3/30/2016</a:t>
             </a:fld>
             <a:endParaRPr lang="en-US"/>
           </a:p>
@@ -1320,7 +1326,7 @@
             <a:fld id="{1D8BD707-D9CF-40AE-B4C6-C98DA3205C09}" type="datetimeFigureOut">
               <a:rPr lang="en-US" smtClean="0"/>
               <a:pPr/>
-              <a:t>3/24/2016</a:t>
+              <a:t>3/30/2016</a:t>
             </a:fld>
             <a:endParaRPr lang="en-US"/>
           </a:p>
@@ -1503,7 +1509,7 @@
             <a:fld id="{1D8BD707-D9CF-40AE-B4C6-C98DA3205C09}" type="datetimeFigureOut">
               <a:rPr lang="en-US" smtClean="0"/>
               <a:pPr/>
-              <a:t>3/24/2016</a:t>
+              <a:t>3/30/2016</a:t>
             </a:fld>
             <a:endParaRPr lang="en-US"/>
           </a:p>
@@ -2150,7 +2156,7 @@
             <a:fld id="{1D8BD707-D9CF-40AE-B4C6-C98DA3205C09}" type="datetimeFigureOut">
               <a:rPr lang="en-US" smtClean="0"/>
               <a:pPr/>
-              <a:t>3/24/2016</a:t>
+              <a:t>3/30/2016</a:t>
             </a:fld>
             <a:endParaRPr lang="en-US"/>
           </a:p>
@@ -2578,7 +2584,7 @@
             <a:fld id="{1D8BD707-D9CF-40AE-B4C6-C98DA3205C09}" type="datetimeFigureOut">
               <a:rPr lang="en-US" smtClean="0"/>
               <a:pPr/>
-              <a:t>3/24/2016</a:t>
+              <a:t>3/30/2016</a:t>
             </a:fld>
             <a:endParaRPr lang="en-US"/>
           </a:p>
@@ -2693,7 +2699,7 @@
             <a:fld id="{1D8BD707-D9CF-40AE-B4C6-C98DA3205C09}" type="datetimeFigureOut">
               <a:rPr lang="en-US" smtClean="0"/>
               <a:pPr/>
-              <a:t>3/24/2016</a:t>
+              <a:t>3/30/2016</a:t>
             </a:fld>
             <a:endParaRPr lang="en-US"/>
           </a:p>
@@ -2876,7 +2882,7 @@
             <a:fld id="{1D8BD707-D9CF-40AE-B4C6-C98DA3205C09}" type="datetimeFigureOut">
               <a:rPr lang="en-US" smtClean="0"/>
               <a:pPr/>
-              <a:t>3/24/2016</a:t>
+              <a:t>3/30/2016</a:t>
             </a:fld>
             <a:endParaRPr lang="en-US"/>
           </a:p>
@@ -3144,7 +3150,7 @@
             <a:fld id="{1D8BD707-D9CF-40AE-B4C6-C98DA3205C09}" type="datetimeFigureOut">
               <a:rPr lang="en-US" smtClean="0"/>
               <a:pPr/>
-              <a:t>3/24/2016</a:t>
+              <a:t>3/30/2016</a:t>
             </a:fld>
             <a:endParaRPr lang="en-US"/>
           </a:p>
@@ -3616,7 +3622,7 @@
             <a:fld id="{1D8BD707-D9CF-40AE-B4C6-C98DA3205C09}" type="datetimeFigureOut">
               <a:rPr lang="en-US" smtClean="0"/>
               <a:pPr/>
-              <a:t>3/24/2016</a:t>
+              <a:t>3/30/2016</a:t>
             </a:fld>
             <a:endParaRPr lang="en-US"/>
           </a:p>
@@ -4178,7 +4184,7 @@
             <a:fld id="{1D8BD707-D9CF-40AE-B4C6-C98DA3205C09}" type="datetimeFigureOut">
               <a:rPr lang="en-US" smtClean="0"/>
               <a:pPr/>
-              <a:t>3/24/2016</a:t>
+              <a:t>3/30/2016</a:t>
             </a:fld>
             <a:endParaRPr lang="en-US"/>
           </a:p>
@@ -4807,13 +4813,8 @@
             </a:r>
             <a:r>
               <a:rPr lang="en-CA" sz="1600" dirty="0" smtClean="0"/>
-              <a:t> 	 - </a:t>
-            </a:r>
-            <a:r>
-              <a:rPr lang="en-CA" sz="1600" dirty="0" smtClean="0"/>
-              <a:t>300034277</a:t>
-            </a:r>
-            <a:endParaRPr lang="en-CA" sz="1600" dirty="0" smtClean="0"/>
+              <a:t> 	 - 300034277</a:t>
+            </a:r>
           </a:p>
           <a:p>
             <a:r>
@@ -4908,6 +4909,595 @@
     <p:extLst>
       <p:ext uri="{BB962C8B-B14F-4D97-AF65-F5344CB8AC3E}">
         <p14:creationId xmlns:p14="http://schemas.microsoft.com/office/powerpoint/2010/main" val="926394191"/>
+      </p:ext>
+    </p:extLst>
+  </p:cSld>
+  <p:clrMapOvr>
+    <a:masterClrMapping/>
+  </p:clrMapOvr>
+  <p:timing>
+    <p:tnLst>
+      <p:par>
+        <p:cTn id="1" dur="indefinite" restart="never" nodeType="tmRoot"/>
+      </p:par>
+    </p:tnLst>
+  </p:timing>
+</p:sld>
+</file>
+
+<file path=ppt/slides/slide10.xml><?xml version="1.0" encoding="utf-8"?>
+<p:sld xmlns:a="http://schemas.openxmlformats.org/drawingml/2006/main" xmlns:r="http://schemas.openxmlformats.org/officeDocument/2006/relationships" xmlns:p="http://schemas.openxmlformats.org/presentationml/2006/main">
+  <p:cSld>
+    <p:spTree>
+      <p:nvGrpSpPr>
+        <p:cNvPr id="1" name=""/>
+        <p:cNvGrpSpPr/>
+        <p:nvPr/>
+      </p:nvGrpSpPr>
+      <p:grpSpPr>
+        <a:xfrm>
+          <a:off x="0" y="0"/>
+          <a:ext cx="0" cy="0"/>
+          <a:chOff x="0" y="0"/>
+          <a:chExt cx="0" cy="0"/>
+        </a:xfrm>
+      </p:grpSpPr>
+      <p:sp>
+        <p:nvSpPr>
+          <p:cNvPr id="2" name="Title 1"/>
+          <p:cNvSpPr>
+            <a:spLocks noGrp="1"/>
+          </p:cNvSpPr>
+          <p:nvPr>
+            <p:ph type="title"/>
+          </p:nvPr>
+        </p:nvSpPr>
+        <p:spPr/>
+        <p:txBody>
+          <a:bodyPr/>
+          <a:lstStyle/>
+          <a:p>
+            <a:pPr algn="l"/>
+            <a:r>
+              <a:rPr lang="en-CA" dirty="0" smtClean="0"/>
+              <a:t>design</a:t>
+            </a:r>
+            <a:endParaRPr lang="en-CA" dirty="0"/>
+          </a:p>
+        </p:txBody>
+      </p:sp>
+      <p:sp>
+        <p:nvSpPr>
+          <p:cNvPr id="4" name="Rectangle 2"/>
+          <p:cNvSpPr>
+            <a:spLocks noChangeArrowheads="1"/>
+          </p:cNvSpPr>
+          <p:nvPr/>
+        </p:nvSpPr>
+        <p:spPr bwMode="auto">
+          <a:xfrm>
+            <a:off x="0" y="0"/>
+            <a:ext cx="9144000" cy="0"/>
+          </a:xfrm>
+          <a:prstGeom prst="rect">
+            <a:avLst/>
+          </a:prstGeom>
+          <a:noFill/>
+          <a:ln>
+            <a:noFill/>
+          </a:ln>
+          <a:effectLst/>
+          <a:extLst>
+            <a:ext uri="{909E8E84-426E-40DD-AFC4-6F175D3DCCD1}">
+              <a14:hiddenFill xmlns:a14="http://schemas.microsoft.com/office/drawing/2010/main">
+                <a:solidFill>
+                  <a:schemeClr val="accent1"/>
+                </a:solidFill>
+              </a14:hiddenFill>
+            </a:ext>
+            <a:ext uri="{91240B29-F687-4F45-9708-019B960494DF}">
+              <a14:hiddenLine xmlns:a14="http://schemas.microsoft.com/office/drawing/2010/main" w="9525">
+                <a:solidFill>
+                  <a:schemeClr val="tx1"/>
+                </a:solidFill>
+                <a:miter lim="800000"/>
+                <a:headEnd/>
+                <a:tailEnd/>
+              </a14:hiddenLine>
+            </a:ext>
+            <a:ext uri="{AF507438-7753-43E0-B8FC-AC1667EBCBE1}">
+              <a14:hiddenEffects xmlns:a14="http://schemas.microsoft.com/office/drawing/2010/main">
+                <a:effectLst>
+                  <a:outerShdw dist="35921" dir="2700000" algn="ctr" rotWithShape="0">
+                    <a:schemeClr val="bg2"/>
+                  </a:outerShdw>
+                </a:effectLst>
+              </a14:hiddenEffects>
+            </a:ext>
+          </a:extLst>
+        </p:spPr>
+        <p:txBody>
+          <a:bodyPr vert="horz" wrap="none" lIns="91440" tIns="45720" rIns="91440" bIns="45720" numCol="1" anchor="ctr" anchorCtr="0" compatLnSpc="1">
+            <a:prstTxWarp prst="textNoShape">
+              <a:avLst/>
+            </a:prstTxWarp>
+            <a:spAutoFit/>
+          </a:bodyPr>
+          <a:lstStyle/>
+          <a:p>
+            <a:endParaRPr lang="en-CA"/>
+          </a:p>
+        </p:txBody>
+      </p:sp>
+      <p:pic>
+        <p:nvPicPr>
+          <p:cNvPr id="5124" name="Picture 4"/>
+          <p:cNvPicPr>
+            <a:picLocks noChangeAspect="1" noChangeArrowheads="1"/>
+          </p:cNvPicPr>
+          <p:nvPr/>
+        </p:nvPicPr>
+        <p:blipFill>
+          <a:blip r:embed="rId2">
+            <a:extLst>
+              <a:ext uri="{28A0092B-C50C-407E-A947-70E740481C1C}">
+                <a14:useLocalDpi xmlns:a14="http://schemas.microsoft.com/office/drawing/2010/main" val="0"/>
+              </a:ext>
+            </a:extLst>
+          </a:blip>
+          <a:srcRect/>
+          <a:stretch>
+            <a:fillRect/>
+          </a:stretch>
+        </p:blipFill>
+        <p:spPr bwMode="auto">
+          <a:xfrm>
+            <a:off x="699837" y="1219200"/>
+            <a:ext cx="7696200" cy="5482914"/>
+          </a:xfrm>
+          <a:prstGeom prst="rect">
+            <a:avLst/>
+          </a:prstGeom>
+          <a:ln w="38100" cap="sq">
+            <a:solidFill>
+              <a:srgbClr val="000000"/>
+            </a:solidFill>
+            <a:prstDash val="solid"/>
+            <a:miter lim="800000"/>
+          </a:ln>
+          <a:effectLst>
+            <a:outerShdw blurRad="50800" dist="38100" dir="2700000" algn="tl" rotWithShape="0">
+              <a:srgbClr val="000000">
+                <a:alpha val="43000"/>
+              </a:srgbClr>
+            </a:outerShdw>
+          </a:effectLst>
+          <a:extLst>
+            <a:ext uri="{909E8E84-426E-40DD-AFC4-6F175D3DCCD1}">
+              <a14:hiddenFill xmlns:a14="http://schemas.microsoft.com/office/drawing/2010/main">
+                <a:solidFill>
+                  <a:schemeClr val="accent1"/>
+                </a:solidFill>
+              </a14:hiddenFill>
+            </a:ext>
+            <a:ext uri="{91240B29-F687-4F45-9708-019B960494DF}">
+              <a14:hiddenLine xmlns:a14="http://schemas.microsoft.com/office/drawing/2010/main" w="9525">
+                <a:solidFill>
+                  <a:schemeClr val="tx1"/>
+                </a:solidFill>
+                <a:miter lim="800000"/>
+                <a:headEnd/>
+                <a:tailEnd/>
+              </a14:hiddenLine>
+            </a:ext>
+            <a:ext uri="{AF507438-7753-43E0-B8FC-AC1667EBCBE1}">
+              <a14:hiddenEffects xmlns:a14="http://schemas.microsoft.com/office/drawing/2010/main">
+                <a:effectLst>
+                  <a:outerShdw dist="35921" dir="2700000" algn="ctr" rotWithShape="0">
+                    <a:schemeClr val="bg2"/>
+                  </a:outerShdw>
+                </a:effectLst>
+              </a14:hiddenEffects>
+            </a:ext>
+          </a:extLst>
+        </p:spPr>
+      </p:pic>
+    </p:spTree>
+    <p:extLst>
+      <p:ext uri="{BB962C8B-B14F-4D97-AF65-F5344CB8AC3E}">
+        <p14:creationId xmlns:p14="http://schemas.microsoft.com/office/powerpoint/2010/main" val="387160815"/>
+      </p:ext>
+    </p:extLst>
+  </p:cSld>
+  <p:clrMapOvr>
+    <a:masterClrMapping/>
+  </p:clrMapOvr>
+  <p:timing>
+    <p:tnLst>
+      <p:par>
+        <p:cTn id="1" dur="indefinite" restart="never" nodeType="tmRoot"/>
+      </p:par>
+    </p:tnLst>
+  </p:timing>
+</p:sld>
+</file>
+
+<file path=ppt/slides/slide11.xml><?xml version="1.0" encoding="utf-8"?>
+<p:sld xmlns:a="http://schemas.openxmlformats.org/drawingml/2006/main" xmlns:r="http://schemas.openxmlformats.org/officeDocument/2006/relationships" xmlns:p="http://schemas.openxmlformats.org/presentationml/2006/main">
+  <p:cSld>
+    <p:spTree>
+      <p:nvGrpSpPr>
+        <p:cNvPr id="1" name=""/>
+        <p:cNvGrpSpPr/>
+        <p:nvPr/>
+      </p:nvGrpSpPr>
+      <p:grpSpPr>
+        <a:xfrm>
+          <a:off x="0" y="0"/>
+          <a:ext cx="0" cy="0"/>
+          <a:chOff x="0" y="0"/>
+          <a:chExt cx="0" cy="0"/>
+        </a:xfrm>
+      </p:grpSpPr>
+      <p:sp>
+        <p:nvSpPr>
+          <p:cNvPr id="2" name="Title 1"/>
+          <p:cNvSpPr>
+            <a:spLocks noGrp="1"/>
+          </p:cNvSpPr>
+          <p:nvPr>
+            <p:ph type="title"/>
+          </p:nvPr>
+        </p:nvSpPr>
+        <p:spPr/>
+        <p:txBody>
+          <a:bodyPr/>
+          <a:lstStyle/>
+          <a:p>
+            <a:pPr algn="l"/>
+            <a:r>
+              <a:rPr lang="en-CA" dirty="0" smtClean="0"/>
+              <a:t>implementation </a:t>
+            </a:r>
+            <a:endParaRPr lang="en-CA" dirty="0"/>
+          </a:p>
+        </p:txBody>
+      </p:sp>
+      <p:sp>
+        <p:nvSpPr>
+          <p:cNvPr id="3" name="Content Placeholder 2"/>
+          <p:cNvSpPr>
+            <a:spLocks noGrp="1"/>
+          </p:cNvSpPr>
+          <p:nvPr>
+            <p:ph idx="1"/>
+          </p:nvPr>
+        </p:nvSpPr>
+        <p:spPr/>
+        <p:txBody>
+          <a:bodyPr>
+            <a:normAutofit/>
+          </a:bodyPr>
+          <a:lstStyle/>
+          <a:p>
+            <a:r>
+              <a:rPr lang="en-CA" dirty="0"/>
+              <a:t>Languages</a:t>
+            </a:r>
+          </a:p>
+          <a:p>
+            <a:pPr lvl="1"/>
+            <a:r>
+              <a:rPr lang="en-CA" dirty="0" err="1"/>
+              <a:t>Php</a:t>
+            </a:r>
+            <a:endParaRPr lang="en-CA" dirty="0"/>
+          </a:p>
+          <a:p>
+            <a:pPr lvl="1"/>
+            <a:r>
+              <a:rPr lang="en-CA" dirty="0"/>
+              <a:t>Html5</a:t>
+            </a:r>
+          </a:p>
+          <a:p>
+            <a:pPr lvl="1"/>
+            <a:r>
+              <a:rPr lang="en-CA" dirty="0"/>
+              <a:t>Css3</a:t>
+            </a:r>
+          </a:p>
+          <a:p>
+            <a:pPr lvl="1"/>
+            <a:r>
+              <a:rPr lang="en-CA" dirty="0" err="1"/>
+              <a:t>javaScript</a:t>
+            </a:r>
+            <a:endParaRPr lang="en-CA" dirty="0"/>
+          </a:p>
+          <a:p>
+            <a:pPr lvl="1"/>
+            <a:r>
+              <a:rPr lang="en-CA" dirty="0"/>
+              <a:t>SQL</a:t>
+            </a:r>
+          </a:p>
+          <a:p>
+            <a:endParaRPr lang="en-CA" dirty="0" smtClean="0"/>
+          </a:p>
+          <a:p>
+            <a:r>
+              <a:rPr lang="en-CA" dirty="0"/>
+              <a:t>Website - </a:t>
+            </a:r>
+            <a:r>
+              <a:rPr lang="en-CA" dirty="0">
+                <a:hlinkClick r:id="rId2"/>
+              </a:rPr>
+              <a:t>http://caxe.thomasmclennan.ca</a:t>
+            </a:r>
+            <a:r>
+              <a:rPr lang="en-CA" dirty="0" smtClean="0">
+                <a:hlinkClick r:id="rId2"/>
+              </a:rPr>
+              <a:t>/</a:t>
+            </a:r>
+            <a:r>
+              <a:rPr lang="en-CA" dirty="0" smtClean="0"/>
+              <a:t> </a:t>
+            </a:r>
+          </a:p>
+          <a:p>
+            <a:endParaRPr lang="en-CA" dirty="0" smtClean="0"/>
+          </a:p>
+          <a:p>
+            <a:r>
+              <a:rPr lang="en-CA" dirty="0" smtClean="0"/>
+              <a:t>Source Code - </a:t>
+            </a:r>
+            <a:r>
+              <a:rPr lang="en-CA" dirty="0">
+                <a:hlinkClick r:id="rId3"/>
+              </a:rPr>
+              <a:t>https://github.com/Exac/COMP370</a:t>
+            </a:r>
+            <a:r>
+              <a:rPr lang="en-CA" dirty="0"/>
+              <a:t> </a:t>
+            </a:r>
+          </a:p>
+        </p:txBody>
+      </p:sp>
+    </p:spTree>
+    <p:extLst>
+      <p:ext uri="{BB962C8B-B14F-4D97-AF65-F5344CB8AC3E}">
+        <p14:creationId xmlns:p14="http://schemas.microsoft.com/office/powerpoint/2010/main" val="2214264099"/>
+      </p:ext>
+    </p:extLst>
+  </p:cSld>
+  <p:clrMapOvr>
+    <a:masterClrMapping/>
+  </p:clrMapOvr>
+  <p:timing>
+    <p:tnLst>
+      <p:par>
+        <p:cTn id="1" dur="indefinite" restart="never" nodeType="tmRoot"/>
+      </p:par>
+    </p:tnLst>
+  </p:timing>
+</p:sld>
+</file>
+
+<file path=ppt/slides/slide12.xml><?xml version="1.0" encoding="utf-8"?>
+<p:sld xmlns:a="http://schemas.openxmlformats.org/drawingml/2006/main" xmlns:r="http://schemas.openxmlformats.org/officeDocument/2006/relationships" xmlns:p="http://schemas.openxmlformats.org/presentationml/2006/main">
+  <p:cSld>
+    <p:spTree>
+      <p:nvGrpSpPr>
+        <p:cNvPr id="1" name=""/>
+        <p:cNvGrpSpPr/>
+        <p:nvPr/>
+      </p:nvGrpSpPr>
+      <p:grpSpPr>
+        <a:xfrm>
+          <a:off x="0" y="0"/>
+          <a:ext cx="0" cy="0"/>
+          <a:chOff x="0" y="0"/>
+          <a:chExt cx="0" cy="0"/>
+        </a:xfrm>
+      </p:grpSpPr>
+      <p:sp>
+        <p:nvSpPr>
+          <p:cNvPr id="2" name="Title 1"/>
+          <p:cNvSpPr>
+            <a:spLocks noGrp="1"/>
+          </p:cNvSpPr>
+          <p:nvPr>
+            <p:ph type="title"/>
+          </p:nvPr>
+        </p:nvSpPr>
+        <p:spPr/>
+        <p:txBody>
+          <a:bodyPr/>
+          <a:lstStyle/>
+          <a:p>
+            <a:pPr algn="l"/>
+            <a:r>
+              <a:rPr lang="en-CA" dirty="0" smtClean="0"/>
+              <a:t>Testing</a:t>
+            </a:r>
+            <a:endParaRPr lang="en-CA" dirty="0"/>
+          </a:p>
+        </p:txBody>
+      </p:sp>
+      <p:sp>
+        <p:nvSpPr>
+          <p:cNvPr id="3" name="Content Placeholder 2"/>
+          <p:cNvSpPr>
+            <a:spLocks noGrp="1"/>
+          </p:cNvSpPr>
+          <p:nvPr>
+            <p:ph idx="1"/>
+          </p:nvPr>
+        </p:nvSpPr>
+        <p:spPr/>
+        <p:txBody>
+          <a:bodyPr/>
+          <a:lstStyle/>
+          <a:p>
+            <a:r>
+              <a:rPr lang="en-CA" dirty="0" smtClean="0"/>
+              <a:t>Tested each class during implementation</a:t>
+            </a:r>
+          </a:p>
+          <a:p>
+            <a:endParaRPr lang="en-CA" dirty="0" smtClean="0"/>
+          </a:p>
+          <a:p>
+            <a:r>
+              <a:rPr lang="en-CA" dirty="0" smtClean="0"/>
+              <a:t>Black </a:t>
+            </a:r>
+            <a:r>
+              <a:rPr lang="en-CA" dirty="0"/>
+              <a:t>box </a:t>
+            </a:r>
+            <a:r>
+              <a:rPr lang="en-CA" dirty="0" smtClean="0"/>
+              <a:t>testing</a:t>
+            </a:r>
+          </a:p>
+          <a:p>
+            <a:pPr lvl="1"/>
+            <a:r>
+              <a:rPr lang="en-CA" dirty="0" smtClean="0">
+                <a:hlinkClick r:id="rId2"/>
+              </a:rPr>
+              <a:t>http</a:t>
+            </a:r>
+            <a:r>
+              <a:rPr lang="en-CA" dirty="0">
+                <a:hlinkClick r:id="rId2"/>
+              </a:rPr>
+              <a:t>://caxe.thomasmclennan.ca/tests</a:t>
+            </a:r>
+            <a:r>
+              <a:rPr lang="en-CA" dirty="0" smtClean="0">
+                <a:hlinkClick r:id="rId2"/>
+              </a:rPr>
+              <a:t>/</a:t>
+            </a:r>
+            <a:r>
+              <a:rPr lang="en-CA" dirty="0" smtClean="0"/>
+              <a:t> </a:t>
+            </a:r>
+            <a:endParaRPr lang="en-CA" dirty="0"/>
+          </a:p>
+        </p:txBody>
+      </p:sp>
+    </p:spTree>
+    <p:extLst>
+      <p:ext uri="{BB962C8B-B14F-4D97-AF65-F5344CB8AC3E}">
+        <p14:creationId xmlns:p14="http://schemas.microsoft.com/office/powerpoint/2010/main" val="312365354"/>
+      </p:ext>
+    </p:extLst>
+  </p:cSld>
+  <p:clrMapOvr>
+    <a:masterClrMapping/>
+  </p:clrMapOvr>
+  <p:timing>
+    <p:tnLst>
+      <p:par>
+        <p:cTn id="1" dur="indefinite" restart="never" nodeType="tmRoot"/>
+      </p:par>
+    </p:tnLst>
+  </p:timing>
+</p:sld>
+</file>
+
+<file path=ppt/slides/slide13.xml><?xml version="1.0" encoding="utf-8"?>
+<p:sld xmlns:a="http://schemas.openxmlformats.org/drawingml/2006/main" xmlns:r="http://schemas.openxmlformats.org/officeDocument/2006/relationships" xmlns:p="http://schemas.openxmlformats.org/presentationml/2006/main">
+  <p:cSld>
+    <p:spTree>
+      <p:nvGrpSpPr>
+        <p:cNvPr id="1" name=""/>
+        <p:cNvGrpSpPr/>
+        <p:nvPr/>
+      </p:nvGrpSpPr>
+      <p:grpSpPr>
+        <a:xfrm>
+          <a:off x="0" y="0"/>
+          <a:ext cx="0" cy="0"/>
+          <a:chOff x="0" y="0"/>
+          <a:chExt cx="0" cy="0"/>
+        </a:xfrm>
+      </p:grpSpPr>
+      <p:sp>
+        <p:nvSpPr>
+          <p:cNvPr id="2" name="Title 1"/>
+          <p:cNvSpPr>
+            <a:spLocks noGrp="1"/>
+          </p:cNvSpPr>
+          <p:nvPr>
+            <p:ph type="title"/>
+          </p:nvPr>
+        </p:nvSpPr>
+        <p:spPr/>
+        <p:txBody>
+          <a:bodyPr/>
+          <a:lstStyle/>
+          <a:p>
+            <a:pPr algn="l"/>
+            <a:r>
+              <a:rPr lang="en-CA" dirty="0" smtClean="0"/>
+              <a:t>contributions</a:t>
+            </a:r>
+            <a:endParaRPr lang="en-CA" dirty="0"/>
+          </a:p>
+        </p:txBody>
+      </p:sp>
+      <p:sp>
+        <p:nvSpPr>
+          <p:cNvPr id="3" name="Content Placeholder 2"/>
+          <p:cNvSpPr>
+            <a:spLocks noGrp="1"/>
+          </p:cNvSpPr>
+          <p:nvPr>
+            <p:ph idx="1"/>
+          </p:nvPr>
+        </p:nvSpPr>
+        <p:spPr/>
+        <p:txBody>
+          <a:bodyPr/>
+          <a:lstStyle/>
+          <a:p>
+            <a:r>
+              <a:rPr lang="en-CA" dirty="0" smtClean="0"/>
+              <a:t>Analysis and Design – </a:t>
+            </a:r>
+            <a:r>
+              <a:rPr lang="en-CA" dirty="0" err="1" smtClean="0"/>
+              <a:t>Farzin</a:t>
+            </a:r>
+            <a:endParaRPr lang="en-CA" dirty="0" smtClean="0"/>
+          </a:p>
+          <a:p>
+            <a:pPr marL="114300" indent="0">
+              <a:buNone/>
+            </a:pPr>
+            <a:endParaRPr lang="en-CA" dirty="0" smtClean="0"/>
+          </a:p>
+          <a:p>
+            <a:r>
+              <a:rPr lang="en-CA" dirty="0" smtClean="0"/>
+              <a:t>Implementation and testing – Thomas &amp; Karanvir </a:t>
+            </a:r>
+          </a:p>
+        </p:txBody>
+      </p:sp>
+    </p:spTree>
+    <p:extLst>
+      <p:ext uri="{BB962C8B-B14F-4D97-AF65-F5344CB8AC3E}">
+        <p14:creationId xmlns:p14="http://schemas.microsoft.com/office/powerpoint/2010/main" val="3195319840"/>
       </p:ext>
     </p:extLst>
   </p:cSld>
@@ -4965,25 +5555,6 @@
           </a:p>
         </p:txBody>
       </p:sp>
-      <p:sp>
-        <p:nvSpPr>
-          <p:cNvPr id="3" name="Content Placeholder 2"/>
-          <p:cNvSpPr>
-            <a:spLocks noGrp="1"/>
-          </p:cNvSpPr>
-          <p:nvPr>
-            <p:ph idx="1"/>
-          </p:nvPr>
-        </p:nvSpPr>
-        <p:spPr/>
-        <p:txBody>
-          <a:bodyPr/>
-          <a:lstStyle/>
-          <a:p>
-            <a:endParaRPr lang="en-CA"/>
-          </a:p>
-        </p:txBody>
-      </p:sp>
       <p:pic>
         <p:nvPicPr>
           <p:cNvPr id="1026" name="Picture 2"/>
@@ -5007,17 +5578,26 @@
         </p:blipFill>
         <p:spPr bwMode="auto">
           <a:xfrm>
-            <a:off x="533400" y="1752599"/>
-            <a:ext cx="8001000" cy="4742187"/>
+            <a:off x="381000" y="1724525"/>
+            <a:ext cx="8382000" cy="4968005"/>
           </a:xfrm>
           <a:prstGeom prst="rect">
             <a:avLst/>
           </a:prstGeom>
-          <a:noFill/>
-          <a:ln>
-            <a:noFill/>
+          <a:ln w="38100" cap="sq">
+            <a:solidFill>
+              <a:srgbClr val="000000"/>
+            </a:solidFill>
+            <a:prstDash val="solid"/>
+            <a:miter lim="800000"/>
           </a:ln>
-          <a:effectLst/>
+          <a:effectLst>
+            <a:outerShdw blurRad="50800" dist="38100" dir="2700000" algn="tl" rotWithShape="0">
+              <a:srgbClr val="000000">
+                <a:alpha val="43000"/>
+              </a:srgbClr>
+            </a:outerShdw>
+          </a:effectLst>
           <a:extLst>
             <a:ext uri="{909E8E84-426E-40DD-AFC4-6F175D3DCCD1}">
               <a14:hiddenFill xmlns:a14="http://schemas.microsoft.com/office/drawing/2010/main">
@@ -5103,35 +5683,103 @@
             <a:pPr algn="l"/>
             <a:r>
               <a:rPr lang="en-CA" dirty="0" smtClean="0"/>
-              <a:t>analysis</a:t>
+              <a:t>Requirements - manager</a:t>
             </a:r>
             <a:endParaRPr lang="en-CA" dirty="0"/>
           </a:p>
         </p:txBody>
       </p:sp>
-      <p:sp>
-        <p:nvSpPr>
-          <p:cNvPr id="3" name="Content Placeholder 2"/>
-          <p:cNvSpPr>
-            <a:spLocks noGrp="1"/>
-          </p:cNvSpPr>
-          <p:nvPr>
-            <p:ph idx="1"/>
-          </p:nvPr>
-        </p:nvSpPr>
-        <p:spPr/>
-        <p:txBody>
-          <a:bodyPr/>
-          <a:lstStyle/>
-          <a:p>
-            <a:endParaRPr lang="en-CA"/>
-          </a:p>
-        </p:txBody>
-      </p:sp>
+      <p:pic>
+        <p:nvPicPr>
+          <p:cNvPr id="4" name="Picture 3"/>
+          <p:cNvPicPr/>
+          <p:nvPr/>
+        </p:nvPicPr>
+        <p:blipFill rotWithShape="1">
+          <a:blip r:embed="rId2"/>
+          <a:srcRect t="22781" r="44786" b="6364"/>
+          <a:stretch/>
+        </p:blipFill>
+        <p:spPr>
+          <a:xfrm>
+            <a:off x="397042" y="2285996"/>
+            <a:ext cx="3986463" cy="3392905"/>
+          </a:xfrm>
+          <a:prstGeom prst="rect">
+            <a:avLst/>
+          </a:prstGeom>
+          <a:ln w="38100" cap="sq">
+            <a:solidFill>
+              <a:srgbClr val="000000"/>
+            </a:solidFill>
+            <a:prstDash val="solid"/>
+            <a:miter lim="800000"/>
+          </a:ln>
+          <a:effectLst>
+            <a:outerShdw blurRad="50800" dist="38100" dir="2700000" algn="tl" rotWithShape="0">
+              <a:srgbClr val="000000">
+                <a:alpha val="43000"/>
+              </a:srgbClr>
+            </a:outerShdw>
+          </a:effectLst>
+        </p:spPr>
+      </p:pic>
+      <p:pic>
+        <p:nvPicPr>
+          <p:cNvPr id="5" name="Picture 2" descr="C:\Users\Navi\Google Drive\Manager.png"/>
+          <p:cNvPicPr>
+            <a:picLocks noChangeAspect="1" noChangeArrowheads="1"/>
+          </p:cNvPicPr>
+          <p:nvPr/>
+        </p:nvPicPr>
+        <p:blipFill rotWithShape="1">
+          <a:blip r:embed="rId3">
+            <a:extLst>
+              <a:ext uri="{28A0092B-C50C-407E-A947-70E740481C1C}">
+                <a14:useLocalDpi xmlns:a14="http://schemas.microsoft.com/office/drawing/2010/main" val="0"/>
+              </a:ext>
+            </a:extLst>
+          </a:blip>
+          <a:srcRect l="9074" t="9228" r="39590" b="48348"/>
+          <a:stretch/>
+        </p:blipFill>
+        <p:spPr bwMode="auto">
+          <a:xfrm>
+            <a:off x="4860758" y="1852860"/>
+            <a:ext cx="3970421" cy="4259179"/>
+          </a:xfrm>
+          <a:prstGeom prst="rect">
+            <a:avLst/>
+          </a:prstGeom>
+          <a:ln w="38100" cap="sq">
+            <a:solidFill>
+              <a:srgbClr val="000000"/>
+            </a:solidFill>
+            <a:prstDash val="solid"/>
+            <a:miter lim="800000"/>
+          </a:ln>
+          <a:effectLst>
+            <a:outerShdw blurRad="50800" dist="38100" dir="2700000" algn="tl" rotWithShape="0">
+              <a:srgbClr val="000000">
+                <a:alpha val="43000"/>
+              </a:srgbClr>
+            </a:outerShdw>
+          </a:effectLst>
+          <a:extLst>
+            <a:ext uri="{909E8E84-426E-40DD-AFC4-6F175D3DCCD1}">
+              <a14:hiddenFill xmlns:a14="http://schemas.microsoft.com/office/drawing/2010/main">
+                <a:solidFill>
+                  <a:srgbClr val="FFFFFF"/>
+                </a:solidFill>
+              </a14:hiddenFill>
+            </a:ext>
+          </a:extLst>
+        </p:spPr>
+      </p:pic>
     </p:spTree>
     <p:extLst>
       <p:ext uri="{BB962C8B-B14F-4D97-AF65-F5344CB8AC3E}">
-        <p14:creationId xmlns:p14="http://schemas.microsoft.com/office/powerpoint/2010/main" val="1955241272"/>
+        <p14:creationId xmlns:p14="http://schemas.microsoft.com/office/powerpoint/2010/main" val="3850155402"/>
       </p:ext>
     </p:extLst>
   </p:cSld>
@@ -5183,35 +5831,70 @@
             <a:pPr algn="l"/>
             <a:r>
               <a:rPr lang="en-CA" dirty="0" smtClean="0"/>
-              <a:t>design</a:t>
+              <a:t>Requirements - manager</a:t>
             </a:r>
             <a:endParaRPr lang="en-CA" dirty="0"/>
           </a:p>
         </p:txBody>
       </p:sp>
-      <p:sp>
-        <p:nvSpPr>
-          <p:cNvPr id="3" name="Content Placeholder 2"/>
-          <p:cNvSpPr>
-            <a:spLocks noGrp="1"/>
-          </p:cNvSpPr>
-          <p:nvPr>
-            <p:ph idx="1"/>
-          </p:nvPr>
-        </p:nvSpPr>
-        <p:spPr/>
-        <p:txBody>
-          <a:bodyPr/>
-          <a:lstStyle/>
-          <a:p>
-            <a:endParaRPr lang="en-CA"/>
-          </a:p>
-        </p:txBody>
-      </p:sp>
+      <p:pic>
+        <p:nvPicPr>
+          <p:cNvPr id="1028" name="Picture 4" descr="C:\Users\Navi\Google Drive\manager_2.png"/>
+          <p:cNvPicPr>
+            <a:picLocks noChangeAspect="1" noChangeArrowheads="1"/>
+          </p:cNvPicPr>
+          <p:nvPr/>
+        </p:nvPicPr>
+        <p:blipFill>
+          <a:blip r:embed="rId2">
+            <a:extLst>
+              <a:ext uri="{28A0092B-C50C-407E-A947-70E740481C1C}">
+                <a14:useLocalDpi xmlns:a14="http://schemas.microsoft.com/office/drawing/2010/main" val="0"/>
+              </a:ext>
+            </a:extLst>
+          </a:blip>
+          <a:srcRect/>
+          <a:stretch>
+            <a:fillRect/>
+          </a:stretch>
+        </p:blipFill>
+        <p:spPr bwMode="auto">
+          <a:xfrm>
+            <a:off x="372979" y="1680411"/>
+            <a:ext cx="8458200" cy="4981106"/>
+          </a:xfrm>
+          <a:prstGeom prst="rect">
+            <a:avLst/>
+          </a:prstGeom>
+          <a:ln w="38100" cap="sq">
+            <a:solidFill>
+              <a:srgbClr val="000000"/>
+            </a:solidFill>
+            <a:prstDash val="solid"/>
+            <a:miter lim="800000"/>
+          </a:ln>
+          <a:effectLst>
+            <a:outerShdw blurRad="50800" dist="38100" dir="2700000" algn="tl" rotWithShape="0">
+              <a:srgbClr val="000000">
+                <a:alpha val="43000"/>
+              </a:srgbClr>
+            </a:outerShdw>
+          </a:effectLst>
+          <a:extLst>
+            <a:ext uri="{909E8E84-426E-40DD-AFC4-6F175D3DCCD1}">
+              <a14:hiddenFill xmlns:a14="http://schemas.microsoft.com/office/drawing/2010/main">
+                <a:solidFill>
+                  <a:srgbClr val="FFFFFF"/>
+                </a:solidFill>
+              </a14:hiddenFill>
+            </a:ext>
+          </a:extLst>
+        </p:spPr>
+      </p:pic>
     </p:spTree>
     <p:extLst>
       <p:ext uri="{BB962C8B-B14F-4D97-AF65-F5344CB8AC3E}">
-        <p14:creationId xmlns:p14="http://schemas.microsoft.com/office/powerpoint/2010/main" val="387160815"/>
+        <p14:creationId xmlns:p14="http://schemas.microsoft.com/office/powerpoint/2010/main" val="868672774"/>
       </p:ext>
     </p:extLst>
   </p:cSld>
@@ -5263,121 +5946,103 @@
             <a:pPr algn="l"/>
             <a:r>
               <a:rPr lang="en-CA" dirty="0" smtClean="0"/>
-              <a:t>implementation </a:t>
+              <a:t>Requirements - operator</a:t>
             </a:r>
             <a:endParaRPr lang="en-CA" dirty="0"/>
           </a:p>
         </p:txBody>
       </p:sp>
-      <p:sp>
-        <p:nvSpPr>
-          <p:cNvPr id="3" name="Content Placeholder 2"/>
-          <p:cNvSpPr>
-            <a:spLocks noGrp="1"/>
-          </p:cNvSpPr>
-          <p:nvPr>
-            <p:ph idx="1"/>
-          </p:nvPr>
-        </p:nvSpPr>
-        <p:spPr/>
-        <p:txBody>
-          <a:bodyPr>
-            <a:normAutofit/>
-          </a:bodyPr>
-          <a:lstStyle/>
-          <a:p>
-            <a:r>
-              <a:rPr lang="en-CA" dirty="0"/>
-              <a:t>Languages</a:t>
-            </a:r>
-          </a:p>
-          <a:p>
-            <a:pPr lvl="1"/>
-            <a:r>
-              <a:rPr lang="en-CA" dirty="0" err="1"/>
-              <a:t>Php</a:t>
-            </a:r>
-            <a:endParaRPr lang="en-CA" dirty="0"/>
-          </a:p>
-          <a:p>
-            <a:pPr lvl="1"/>
-            <a:r>
-              <a:rPr lang="en-CA" dirty="0"/>
-              <a:t>Html5</a:t>
-            </a:r>
-          </a:p>
-          <a:p>
-            <a:pPr lvl="1"/>
-            <a:r>
-              <a:rPr lang="en-CA" dirty="0"/>
-              <a:t>Css3</a:t>
-            </a:r>
-          </a:p>
-          <a:p>
-            <a:pPr lvl="1"/>
-            <a:r>
-              <a:rPr lang="en-CA" dirty="0" err="1"/>
-              <a:t>javaScript</a:t>
-            </a:r>
-            <a:endParaRPr lang="en-CA" dirty="0"/>
-          </a:p>
-          <a:p>
-            <a:pPr lvl="1"/>
-            <a:r>
-              <a:rPr lang="en-CA" dirty="0"/>
-              <a:t>SQL</a:t>
-            </a:r>
-          </a:p>
-          <a:p>
-            <a:endParaRPr lang="en-CA" dirty="0" smtClean="0"/>
-          </a:p>
-          <a:p>
-            <a:r>
-              <a:rPr lang="en-CA" dirty="0"/>
-              <a:t>Website - </a:t>
-            </a:r>
-            <a:r>
-              <a:rPr lang="en-CA" dirty="0">
-                <a:hlinkClick r:id="rId2"/>
-              </a:rPr>
-              <a:t>http://caxe.thomasmclennan.ca</a:t>
-            </a:r>
-            <a:r>
-              <a:rPr lang="en-CA" dirty="0" smtClean="0">
-                <a:hlinkClick r:id="rId2"/>
-              </a:rPr>
-              <a:t>/</a:t>
-            </a:r>
-            <a:r>
-              <a:rPr lang="en-CA" dirty="0" smtClean="0"/>
-              <a:t> </a:t>
-            </a:r>
-          </a:p>
-          <a:p>
-            <a:endParaRPr lang="en-CA" dirty="0" smtClean="0"/>
-          </a:p>
-          <a:p>
-            <a:r>
-              <a:rPr lang="en-CA" dirty="0" smtClean="0"/>
-              <a:t>Source Code - </a:t>
-            </a:r>
-            <a:r>
-              <a:rPr lang="en-CA" dirty="0">
-                <a:hlinkClick r:id="rId3"/>
-              </a:rPr>
-              <a:t>https://github.com/Exac/COMP370</a:t>
-            </a:r>
-            <a:r>
-              <a:rPr lang="en-CA" dirty="0"/>
-              <a:t> </a:t>
-            </a:r>
-          </a:p>
-        </p:txBody>
-      </p:sp>
+      <p:pic>
+        <p:nvPicPr>
+          <p:cNvPr id="4" name="Picture 3"/>
+          <p:cNvPicPr/>
+          <p:nvPr/>
+        </p:nvPicPr>
+        <p:blipFill rotWithShape="1">
+          <a:blip r:embed="rId2"/>
+          <a:srcRect l="23705" t="13953" b="3603"/>
+          <a:stretch/>
+        </p:blipFill>
+        <p:spPr>
+          <a:xfrm>
+            <a:off x="457200" y="1748589"/>
+            <a:ext cx="4336983" cy="4680285"/>
+          </a:xfrm>
+          <a:prstGeom prst="rect">
+            <a:avLst/>
+          </a:prstGeom>
+          <a:ln w="38100" cap="sq">
+            <a:solidFill>
+              <a:srgbClr val="000000"/>
+            </a:solidFill>
+            <a:prstDash val="solid"/>
+            <a:miter lim="800000"/>
+          </a:ln>
+          <a:effectLst>
+            <a:outerShdw blurRad="50800" dist="38100" dir="2700000" algn="tl" rotWithShape="0">
+              <a:srgbClr val="000000">
+                <a:alpha val="43000"/>
+              </a:srgbClr>
+            </a:outerShdw>
+          </a:effectLst>
+        </p:spPr>
+      </p:pic>
+      <p:pic>
+        <p:nvPicPr>
+          <p:cNvPr id="2050" name="Picture 2" descr="C:\Users\Navi\Google Drive\Operator.png"/>
+          <p:cNvPicPr>
+            <a:picLocks noChangeAspect="1" noChangeArrowheads="1"/>
+          </p:cNvPicPr>
+          <p:nvPr/>
+        </p:nvPicPr>
+        <p:blipFill rotWithShape="1">
+          <a:blip r:embed="rId3">
+            <a:extLst>
+              <a:ext uri="{28A0092B-C50C-407E-A947-70E740481C1C}">
+                <a14:useLocalDpi xmlns:a14="http://schemas.microsoft.com/office/drawing/2010/main" val="0"/>
+              </a:ext>
+            </a:extLst>
+          </a:blip>
+          <a:srcRect l="10111" t="9167" r="29997" b="26425"/>
+          <a:stretch/>
+        </p:blipFill>
+        <p:spPr bwMode="auto">
+          <a:xfrm>
+            <a:off x="5257800" y="1748589"/>
+            <a:ext cx="3352800" cy="4680286"/>
+          </a:xfrm>
+          <a:prstGeom prst="rect">
+            <a:avLst/>
+          </a:prstGeom>
+          <a:ln w="38100" cap="sq">
+            <a:solidFill>
+              <a:srgbClr val="000000"/>
+            </a:solidFill>
+            <a:prstDash val="solid"/>
+            <a:miter lim="800000"/>
+          </a:ln>
+          <a:effectLst>
+            <a:outerShdw blurRad="50800" dist="38100" dir="2700000" algn="tl" rotWithShape="0">
+              <a:srgbClr val="000000">
+                <a:alpha val="43000"/>
+              </a:srgbClr>
+            </a:outerShdw>
+          </a:effectLst>
+          <a:extLst>
+            <a:ext uri="{909E8E84-426E-40DD-AFC4-6F175D3DCCD1}">
+              <a14:hiddenFill xmlns:a14="http://schemas.microsoft.com/office/drawing/2010/main">
+                <a:solidFill>
+                  <a:srgbClr val="FFFFFF"/>
+                </a:solidFill>
+              </a14:hiddenFill>
+            </a:ext>
+          </a:extLst>
+        </p:spPr>
+      </p:pic>
     </p:spTree>
     <p:extLst>
       <p:ext uri="{BB962C8B-B14F-4D97-AF65-F5344CB8AC3E}">
-        <p14:creationId xmlns:p14="http://schemas.microsoft.com/office/powerpoint/2010/main" val="2214264099"/>
+        <p14:creationId xmlns:p14="http://schemas.microsoft.com/office/powerpoint/2010/main" val="2756201216"/>
       </p:ext>
     </p:extLst>
   </p:cSld>
@@ -5429,85 +6094,103 @@
             <a:pPr algn="l"/>
             <a:r>
               <a:rPr lang="en-CA" dirty="0" smtClean="0"/>
-              <a:t>Testing</a:t>
+              <a:t>Requirements - provider</a:t>
             </a:r>
             <a:endParaRPr lang="en-CA" dirty="0"/>
           </a:p>
         </p:txBody>
       </p:sp>
-      <p:sp>
-        <p:nvSpPr>
-          <p:cNvPr id="3" name="Content Placeholder 2"/>
-          <p:cNvSpPr>
-            <a:spLocks noGrp="1"/>
-          </p:cNvSpPr>
-          <p:nvPr>
-            <p:ph idx="1"/>
-          </p:nvPr>
-        </p:nvSpPr>
-        <p:spPr/>
-        <p:txBody>
-          <a:bodyPr/>
-          <a:lstStyle/>
-          <a:p>
-            <a:r>
-              <a:rPr lang="en-CA" dirty="0" smtClean="0"/>
-              <a:t>Tested each class during </a:t>
-            </a:r>
-            <a:r>
-              <a:rPr lang="en-CA" dirty="0" smtClean="0"/>
-              <a:t>implementation</a:t>
-            </a:r>
-          </a:p>
-          <a:p>
-            <a:endParaRPr lang="en-CA" dirty="0" smtClean="0"/>
-          </a:p>
-          <a:p>
-            <a:r>
-              <a:rPr lang="en-CA" dirty="0" smtClean="0"/>
-              <a:t>Black </a:t>
-            </a:r>
-            <a:r>
-              <a:rPr lang="en-CA" dirty="0"/>
-              <a:t>box </a:t>
-            </a:r>
-            <a:r>
-              <a:rPr lang="en-CA" dirty="0" smtClean="0"/>
-              <a:t>testing</a:t>
-            </a:r>
-          </a:p>
-          <a:p>
-            <a:pPr lvl="1"/>
-            <a:r>
-              <a:rPr lang="en-CA" dirty="0" smtClean="0">
-                <a:hlinkClick r:id="rId2"/>
-              </a:rPr>
-              <a:t>http</a:t>
-            </a:r>
-            <a:r>
-              <a:rPr lang="en-CA" dirty="0">
-                <a:hlinkClick r:id="rId2"/>
-              </a:rPr>
-              <a:t>://caxe.thomasmclennan.ca/tests</a:t>
-            </a:r>
-            <a:r>
-              <a:rPr lang="en-CA" dirty="0" smtClean="0">
-                <a:hlinkClick r:id="rId2"/>
-              </a:rPr>
-              <a:t>/</a:t>
-            </a:r>
-            <a:r>
-              <a:rPr lang="en-CA" dirty="0" smtClean="0"/>
-              <a:t> </a:t>
-            </a:r>
-            <a:endParaRPr lang="en-CA" dirty="0"/>
-          </a:p>
-        </p:txBody>
-      </p:sp>
+      <p:pic>
+        <p:nvPicPr>
+          <p:cNvPr id="3074" name="Picture 2" descr="C:\Users\Navi\Google Drive\provider.png"/>
+          <p:cNvPicPr>
+            <a:picLocks noChangeAspect="1" noChangeArrowheads="1"/>
+          </p:cNvPicPr>
+          <p:nvPr/>
+        </p:nvPicPr>
+        <p:blipFill rotWithShape="1">
+          <a:blip r:embed="rId2">
+            <a:extLst>
+              <a:ext uri="{28A0092B-C50C-407E-A947-70E740481C1C}">
+                <a14:useLocalDpi xmlns:a14="http://schemas.microsoft.com/office/drawing/2010/main" val="0"/>
+              </a:ext>
+            </a:extLst>
+          </a:blip>
+          <a:srcRect l="14281" t="8118" r="26126" b="39940"/>
+          <a:stretch/>
+        </p:blipFill>
+        <p:spPr bwMode="auto">
+          <a:xfrm>
+            <a:off x="4724400" y="1752600"/>
+            <a:ext cx="4129749" cy="4672263"/>
+          </a:xfrm>
+          <a:prstGeom prst="rect">
+            <a:avLst/>
+          </a:prstGeom>
+          <a:ln w="38100" cap="sq">
+            <a:solidFill>
+              <a:srgbClr val="000000"/>
+            </a:solidFill>
+            <a:prstDash val="solid"/>
+            <a:miter lim="800000"/>
+          </a:ln>
+          <a:effectLst>
+            <a:outerShdw blurRad="50800" dist="38100" dir="2700000" algn="tl" rotWithShape="0">
+              <a:srgbClr val="000000">
+                <a:alpha val="43000"/>
+              </a:srgbClr>
+            </a:outerShdw>
+          </a:effectLst>
+          <a:extLst>
+            <a:ext uri="{909E8E84-426E-40DD-AFC4-6F175D3DCCD1}">
+              <a14:hiddenFill xmlns:a14="http://schemas.microsoft.com/office/drawing/2010/main">
+                <a:solidFill>
+                  <a:srgbClr val="FFFFFF"/>
+                </a:solidFill>
+              </a14:hiddenFill>
+            </a:ext>
+          </a:extLst>
+        </p:spPr>
+      </p:pic>
+      <p:pic>
+        <p:nvPicPr>
+          <p:cNvPr id="5" name="Picture 4"/>
+          <p:cNvPicPr/>
+          <p:nvPr/>
+        </p:nvPicPr>
+        <p:blipFill rotWithShape="1">
+          <a:blip r:embed="rId3"/>
+          <a:srcRect t="5360" r="38786" b="47403"/>
+          <a:stretch/>
+        </p:blipFill>
+        <p:spPr>
+          <a:xfrm>
+            <a:off x="168442" y="2667000"/>
+            <a:ext cx="4419600" cy="2261937"/>
+          </a:xfrm>
+          <a:prstGeom prst="rect">
+            <a:avLst/>
+          </a:prstGeom>
+          <a:ln w="38100" cap="sq">
+            <a:solidFill>
+              <a:srgbClr val="000000"/>
+            </a:solidFill>
+            <a:prstDash val="solid"/>
+            <a:miter lim="800000"/>
+          </a:ln>
+          <a:effectLst>
+            <a:outerShdw blurRad="50800" dist="38100" dir="2700000" algn="tl" rotWithShape="0">
+              <a:srgbClr val="000000">
+                <a:alpha val="43000"/>
+              </a:srgbClr>
+            </a:outerShdw>
+          </a:effectLst>
+        </p:spPr>
+      </p:pic>
     </p:spTree>
     <p:extLst>
       <p:ext uri="{BB962C8B-B14F-4D97-AF65-F5344CB8AC3E}">
-        <p14:creationId xmlns:p14="http://schemas.microsoft.com/office/powerpoint/2010/main" val="312365354"/>
+        <p14:creationId xmlns:p14="http://schemas.microsoft.com/office/powerpoint/2010/main" val="1888395570"/>
       </p:ext>
     </p:extLst>
   </p:cSld>
@@ -5559,55 +6242,527 @@
             <a:pPr algn="l"/>
             <a:r>
               <a:rPr lang="en-CA" dirty="0" smtClean="0"/>
-              <a:t>contributions</a:t>
+              <a:t>Requirements - provider</a:t>
             </a:r>
             <a:endParaRPr lang="en-CA" dirty="0"/>
           </a:p>
         </p:txBody>
       </p:sp>
-      <p:sp>
-        <p:nvSpPr>
-          <p:cNvPr id="3" name="Content Placeholder 2"/>
-          <p:cNvSpPr>
-            <a:spLocks noGrp="1"/>
-          </p:cNvSpPr>
-          <p:nvPr>
-            <p:ph idx="1"/>
-          </p:nvPr>
-        </p:nvSpPr>
-        <p:spPr/>
-        <p:txBody>
-          <a:bodyPr/>
-          <a:lstStyle/>
-          <a:p>
-            <a:r>
-              <a:rPr lang="en-CA" dirty="0" smtClean="0"/>
-              <a:t>Analysis and Design – </a:t>
-            </a:r>
-            <a:r>
-              <a:rPr lang="en-CA" dirty="0" err="1" smtClean="0"/>
-              <a:t>Farzin</a:t>
-            </a:r>
-            <a:endParaRPr lang="en-CA" dirty="0" smtClean="0"/>
-          </a:p>
-          <a:p>
-            <a:pPr marL="114300" indent="0">
-              <a:buNone/>
-            </a:pPr>
-            <a:endParaRPr lang="en-CA" dirty="0" smtClean="0"/>
-          </a:p>
-          <a:p>
-            <a:r>
-              <a:rPr lang="en-CA" dirty="0" smtClean="0"/>
-              <a:t>Implementation and testing – Thomas &amp; Karanvir </a:t>
-            </a:r>
-          </a:p>
-        </p:txBody>
-      </p:sp>
+      <p:pic>
+        <p:nvPicPr>
+          <p:cNvPr id="4098" name="Picture 2" descr="C:\Users\Navi\Google Drive\provider_2.png"/>
+          <p:cNvPicPr>
+            <a:picLocks noChangeAspect="1" noChangeArrowheads="1"/>
+          </p:cNvPicPr>
+          <p:nvPr/>
+        </p:nvPicPr>
+        <p:blipFill rotWithShape="1">
+          <a:blip r:embed="rId2">
+            <a:extLst>
+              <a:ext uri="{28A0092B-C50C-407E-A947-70E740481C1C}">
+                <a14:useLocalDpi xmlns:a14="http://schemas.microsoft.com/office/drawing/2010/main" val="0"/>
+              </a:ext>
+            </a:extLst>
+          </a:blip>
+          <a:srcRect l="9586" t="12106" r="9333" b="16352"/>
+          <a:stretch/>
+        </p:blipFill>
+        <p:spPr bwMode="auto">
+          <a:xfrm>
+            <a:off x="990600" y="1708484"/>
+            <a:ext cx="7162800" cy="4883726"/>
+          </a:xfrm>
+          <a:prstGeom prst="rect">
+            <a:avLst/>
+          </a:prstGeom>
+          <a:ln w="38100" cap="sq">
+            <a:solidFill>
+              <a:srgbClr val="000000"/>
+            </a:solidFill>
+            <a:prstDash val="solid"/>
+            <a:miter lim="800000"/>
+          </a:ln>
+          <a:effectLst>
+            <a:outerShdw blurRad="50800" dist="38100" dir="2700000" algn="tl" rotWithShape="0">
+              <a:srgbClr val="000000">
+                <a:alpha val="43000"/>
+              </a:srgbClr>
+            </a:outerShdw>
+          </a:effectLst>
+          <a:extLst>
+            <a:ext uri="{909E8E84-426E-40DD-AFC4-6F175D3DCCD1}">
+              <a14:hiddenFill xmlns:a14="http://schemas.microsoft.com/office/drawing/2010/main">
+                <a:solidFill>
+                  <a:srgbClr val="FFFFFF"/>
+                </a:solidFill>
+              </a14:hiddenFill>
+            </a:ext>
+          </a:extLst>
+        </p:spPr>
+      </p:pic>
     </p:spTree>
     <p:extLst>
       <p:ext uri="{BB962C8B-B14F-4D97-AF65-F5344CB8AC3E}">
-        <p14:creationId xmlns:p14="http://schemas.microsoft.com/office/powerpoint/2010/main" val="3195319840"/>
+        <p14:creationId xmlns:p14="http://schemas.microsoft.com/office/powerpoint/2010/main" val="531272137"/>
+      </p:ext>
+    </p:extLst>
+  </p:cSld>
+  <p:clrMapOvr>
+    <a:masterClrMapping/>
+  </p:clrMapOvr>
+  <p:timing>
+    <p:tnLst>
+      <p:par>
+        <p:cTn id="1" dur="indefinite" restart="never" nodeType="tmRoot"/>
+      </p:par>
+    </p:tnLst>
+  </p:timing>
+</p:sld>
+</file>
+
+<file path=ppt/slides/slide8.xml><?xml version="1.0" encoding="utf-8"?>
+<p:sld xmlns:a="http://schemas.openxmlformats.org/drawingml/2006/main" xmlns:r="http://schemas.openxmlformats.org/officeDocument/2006/relationships" xmlns:p="http://schemas.openxmlformats.org/presentationml/2006/main">
+  <p:cSld>
+    <p:spTree>
+      <p:nvGrpSpPr>
+        <p:cNvPr id="1" name=""/>
+        <p:cNvGrpSpPr/>
+        <p:nvPr/>
+      </p:nvGrpSpPr>
+      <p:grpSpPr>
+        <a:xfrm>
+          <a:off x="0" y="0"/>
+          <a:ext cx="0" cy="0"/>
+          <a:chOff x="0" y="0"/>
+          <a:chExt cx="0" cy="0"/>
+        </a:xfrm>
+      </p:grpSpPr>
+      <p:sp>
+        <p:nvSpPr>
+          <p:cNvPr id="2" name="Title 1"/>
+          <p:cNvSpPr>
+            <a:spLocks noGrp="1"/>
+          </p:cNvSpPr>
+          <p:nvPr>
+            <p:ph type="title"/>
+          </p:nvPr>
+        </p:nvSpPr>
+        <p:spPr/>
+        <p:txBody>
+          <a:bodyPr/>
+          <a:lstStyle/>
+          <a:p>
+            <a:pPr algn="l"/>
+            <a:r>
+              <a:rPr lang="en-CA" dirty="0" smtClean="0"/>
+              <a:t>analysis</a:t>
+            </a:r>
+            <a:endParaRPr lang="en-CA" dirty="0"/>
+          </a:p>
+        </p:txBody>
+      </p:sp>
+      <p:pic>
+        <p:nvPicPr>
+          <p:cNvPr id="7170" name="Picture 2"/>
+          <p:cNvPicPr>
+            <a:picLocks noChangeAspect="1" noChangeArrowheads="1"/>
+          </p:cNvPicPr>
+          <p:nvPr/>
+        </p:nvPicPr>
+        <p:blipFill>
+          <a:blip r:embed="rId2">
+            <a:extLst>
+              <a:ext uri="{28A0092B-C50C-407E-A947-70E740481C1C}">
+                <a14:useLocalDpi xmlns:a14="http://schemas.microsoft.com/office/drawing/2010/main" val="0"/>
+              </a:ext>
+            </a:extLst>
+          </a:blip>
+          <a:srcRect/>
+          <a:stretch>
+            <a:fillRect/>
+          </a:stretch>
+        </p:blipFill>
+        <p:spPr bwMode="auto">
+          <a:xfrm>
+            <a:off x="3048000" y="838200"/>
+            <a:ext cx="5904411" cy="5791200"/>
+          </a:xfrm>
+          <a:prstGeom prst="rect">
+            <a:avLst/>
+          </a:prstGeom>
+          <a:ln w="38100" cap="sq">
+            <a:solidFill>
+              <a:srgbClr val="000000"/>
+            </a:solidFill>
+            <a:prstDash val="solid"/>
+            <a:miter lim="800000"/>
+          </a:ln>
+          <a:effectLst>
+            <a:outerShdw blurRad="50800" dist="38100" dir="2700000" algn="tl" rotWithShape="0">
+              <a:srgbClr val="000000">
+                <a:alpha val="43000"/>
+              </a:srgbClr>
+            </a:outerShdw>
+          </a:effectLst>
+          <a:extLst>
+            <a:ext uri="{909E8E84-426E-40DD-AFC4-6F175D3DCCD1}">
+              <a14:hiddenFill xmlns:a14="http://schemas.microsoft.com/office/drawing/2010/main">
+                <a:solidFill>
+                  <a:schemeClr val="accent1"/>
+                </a:solidFill>
+              </a14:hiddenFill>
+            </a:ext>
+            <a:ext uri="{91240B29-F687-4F45-9708-019B960494DF}">
+              <a14:hiddenLine xmlns:a14="http://schemas.microsoft.com/office/drawing/2010/main" w="9525">
+                <a:solidFill>
+                  <a:schemeClr val="tx1"/>
+                </a:solidFill>
+                <a:miter lim="800000"/>
+                <a:headEnd/>
+                <a:tailEnd/>
+              </a14:hiddenLine>
+            </a:ext>
+            <a:ext uri="{AF507438-7753-43E0-B8FC-AC1667EBCBE1}">
+              <a14:hiddenEffects xmlns:a14="http://schemas.microsoft.com/office/drawing/2010/main">
+                <a:effectLst>
+                  <a:outerShdw dist="35921" dir="2700000" algn="ctr" rotWithShape="0">
+                    <a:schemeClr val="bg2"/>
+                  </a:outerShdw>
+                </a:effectLst>
+              </a14:hiddenEffects>
+            </a:ext>
+          </a:extLst>
+        </p:spPr>
+      </p:pic>
+      <p:sp>
+        <p:nvSpPr>
+          <p:cNvPr id="4" name="TextBox 3"/>
+          <p:cNvSpPr txBox="1"/>
+          <p:nvPr/>
+        </p:nvSpPr>
+        <p:spPr>
+          <a:xfrm>
+            <a:off x="232611" y="2286000"/>
+            <a:ext cx="2707105" cy="3754874"/>
+          </a:xfrm>
+          <a:prstGeom prst="rect">
+            <a:avLst/>
+          </a:prstGeom>
+        </p:spPr>
+        <p:style>
+          <a:lnRef idx="2">
+            <a:schemeClr val="accent6">
+              <a:shade val="50000"/>
+            </a:schemeClr>
+          </a:lnRef>
+          <a:fillRef idx="1">
+            <a:schemeClr val="accent6"/>
+          </a:fillRef>
+          <a:effectRef idx="0">
+            <a:schemeClr val="accent6"/>
+          </a:effectRef>
+          <a:fontRef idx="minor">
+            <a:schemeClr val="lt1"/>
+          </a:fontRef>
+        </p:style>
+        <p:txBody>
+          <a:bodyPr wrap="square" rtlCol="0">
+            <a:spAutoFit/>
+          </a:bodyPr>
+          <a:lstStyle/>
+          <a:p>
+            <a:pPr marL="285750" indent="-285750">
+              <a:buFont typeface="Arial" pitchFamily="34" charset="0"/>
+              <a:buChar char="•"/>
+            </a:pPr>
+            <a:r>
+              <a:rPr lang="en-CA" sz="2000" dirty="0" smtClean="0">
+                <a:latin typeface="Baskerville Old Face" pitchFamily="18" charset="0"/>
+              </a:rPr>
+              <a:t>Operator maintains a provider, updates provider database.</a:t>
+            </a:r>
+          </a:p>
+          <a:p>
+            <a:pPr marL="285750" indent="-285750">
+              <a:buFont typeface="Arial" pitchFamily="34" charset="0"/>
+              <a:buChar char="•"/>
+            </a:pPr>
+            <a:endParaRPr lang="en-CA" sz="2000" dirty="0" smtClean="0">
+              <a:latin typeface="Baskerville Old Face" pitchFamily="18" charset="0"/>
+            </a:endParaRPr>
+          </a:p>
+          <a:p>
+            <a:pPr marL="285750" indent="-285750">
+              <a:buFont typeface="Arial" pitchFamily="34" charset="0"/>
+              <a:buChar char="•"/>
+            </a:pPr>
+            <a:r>
+              <a:rPr lang="en-CA" sz="2000" dirty="0" smtClean="0">
+                <a:latin typeface="Baskerville Old Face" pitchFamily="18" charset="0"/>
+              </a:rPr>
+              <a:t>Operator Maintains a member, updates member database.</a:t>
+            </a:r>
+          </a:p>
+          <a:p>
+            <a:pPr marL="285750" indent="-285750">
+              <a:buFont typeface="Arial" pitchFamily="34" charset="0"/>
+              <a:buChar char="•"/>
+            </a:pPr>
+            <a:endParaRPr lang="en-CA" sz="2000" dirty="0" smtClean="0">
+              <a:latin typeface="Baskerville Old Face" pitchFamily="18" charset="0"/>
+            </a:endParaRPr>
+          </a:p>
+          <a:p>
+            <a:pPr marL="285750" indent="-285750">
+              <a:buFont typeface="Arial" pitchFamily="34" charset="0"/>
+              <a:buChar char="•"/>
+            </a:pPr>
+            <a:r>
+              <a:rPr lang="en-CA" sz="2000" dirty="0" smtClean="0">
+                <a:latin typeface="Baskerville Old Face" pitchFamily="18" charset="0"/>
+              </a:rPr>
+              <a:t>Operator maintains services, updates services database.</a:t>
+            </a:r>
+          </a:p>
+          <a:p>
+            <a:pPr marL="742950" lvl="1" indent="-285750">
+              <a:buFont typeface="Arial" pitchFamily="34" charset="0"/>
+              <a:buChar char="•"/>
+            </a:pPr>
+            <a:endParaRPr lang="en-CA" dirty="0"/>
+          </a:p>
+        </p:txBody>
+      </p:sp>
+    </p:spTree>
+    <p:extLst>
+      <p:ext uri="{BB962C8B-B14F-4D97-AF65-F5344CB8AC3E}">
+        <p14:creationId xmlns:p14="http://schemas.microsoft.com/office/powerpoint/2010/main" val="1955241272"/>
+      </p:ext>
+    </p:extLst>
+  </p:cSld>
+  <p:clrMapOvr>
+    <a:masterClrMapping/>
+  </p:clrMapOvr>
+  <p:timing>
+    <p:tnLst>
+      <p:par>
+        <p:cTn id="1" dur="indefinite" restart="never" nodeType="tmRoot"/>
+      </p:par>
+    </p:tnLst>
+  </p:timing>
+</p:sld>
+</file>
+
+<file path=ppt/slides/slide9.xml><?xml version="1.0" encoding="utf-8"?>
+<p:sld xmlns:a="http://schemas.openxmlformats.org/drawingml/2006/main" xmlns:r="http://schemas.openxmlformats.org/officeDocument/2006/relationships" xmlns:p="http://schemas.openxmlformats.org/presentationml/2006/main">
+  <p:cSld>
+    <p:spTree>
+      <p:nvGrpSpPr>
+        <p:cNvPr id="1" name=""/>
+        <p:cNvGrpSpPr/>
+        <p:nvPr/>
+      </p:nvGrpSpPr>
+      <p:grpSpPr>
+        <a:xfrm>
+          <a:off x="0" y="0"/>
+          <a:ext cx="0" cy="0"/>
+          <a:chOff x="0" y="0"/>
+          <a:chExt cx="0" cy="0"/>
+        </a:xfrm>
+      </p:grpSpPr>
+      <p:sp>
+        <p:nvSpPr>
+          <p:cNvPr id="2" name="Title 1"/>
+          <p:cNvSpPr>
+            <a:spLocks noGrp="1"/>
+          </p:cNvSpPr>
+          <p:nvPr>
+            <p:ph type="title"/>
+          </p:nvPr>
+        </p:nvSpPr>
+        <p:spPr/>
+        <p:txBody>
+          <a:bodyPr/>
+          <a:lstStyle/>
+          <a:p>
+            <a:pPr algn="l"/>
+            <a:r>
+              <a:rPr lang="en-CA" dirty="0" smtClean="0"/>
+              <a:t>Analysis</a:t>
+            </a:r>
+            <a:endParaRPr lang="en-CA" dirty="0"/>
+          </a:p>
+        </p:txBody>
+      </p:sp>
+      <p:pic>
+        <p:nvPicPr>
+          <p:cNvPr id="8194" name="Picture 2"/>
+          <p:cNvPicPr>
+            <a:picLocks noChangeAspect="1" noChangeArrowheads="1"/>
+          </p:cNvPicPr>
+          <p:nvPr/>
+        </p:nvPicPr>
+        <p:blipFill>
+          <a:blip r:embed="rId2">
+            <a:extLst>
+              <a:ext uri="{28A0092B-C50C-407E-A947-70E740481C1C}">
+                <a14:useLocalDpi xmlns:a14="http://schemas.microsoft.com/office/drawing/2010/main" val="0"/>
+              </a:ext>
+            </a:extLst>
+          </a:blip>
+          <a:srcRect/>
+          <a:stretch>
+            <a:fillRect/>
+          </a:stretch>
+        </p:blipFill>
+        <p:spPr bwMode="auto">
+          <a:xfrm>
+            <a:off x="2971800" y="304800"/>
+            <a:ext cx="5867400" cy="6235262"/>
+          </a:xfrm>
+          <a:prstGeom prst="rect">
+            <a:avLst/>
+          </a:prstGeom>
+          <a:ln w="38100" cap="sq">
+            <a:solidFill>
+              <a:srgbClr val="000000"/>
+            </a:solidFill>
+            <a:prstDash val="solid"/>
+            <a:miter lim="800000"/>
+          </a:ln>
+          <a:effectLst>
+            <a:outerShdw blurRad="50800" dist="38100" dir="2700000" algn="tl" rotWithShape="0">
+              <a:srgbClr val="000000">
+                <a:alpha val="43000"/>
+              </a:srgbClr>
+            </a:outerShdw>
+          </a:effectLst>
+          <a:extLst>
+            <a:ext uri="{909E8E84-426E-40DD-AFC4-6F175D3DCCD1}">
+              <a14:hiddenFill xmlns:a14="http://schemas.microsoft.com/office/drawing/2010/main">
+                <a:solidFill>
+                  <a:schemeClr val="accent1"/>
+                </a:solidFill>
+              </a14:hiddenFill>
+            </a:ext>
+            <a:ext uri="{91240B29-F687-4F45-9708-019B960494DF}">
+              <a14:hiddenLine xmlns:a14="http://schemas.microsoft.com/office/drawing/2010/main" w="9525">
+                <a:solidFill>
+                  <a:schemeClr val="tx1"/>
+                </a:solidFill>
+                <a:miter lim="800000"/>
+                <a:headEnd/>
+                <a:tailEnd/>
+              </a14:hiddenLine>
+            </a:ext>
+            <a:ext uri="{AF507438-7753-43E0-B8FC-AC1667EBCBE1}">
+              <a14:hiddenEffects xmlns:a14="http://schemas.microsoft.com/office/drawing/2010/main">
+                <a:effectLst>
+                  <a:outerShdw dist="35921" dir="2700000" algn="ctr" rotWithShape="0">
+                    <a:schemeClr val="bg2"/>
+                  </a:outerShdw>
+                </a:effectLst>
+              </a14:hiddenEffects>
+            </a:ext>
+          </a:extLst>
+        </p:spPr>
+      </p:pic>
+      <p:sp>
+        <p:nvSpPr>
+          <p:cNvPr id="4" name="TextBox 3"/>
+          <p:cNvSpPr txBox="1"/>
+          <p:nvPr/>
+        </p:nvSpPr>
+        <p:spPr>
+          <a:xfrm>
+            <a:off x="228600" y="1904999"/>
+            <a:ext cx="2574758" cy="4093428"/>
+          </a:xfrm>
+          <a:prstGeom prst="rect">
+            <a:avLst/>
+          </a:prstGeom>
+        </p:spPr>
+        <p:style>
+          <a:lnRef idx="2">
+            <a:schemeClr val="accent6">
+              <a:shade val="50000"/>
+            </a:schemeClr>
+          </a:lnRef>
+          <a:fillRef idx="1">
+            <a:schemeClr val="accent6"/>
+          </a:fillRef>
+          <a:effectRef idx="0">
+            <a:schemeClr val="accent6"/>
+          </a:effectRef>
+          <a:fontRef idx="minor">
+            <a:schemeClr val="lt1"/>
+          </a:fontRef>
+        </p:style>
+        <p:txBody>
+          <a:bodyPr wrap="square" rtlCol="0">
+            <a:spAutoFit/>
+          </a:bodyPr>
+          <a:lstStyle/>
+          <a:p>
+            <a:pPr marL="285750" indent="-285750">
+              <a:buFont typeface="Arial" pitchFamily="34" charset="0"/>
+              <a:buChar char="•"/>
+            </a:pPr>
+            <a:r>
+              <a:rPr lang="en-CA" sz="2000" dirty="0" smtClean="0">
+                <a:latin typeface="Baskerville Old Face" pitchFamily="18" charset="0"/>
+              </a:rPr>
+              <a:t>Provider verifies member using member database.</a:t>
+            </a:r>
+          </a:p>
+          <a:p>
+            <a:pPr marL="285750" indent="-285750">
+              <a:buFont typeface="Arial" pitchFamily="34" charset="0"/>
+              <a:buChar char="•"/>
+            </a:pPr>
+            <a:endParaRPr lang="en-CA" sz="2000" dirty="0" smtClean="0">
+              <a:latin typeface="Baskerville Old Face" pitchFamily="18" charset="0"/>
+            </a:endParaRPr>
+          </a:p>
+          <a:p>
+            <a:pPr marL="285750" indent="-285750">
+              <a:buFont typeface="Arial" pitchFamily="34" charset="0"/>
+              <a:buChar char="•"/>
+            </a:pPr>
+            <a:r>
+              <a:rPr lang="en-CA" sz="2000" dirty="0" smtClean="0">
+                <a:latin typeface="Baskerville Old Face" pitchFamily="18" charset="0"/>
+              </a:rPr>
+              <a:t>Provider processes a claim using claims database.</a:t>
+            </a:r>
+          </a:p>
+          <a:p>
+            <a:pPr marL="285750" indent="-285750">
+              <a:buFont typeface="Arial" pitchFamily="34" charset="0"/>
+              <a:buChar char="•"/>
+            </a:pPr>
+            <a:endParaRPr lang="en-CA" sz="2000" dirty="0" smtClean="0">
+              <a:latin typeface="Baskerville Old Face" pitchFamily="18" charset="0"/>
+            </a:endParaRPr>
+          </a:p>
+          <a:p>
+            <a:pPr marL="285750" indent="-285750">
+              <a:buFont typeface="Arial" pitchFamily="34" charset="0"/>
+              <a:buChar char="•"/>
+            </a:pPr>
+            <a:r>
+              <a:rPr lang="en-CA" sz="2000" dirty="0" smtClean="0">
+                <a:latin typeface="Baskerville Old Face" pitchFamily="18" charset="0"/>
+              </a:rPr>
+              <a:t>Provider directory is generated after provider login (when the provider is verified)</a:t>
+            </a:r>
+          </a:p>
+        </p:txBody>
+      </p:sp>
+    </p:spTree>
+    <p:extLst>
+      <p:ext uri="{BB962C8B-B14F-4D97-AF65-F5344CB8AC3E}">
+        <p14:creationId xmlns:p14="http://schemas.microsoft.com/office/powerpoint/2010/main" val="3975996769"/>
       </p:ext>
     </p:extLst>
   </p:cSld>

--- a/presentation/COMP370_Project.pptx
+++ b/presentation/COMP370_Project.pptx
@@ -17,7 +17,12 @@
     <p:sldId id="262" r:id="rId11"/>
     <p:sldId id="257" r:id="rId12"/>
     <p:sldId id="260" r:id="rId13"/>
-    <p:sldId id="259" r:id="rId14"/>
+    <p:sldId id="270" r:id="rId14"/>
+    <p:sldId id="271" r:id="rId15"/>
+    <p:sldId id="272" r:id="rId16"/>
+    <p:sldId id="273" r:id="rId17"/>
+    <p:sldId id="274" r:id="rId18"/>
+    <p:sldId id="259" r:id="rId19"/>
   </p:sldIdLst>
   <p:sldSz cx="9144000" cy="6858000" type="screen4x3"/>
   <p:notesSz cx="6858000" cy="9144000"/>
@@ -116,7 +121,1618 @@
       </a:defRPr>
     </a:lvl9pPr>
   </p:defaultTextStyle>
+  <p:extLst>
+    <p:ext uri="{EFAFB233-063F-42B5-8137-9DF3F51BA10A}">
+      <p15:sldGuideLst xmlns:p15="http://schemas.microsoft.com/office/powerpoint/2012/main">
+        <p15:guide id="1" orient="horz" pos="2160">
+          <p15:clr>
+            <a:srgbClr val="A4A3A4"/>
+          </p15:clr>
+        </p15:guide>
+        <p15:guide id="2" pos="2880">
+          <p15:clr>
+            <a:srgbClr val="A4A3A4"/>
+          </p15:clr>
+        </p15:guide>
+      </p15:sldGuideLst>
+    </p:ext>
+  </p:extLst>
 </p:presentation>
+</file>
+
+<file path=ppt/charts/chart1.xml><?xml version="1.0" encoding="utf-8"?>
+<c:chartSpace xmlns:c="http://schemas.openxmlformats.org/drawingml/2006/chart" xmlns:a="http://schemas.openxmlformats.org/drawingml/2006/main" xmlns:r="http://schemas.openxmlformats.org/officeDocument/2006/relationships" xmlns:c16r2="http://schemas.microsoft.com/office/drawing/2015/06/chart">
+  <c:date1904 val="0"/>
+  <c:lang val="en-US"/>
+  <c:roundedCorners val="0"/>
+  <mc:AlternateContent xmlns:mc="http://schemas.openxmlformats.org/markup-compatibility/2006">
+    <mc:Choice xmlns:c14="http://schemas.microsoft.com/office/drawing/2007/8/2/chart" Requires="c14">
+      <c14:style val="102"/>
+    </mc:Choice>
+    <mc:Fallback>
+      <c:style val="2"/>
+    </mc:Fallback>
+  </mc:AlternateContent>
+  <c:chart>
+    <c:title>
+      <c:tx>
+        <c:rich>
+          <a:bodyPr rot="0" spcFirstLastPara="1" vertOverflow="ellipsis" vert="horz" wrap="square" anchor="ctr" anchorCtr="1"/>
+          <a:lstStyle/>
+          <a:p>
+            <a:pPr>
+              <a:defRPr sz="1862" b="0" i="0" u="none" strike="noStrike" kern="1200" spc="0" baseline="0">
+                <a:solidFill>
+                  <a:schemeClr val="tx1">
+                    <a:lumMod val="65000"/>
+                    <a:lumOff val="35000"/>
+                  </a:schemeClr>
+                </a:solidFill>
+                <a:latin typeface="+mn-lt"/>
+                <a:ea typeface="+mn-ea"/>
+                <a:cs typeface="+mn-cs"/>
+              </a:defRPr>
+            </a:pPr>
+            <a:r>
+              <a:rPr lang="en-US" dirty="0"/>
+              <a:t>Lines of Code in our Project</a:t>
+            </a:r>
+          </a:p>
+        </c:rich>
+      </c:tx>
+      <c:overlay val="0"/>
+      <c:spPr>
+        <a:noFill/>
+        <a:ln>
+          <a:noFill/>
+        </a:ln>
+        <a:effectLst/>
+      </c:spPr>
+      <c:txPr>
+        <a:bodyPr rot="0" spcFirstLastPara="1" vertOverflow="ellipsis" vert="horz" wrap="square" anchor="ctr" anchorCtr="1"/>
+        <a:lstStyle/>
+        <a:p>
+          <a:pPr>
+            <a:defRPr sz="1862" b="0" i="0" u="none" strike="noStrike" kern="1200" spc="0" baseline="0">
+              <a:solidFill>
+                <a:schemeClr val="tx1">
+                  <a:lumMod val="65000"/>
+                  <a:lumOff val="35000"/>
+                </a:schemeClr>
+              </a:solidFill>
+              <a:latin typeface="+mn-lt"/>
+              <a:ea typeface="+mn-ea"/>
+              <a:cs typeface="+mn-cs"/>
+            </a:defRPr>
+          </a:pPr>
+          <a:endParaRPr lang="en-US"/>
+        </a:p>
+      </c:txPr>
+    </c:title>
+    <c:autoTitleDeleted val="0"/>
+    <c:plotArea>
+      <c:layout/>
+      <c:doughnutChart>
+        <c:varyColors val="1"/>
+        <c:ser>
+          <c:idx val="0"/>
+          <c:order val="0"/>
+          <c:tx>
+            <c:strRef>
+              <c:f>Sheet1!$B$1</c:f>
+              <c:strCache>
+                <c:ptCount val="1"/>
+                <c:pt idx="0">
+                  <c:v>Column1</c:v>
+                </c:pt>
+              </c:strCache>
+            </c:strRef>
+          </c:tx>
+          <c:dPt>
+            <c:idx val="0"/>
+            <c:bubble3D val="0"/>
+            <c:spPr>
+              <a:solidFill>
+                <a:schemeClr val="accent1"/>
+              </a:solidFill>
+              <a:ln w="19050">
+                <a:solidFill>
+                  <a:schemeClr val="lt1"/>
+                </a:solidFill>
+              </a:ln>
+              <a:effectLst/>
+            </c:spPr>
+          </c:dPt>
+          <c:dPt>
+            <c:idx val="1"/>
+            <c:bubble3D val="0"/>
+            <c:spPr>
+              <a:solidFill>
+                <a:schemeClr val="accent2"/>
+              </a:solidFill>
+              <a:ln w="19050">
+                <a:solidFill>
+                  <a:schemeClr val="lt1"/>
+                </a:solidFill>
+              </a:ln>
+              <a:effectLst/>
+            </c:spPr>
+          </c:dPt>
+          <c:cat>
+            <c:strRef>
+              <c:f>Sheet1!$A$2:$A$3</c:f>
+              <c:strCache>
+                <c:ptCount val="2"/>
+                <c:pt idx="0">
+                  <c:v>Test Code</c:v>
+                </c:pt>
+                <c:pt idx="1">
+                  <c:v>Implementation Code</c:v>
+                </c:pt>
+              </c:strCache>
+            </c:strRef>
+          </c:cat>
+          <c:val>
+            <c:numRef>
+              <c:f>Sheet1!$B$2:$B$3</c:f>
+              <c:numCache>
+                <c:formatCode>General</c:formatCode>
+                <c:ptCount val="2"/>
+                <c:pt idx="0">
+                  <c:v>754</c:v>
+                </c:pt>
+                <c:pt idx="1">
+                  <c:v>5083</c:v>
+                </c:pt>
+              </c:numCache>
+            </c:numRef>
+          </c:val>
+          <c:extLst>
+            <c:ext xmlns:c16="http://schemas.microsoft.com/office/drawing/2014/chart" uri="{C3380CC4-5D6E-409C-BE32-E72D297353CC}">
+              <c16:uniqueId val="{00000000-C975-467C-AB0D-5594B0D4E21C}"/>
+            </c:ext>
+          </c:extLst>
+        </c:ser>
+        <c:dLbls>
+          <c:showLegendKey val="0"/>
+          <c:showVal val="0"/>
+          <c:showCatName val="0"/>
+          <c:showSerName val="0"/>
+          <c:showPercent val="0"/>
+          <c:showBubbleSize val="0"/>
+          <c:showLeaderLines val="1"/>
+        </c:dLbls>
+        <c:firstSliceAng val="0"/>
+        <c:holeSize val="75"/>
+      </c:doughnutChart>
+      <c:spPr>
+        <a:noFill/>
+        <a:ln>
+          <a:noFill/>
+        </a:ln>
+        <a:effectLst/>
+      </c:spPr>
+    </c:plotArea>
+    <c:legend>
+      <c:legendPos val="b"/>
+      <c:overlay val="0"/>
+      <c:spPr>
+        <a:noFill/>
+        <a:ln>
+          <a:noFill/>
+        </a:ln>
+        <a:effectLst/>
+      </c:spPr>
+      <c:txPr>
+        <a:bodyPr rot="0" spcFirstLastPara="1" vertOverflow="ellipsis" vert="horz" wrap="square" anchor="ctr" anchorCtr="1"/>
+        <a:lstStyle/>
+        <a:p>
+          <a:pPr>
+            <a:defRPr sz="1197" b="0" i="0" u="none" strike="noStrike" kern="1200" baseline="0">
+              <a:solidFill>
+                <a:schemeClr val="tx1">
+                  <a:lumMod val="65000"/>
+                  <a:lumOff val="35000"/>
+                </a:schemeClr>
+              </a:solidFill>
+              <a:latin typeface="+mn-lt"/>
+              <a:ea typeface="+mn-ea"/>
+              <a:cs typeface="+mn-cs"/>
+            </a:defRPr>
+          </a:pPr>
+          <a:endParaRPr lang="en-US"/>
+        </a:p>
+      </c:txPr>
+    </c:legend>
+    <c:plotVisOnly val="1"/>
+    <c:dispBlanksAs val="gap"/>
+    <c:showDLblsOverMax val="0"/>
+  </c:chart>
+  <c:spPr>
+    <a:noFill/>
+    <a:ln>
+      <a:noFill/>
+    </a:ln>
+    <a:effectLst/>
+  </c:spPr>
+  <c:txPr>
+    <a:bodyPr/>
+    <a:lstStyle/>
+    <a:p>
+      <a:pPr>
+        <a:defRPr/>
+      </a:pPr>
+      <a:endParaRPr lang="en-US"/>
+    </a:p>
+  </c:txPr>
+  <c:externalData r:id="rId3">
+    <c:autoUpdate val="0"/>
+  </c:externalData>
+</c:chartSpace>
+</file>
+
+<file path=ppt/charts/chart2.xml><?xml version="1.0" encoding="utf-8"?>
+<c:chartSpace xmlns:c="http://schemas.openxmlformats.org/drawingml/2006/chart" xmlns:a="http://schemas.openxmlformats.org/drawingml/2006/main" xmlns:r="http://schemas.openxmlformats.org/officeDocument/2006/relationships" xmlns:c16r2="http://schemas.microsoft.com/office/drawing/2015/06/chart">
+  <c:date1904 val="0"/>
+  <c:lang val="en-US"/>
+  <c:roundedCorners val="0"/>
+  <mc:AlternateContent xmlns:mc="http://schemas.openxmlformats.org/markup-compatibility/2006">
+    <mc:Choice xmlns:c14="http://schemas.microsoft.com/office/drawing/2007/8/2/chart" Requires="c14">
+      <c14:style val="102"/>
+    </mc:Choice>
+    <mc:Fallback>
+      <c:style val="2"/>
+    </mc:Fallback>
+  </mc:AlternateContent>
+  <c:chart>
+    <c:title>
+      <c:tx>
+        <c:rich>
+          <a:bodyPr rot="0" spcFirstLastPara="1" vertOverflow="ellipsis" vert="horz" wrap="square" anchor="ctr" anchorCtr="1"/>
+          <a:lstStyle/>
+          <a:p>
+            <a:pPr>
+              <a:defRPr sz="1862" b="0" i="0" u="none" strike="noStrike" kern="1200" spc="0" baseline="0">
+                <a:solidFill>
+                  <a:schemeClr val="tx1">
+                    <a:lumMod val="65000"/>
+                    <a:lumOff val="35000"/>
+                  </a:schemeClr>
+                </a:solidFill>
+                <a:latin typeface="+mn-lt"/>
+                <a:ea typeface="+mn-ea"/>
+                <a:cs typeface="+mn-cs"/>
+              </a:defRPr>
+            </a:pPr>
+            <a:r>
+              <a:rPr lang="en-US" dirty="0"/>
+              <a:t>Industrial Project</a:t>
+            </a:r>
+            <a:r>
+              <a:rPr lang="en-US" baseline="0" dirty="0"/>
+              <a:t> Example</a:t>
+            </a:r>
+            <a:endParaRPr lang="en-US" dirty="0"/>
+          </a:p>
+        </c:rich>
+      </c:tx>
+      <c:overlay val="0"/>
+      <c:spPr>
+        <a:noFill/>
+        <a:ln>
+          <a:noFill/>
+        </a:ln>
+        <a:effectLst/>
+      </c:spPr>
+      <c:txPr>
+        <a:bodyPr rot="0" spcFirstLastPara="1" vertOverflow="ellipsis" vert="horz" wrap="square" anchor="ctr" anchorCtr="1"/>
+        <a:lstStyle/>
+        <a:p>
+          <a:pPr>
+            <a:defRPr sz="1862" b="0" i="0" u="none" strike="noStrike" kern="1200" spc="0" baseline="0">
+              <a:solidFill>
+                <a:schemeClr val="tx1">
+                  <a:lumMod val="65000"/>
+                  <a:lumOff val="35000"/>
+                </a:schemeClr>
+              </a:solidFill>
+              <a:latin typeface="+mn-lt"/>
+              <a:ea typeface="+mn-ea"/>
+              <a:cs typeface="+mn-cs"/>
+            </a:defRPr>
+          </a:pPr>
+          <a:endParaRPr lang="en-US"/>
+        </a:p>
+      </c:txPr>
+    </c:title>
+    <c:autoTitleDeleted val="0"/>
+    <c:plotArea>
+      <c:layout/>
+      <c:doughnutChart>
+        <c:varyColors val="1"/>
+        <c:ser>
+          <c:idx val="0"/>
+          <c:order val="0"/>
+          <c:tx>
+            <c:strRef>
+              <c:f>Sheet1!$B$1</c:f>
+              <c:strCache>
+                <c:ptCount val="1"/>
+                <c:pt idx="0">
+                  <c:v>Column1</c:v>
+                </c:pt>
+              </c:strCache>
+            </c:strRef>
+          </c:tx>
+          <c:dPt>
+            <c:idx val="0"/>
+            <c:bubble3D val="0"/>
+            <c:spPr>
+              <a:solidFill>
+                <a:schemeClr val="accent1"/>
+              </a:solidFill>
+              <a:ln w="19050">
+                <a:solidFill>
+                  <a:schemeClr val="lt1"/>
+                </a:solidFill>
+              </a:ln>
+              <a:effectLst/>
+            </c:spPr>
+            <c:extLst>
+              <c:ext xmlns:c16="http://schemas.microsoft.com/office/drawing/2014/chart" uri="{C3380CC4-5D6E-409C-BE32-E72D297353CC}">
+                <c16:uniqueId val="{00000001-4230-4608-835D-64680D2E030C}"/>
+              </c:ext>
+            </c:extLst>
+          </c:dPt>
+          <c:dPt>
+            <c:idx val="1"/>
+            <c:bubble3D val="0"/>
+            <c:spPr>
+              <a:solidFill>
+                <a:schemeClr val="accent2"/>
+              </a:solidFill>
+              <a:ln w="19050">
+                <a:solidFill>
+                  <a:schemeClr val="lt1"/>
+                </a:solidFill>
+              </a:ln>
+              <a:effectLst/>
+            </c:spPr>
+            <c:extLst>
+              <c:ext xmlns:c16="http://schemas.microsoft.com/office/drawing/2014/chart" uri="{C3380CC4-5D6E-409C-BE32-E72D297353CC}">
+                <c16:uniqueId val="{00000003-4230-4608-835D-64680D2E030C}"/>
+              </c:ext>
+            </c:extLst>
+          </c:dPt>
+          <c:cat>
+            <c:strRef>
+              <c:f>Sheet1!$A$2:$A$3</c:f>
+              <c:strCache>
+                <c:ptCount val="2"/>
+                <c:pt idx="0">
+                  <c:v>Test Code</c:v>
+                </c:pt>
+                <c:pt idx="1">
+                  <c:v>Implementation Code</c:v>
+                </c:pt>
+              </c:strCache>
+            </c:strRef>
+          </c:cat>
+          <c:val>
+            <c:numRef>
+              <c:f>Sheet1!$B$2:$B$3</c:f>
+              <c:numCache>
+                <c:formatCode>General</c:formatCode>
+                <c:ptCount val="2"/>
+                <c:pt idx="0">
+                  <c:v>200</c:v>
+                </c:pt>
+                <c:pt idx="1">
+                  <c:v>100</c:v>
+                </c:pt>
+              </c:numCache>
+            </c:numRef>
+          </c:val>
+          <c:extLst>
+            <c:ext xmlns:c16="http://schemas.microsoft.com/office/drawing/2014/chart" uri="{C3380CC4-5D6E-409C-BE32-E72D297353CC}">
+              <c16:uniqueId val="{00000004-4230-4608-835D-64680D2E030C}"/>
+            </c:ext>
+          </c:extLst>
+        </c:ser>
+        <c:dLbls>
+          <c:showLegendKey val="0"/>
+          <c:showVal val="0"/>
+          <c:showCatName val="0"/>
+          <c:showSerName val="0"/>
+          <c:showPercent val="0"/>
+          <c:showBubbleSize val="0"/>
+          <c:showLeaderLines val="1"/>
+        </c:dLbls>
+        <c:firstSliceAng val="0"/>
+        <c:holeSize val="75"/>
+      </c:doughnutChart>
+      <c:spPr>
+        <a:noFill/>
+        <a:ln>
+          <a:noFill/>
+        </a:ln>
+        <a:effectLst/>
+      </c:spPr>
+    </c:plotArea>
+    <c:legend>
+      <c:legendPos val="b"/>
+      <c:overlay val="0"/>
+      <c:spPr>
+        <a:noFill/>
+        <a:ln>
+          <a:noFill/>
+        </a:ln>
+        <a:effectLst/>
+      </c:spPr>
+      <c:txPr>
+        <a:bodyPr rot="0" spcFirstLastPara="1" vertOverflow="ellipsis" vert="horz" wrap="square" anchor="ctr" anchorCtr="1"/>
+        <a:lstStyle/>
+        <a:p>
+          <a:pPr>
+            <a:defRPr sz="1197" b="0" i="0" u="none" strike="noStrike" kern="1200" baseline="0">
+              <a:solidFill>
+                <a:schemeClr val="tx1">
+                  <a:lumMod val="65000"/>
+                  <a:lumOff val="35000"/>
+                </a:schemeClr>
+              </a:solidFill>
+              <a:latin typeface="+mn-lt"/>
+              <a:ea typeface="+mn-ea"/>
+              <a:cs typeface="+mn-cs"/>
+            </a:defRPr>
+          </a:pPr>
+          <a:endParaRPr lang="en-US"/>
+        </a:p>
+      </c:txPr>
+    </c:legend>
+    <c:plotVisOnly val="1"/>
+    <c:dispBlanksAs val="gap"/>
+    <c:showDLblsOverMax val="0"/>
+  </c:chart>
+  <c:spPr>
+    <a:noFill/>
+    <a:ln>
+      <a:noFill/>
+    </a:ln>
+    <a:effectLst/>
+  </c:spPr>
+  <c:txPr>
+    <a:bodyPr/>
+    <a:lstStyle/>
+    <a:p>
+      <a:pPr>
+        <a:defRPr/>
+      </a:pPr>
+      <a:endParaRPr lang="en-US"/>
+    </a:p>
+  </c:txPr>
+  <c:externalData r:id="rId3">
+    <c:autoUpdate val="0"/>
+  </c:externalData>
+</c:chartSpace>
+</file>
+
+<file path=ppt/charts/colors1.xml><?xml version="1.0" encoding="utf-8"?>
+<cs:colorStyle xmlns:cs="http://schemas.microsoft.com/office/drawing/2012/chartStyle" xmlns:a="http://schemas.openxmlformats.org/drawingml/2006/main" meth="cycle" id="10">
+  <a:schemeClr val="accent1"/>
+  <a:schemeClr val="accent2"/>
+  <a:schemeClr val="accent3"/>
+  <a:schemeClr val="accent4"/>
+  <a:schemeClr val="accent5"/>
+  <a:schemeClr val="accent6"/>
+  <cs:variation/>
+  <cs:variation>
+    <a:lumMod val="60000"/>
+  </cs:variation>
+  <cs:variation>
+    <a:lumMod val="80000"/>
+    <a:lumOff val="20000"/>
+  </cs:variation>
+  <cs:variation>
+    <a:lumMod val="80000"/>
+  </cs:variation>
+  <cs:variation>
+    <a:lumMod val="60000"/>
+    <a:lumOff val="40000"/>
+  </cs:variation>
+  <cs:variation>
+    <a:lumMod val="50000"/>
+  </cs:variation>
+  <cs:variation>
+    <a:lumMod val="70000"/>
+    <a:lumOff val="30000"/>
+  </cs:variation>
+  <cs:variation>
+    <a:lumMod val="70000"/>
+  </cs:variation>
+  <cs:variation>
+    <a:lumMod val="50000"/>
+    <a:lumOff val="50000"/>
+  </cs:variation>
+</cs:colorStyle>
+</file>
+
+<file path=ppt/charts/colors2.xml><?xml version="1.0" encoding="utf-8"?>
+<cs:colorStyle xmlns:cs="http://schemas.microsoft.com/office/drawing/2012/chartStyle" xmlns:a="http://schemas.openxmlformats.org/drawingml/2006/main" meth="cycle" id="10">
+  <a:schemeClr val="accent1"/>
+  <a:schemeClr val="accent2"/>
+  <a:schemeClr val="accent3"/>
+  <a:schemeClr val="accent4"/>
+  <a:schemeClr val="accent5"/>
+  <a:schemeClr val="accent6"/>
+  <cs:variation/>
+  <cs:variation>
+    <a:lumMod val="60000"/>
+  </cs:variation>
+  <cs:variation>
+    <a:lumMod val="80000"/>
+    <a:lumOff val="20000"/>
+  </cs:variation>
+  <cs:variation>
+    <a:lumMod val="80000"/>
+  </cs:variation>
+  <cs:variation>
+    <a:lumMod val="60000"/>
+    <a:lumOff val="40000"/>
+  </cs:variation>
+  <cs:variation>
+    <a:lumMod val="50000"/>
+  </cs:variation>
+  <cs:variation>
+    <a:lumMod val="70000"/>
+    <a:lumOff val="30000"/>
+  </cs:variation>
+  <cs:variation>
+    <a:lumMod val="70000"/>
+  </cs:variation>
+  <cs:variation>
+    <a:lumMod val="50000"/>
+    <a:lumOff val="50000"/>
+  </cs:variation>
+</cs:colorStyle>
+</file>
+
+<file path=ppt/charts/style1.xml><?xml version="1.0" encoding="utf-8"?>
+<cs:chartStyle xmlns:cs="http://schemas.microsoft.com/office/drawing/2012/chartStyle" xmlns:a="http://schemas.openxmlformats.org/drawingml/2006/main" id="251">
+  <cs:axisTitle>
+    <cs:lnRef idx="0"/>
+    <cs:fillRef idx="0"/>
+    <cs:effectRef idx="0"/>
+    <cs:fontRef idx="minor">
+      <a:schemeClr val="tx1">
+        <a:lumMod val="65000"/>
+        <a:lumOff val="35000"/>
+      </a:schemeClr>
+    </cs:fontRef>
+    <cs:defRPr sz="1330" kern="1200"/>
+  </cs:axisTitle>
+  <cs:categoryAxis>
+    <cs:lnRef idx="0"/>
+    <cs:fillRef idx="0"/>
+    <cs:effectRef idx="0"/>
+    <cs:fontRef idx="minor">
+      <a:schemeClr val="tx1">
+        <a:lumMod val="65000"/>
+        <a:lumOff val="35000"/>
+      </a:schemeClr>
+    </cs:fontRef>
+    <cs:spPr>
+      <a:ln w="9525" cap="flat" cmpd="sng" algn="ctr">
+        <a:solidFill>
+          <a:schemeClr val="tx1">
+            <a:lumMod val="15000"/>
+            <a:lumOff val="85000"/>
+          </a:schemeClr>
+        </a:solidFill>
+        <a:round/>
+      </a:ln>
+    </cs:spPr>
+    <cs:defRPr sz="1197" kern="1200"/>
+  </cs:categoryAxis>
+  <cs:chartArea mods="allowNoFillOverride allowNoLineOverride">
+    <cs:lnRef idx="0"/>
+    <cs:fillRef idx="0"/>
+    <cs:effectRef idx="0"/>
+    <cs:fontRef idx="minor">
+      <a:schemeClr val="tx1"/>
+    </cs:fontRef>
+    <cs:spPr>
+      <a:solidFill>
+        <a:schemeClr val="bg1"/>
+      </a:solidFill>
+      <a:ln w="9525" cap="flat" cmpd="sng" algn="ctr">
+        <a:solidFill>
+          <a:schemeClr val="tx1">
+            <a:lumMod val="15000"/>
+            <a:lumOff val="85000"/>
+          </a:schemeClr>
+        </a:solidFill>
+        <a:round/>
+      </a:ln>
+    </cs:spPr>
+    <cs:defRPr sz="1197" kern="1200"/>
+  </cs:chartArea>
+  <cs:dataLabel>
+    <cs:lnRef idx="0"/>
+    <cs:fillRef idx="0"/>
+    <cs:effectRef idx="0"/>
+    <cs:fontRef idx="minor">
+      <a:schemeClr val="tx1">
+        <a:lumMod val="75000"/>
+        <a:lumOff val="25000"/>
+      </a:schemeClr>
+    </cs:fontRef>
+    <cs:defRPr sz="1197" kern="1200"/>
+  </cs:dataLabel>
+  <cs:dataLabelCallout>
+    <cs:lnRef idx="0"/>
+    <cs:fillRef idx="0"/>
+    <cs:effectRef idx="0"/>
+    <cs:fontRef idx="minor">
+      <a:schemeClr val="dk1">
+        <a:lumMod val="65000"/>
+        <a:lumOff val="35000"/>
+      </a:schemeClr>
+    </cs:fontRef>
+    <cs:spPr>
+      <a:solidFill>
+        <a:schemeClr val="lt1"/>
+      </a:solidFill>
+      <a:ln>
+        <a:solidFill>
+          <a:schemeClr val="dk1">
+            <a:lumMod val="25000"/>
+            <a:lumOff val="75000"/>
+          </a:schemeClr>
+        </a:solidFill>
+      </a:ln>
+    </cs:spPr>
+    <cs:defRPr sz="1197" kern="1200"/>
+    <cs:bodyPr rot="0" spcFirstLastPara="1" vertOverflow="clip" horzOverflow="clip" vert="horz" wrap="square" lIns="36576" tIns="18288" rIns="36576" bIns="18288" anchor="ctr" anchorCtr="1">
+      <a:spAutoFit/>
+    </cs:bodyPr>
+  </cs:dataLabelCallout>
+  <cs:dataPoint>
+    <cs:lnRef idx="0"/>
+    <cs:fillRef idx="1">
+      <cs:styleClr val="auto"/>
+    </cs:fillRef>
+    <cs:effectRef idx="0"/>
+    <cs:fontRef idx="minor">
+      <a:schemeClr val="tx1"/>
+    </cs:fontRef>
+    <cs:spPr>
+      <a:ln w="19050">
+        <a:solidFill>
+          <a:schemeClr val="lt1"/>
+        </a:solidFill>
+      </a:ln>
+    </cs:spPr>
+  </cs:dataPoint>
+  <cs:dataPoint3D>
+    <cs:lnRef idx="0"/>
+    <cs:fillRef idx="1">
+      <cs:styleClr val="auto"/>
+    </cs:fillRef>
+    <cs:effectRef idx="0"/>
+    <cs:fontRef idx="minor">
+      <a:schemeClr val="tx1"/>
+    </cs:fontRef>
+    <cs:spPr>
+      <a:ln w="25400">
+        <a:solidFill>
+          <a:schemeClr val="lt1"/>
+        </a:solidFill>
+      </a:ln>
+    </cs:spPr>
+  </cs:dataPoint3D>
+  <cs:dataPointLine>
+    <cs:lnRef idx="0">
+      <cs:styleClr val="auto"/>
+    </cs:lnRef>
+    <cs:fillRef idx="0"/>
+    <cs:effectRef idx="0"/>
+    <cs:fontRef idx="minor">
+      <a:schemeClr val="tx1"/>
+    </cs:fontRef>
+    <cs:spPr>
+      <a:ln w="28575" cap="rnd">
+        <a:solidFill>
+          <a:schemeClr val="phClr"/>
+        </a:solidFill>
+        <a:round/>
+      </a:ln>
+    </cs:spPr>
+  </cs:dataPointLine>
+  <cs:dataPointMarker>
+    <cs:lnRef idx="0">
+      <cs:styleClr val="auto"/>
+    </cs:lnRef>
+    <cs:fillRef idx="1">
+      <cs:styleClr val="auto"/>
+    </cs:fillRef>
+    <cs:effectRef idx="0"/>
+    <cs:fontRef idx="minor">
+      <a:schemeClr val="tx1"/>
+    </cs:fontRef>
+    <cs:spPr>
+      <a:ln w="9525">
+        <a:solidFill>
+          <a:schemeClr val="phClr"/>
+        </a:solidFill>
+      </a:ln>
+    </cs:spPr>
+  </cs:dataPointMarker>
+  <cs:dataPointMarkerLayout symbol="circle" size="5"/>
+  <cs:dataPointWireframe>
+    <cs:lnRef idx="0">
+      <cs:styleClr val="auto"/>
+    </cs:lnRef>
+    <cs:fillRef idx="0"/>
+    <cs:effectRef idx="0"/>
+    <cs:fontRef idx="minor">
+      <a:schemeClr val="tx1"/>
+    </cs:fontRef>
+    <cs:spPr>
+      <a:ln w="9525" cap="rnd">
+        <a:solidFill>
+          <a:schemeClr val="phClr"/>
+        </a:solidFill>
+        <a:round/>
+      </a:ln>
+    </cs:spPr>
+  </cs:dataPointWireframe>
+  <cs:dataTable>
+    <cs:lnRef idx="0"/>
+    <cs:fillRef idx="0"/>
+    <cs:effectRef idx="0"/>
+    <cs:fontRef idx="minor">
+      <a:schemeClr val="tx1">
+        <a:lumMod val="65000"/>
+        <a:lumOff val="35000"/>
+      </a:schemeClr>
+    </cs:fontRef>
+    <cs:spPr>
+      <a:noFill/>
+      <a:ln w="9525" cap="flat" cmpd="sng" algn="ctr">
+        <a:solidFill>
+          <a:schemeClr val="tx1">
+            <a:lumMod val="15000"/>
+            <a:lumOff val="85000"/>
+          </a:schemeClr>
+        </a:solidFill>
+        <a:round/>
+      </a:ln>
+    </cs:spPr>
+    <cs:defRPr sz="1197" kern="1200"/>
+  </cs:dataTable>
+  <cs:downBar>
+    <cs:lnRef idx="0"/>
+    <cs:fillRef idx="0"/>
+    <cs:effectRef idx="0"/>
+    <cs:fontRef idx="minor">
+      <a:schemeClr val="tx1"/>
+    </cs:fontRef>
+    <cs:spPr>
+      <a:solidFill>
+        <a:schemeClr val="dk1">
+          <a:lumMod val="75000"/>
+          <a:lumOff val="25000"/>
+        </a:schemeClr>
+      </a:solidFill>
+      <a:ln w="9525" cap="flat" cmpd="sng" algn="ctr">
+        <a:solidFill>
+          <a:schemeClr val="tx1">
+            <a:lumMod val="65000"/>
+            <a:lumOff val="35000"/>
+          </a:schemeClr>
+        </a:solidFill>
+        <a:round/>
+      </a:ln>
+    </cs:spPr>
+  </cs:downBar>
+  <cs:dropLine>
+    <cs:lnRef idx="0"/>
+    <cs:fillRef idx="0"/>
+    <cs:effectRef idx="0"/>
+    <cs:fontRef idx="minor">
+      <a:schemeClr val="tx1"/>
+    </cs:fontRef>
+    <cs:spPr>
+      <a:ln w="9525" cap="flat" cmpd="sng" algn="ctr">
+        <a:solidFill>
+          <a:schemeClr val="tx1">
+            <a:lumMod val="35000"/>
+            <a:lumOff val="65000"/>
+          </a:schemeClr>
+        </a:solidFill>
+        <a:round/>
+      </a:ln>
+    </cs:spPr>
+  </cs:dropLine>
+  <cs:errorBar>
+    <cs:lnRef idx="0"/>
+    <cs:fillRef idx="0"/>
+    <cs:effectRef idx="0"/>
+    <cs:fontRef idx="minor">
+      <a:schemeClr val="tx1"/>
+    </cs:fontRef>
+    <cs:spPr>
+      <a:ln w="9525" cap="flat" cmpd="sng" algn="ctr">
+        <a:solidFill>
+          <a:schemeClr val="tx1">
+            <a:lumMod val="65000"/>
+            <a:lumOff val="35000"/>
+          </a:schemeClr>
+        </a:solidFill>
+        <a:round/>
+      </a:ln>
+    </cs:spPr>
+  </cs:errorBar>
+  <cs:floor>
+    <cs:lnRef idx="0"/>
+    <cs:fillRef idx="0"/>
+    <cs:effectRef idx="0"/>
+    <cs:fontRef idx="minor">
+      <a:schemeClr val="tx1"/>
+    </cs:fontRef>
+    <cs:spPr>
+      <a:noFill/>
+      <a:ln>
+        <a:noFill/>
+      </a:ln>
+    </cs:spPr>
+  </cs:floor>
+  <cs:gridlineMajor>
+    <cs:lnRef idx="0"/>
+    <cs:fillRef idx="0"/>
+    <cs:effectRef idx="0"/>
+    <cs:fontRef idx="minor">
+      <a:schemeClr val="tx1"/>
+    </cs:fontRef>
+    <cs:spPr>
+      <a:ln w="9525" cap="flat" cmpd="sng" algn="ctr">
+        <a:solidFill>
+          <a:schemeClr val="tx1">
+            <a:lumMod val="15000"/>
+            <a:lumOff val="85000"/>
+          </a:schemeClr>
+        </a:solidFill>
+        <a:round/>
+      </a:ln>
+    </cs:spPr>
+  </cs:gridlineMajor>
+  <cs:gridlineMinor>
+    <cs:lnRef idx="0"/>
+    <cs:fillRef idx="0"/>
+    <cs:effectRef idx="0"/>
+    <cs:fontRef idx="minor">
+      <a:schemeClr val="tx1"/>
+    </cs:fontRef>
+    <cs:spPr>
+      <a:ln w="9525" cap="flat" cmpd="sng" algn="ctr">
+        <a:solidFill>
+          <a:schemeClr val="tx1">
+            <a:lumMod val="5000"/>
+            <a:lumOff val="95000"/>
+          </a:schemeClr>
+        </a:solidFill>
+        <a:round/>
+      </a:ln>
+    </cs:spPr>
+  </cs:gridlineMinor>
+  <cs:hiLoLine>
+    <cs:lnRef idx="0"/>
+    <cs:fillRef idx="0"/>
+    <cs:effectRef idx="0"/>
+    <cs:fontRef idx="minor">
+      <a:schemeClr val="tx1"/>
+    </cs:fontRef>
+    <cs:spPr>
+      <a:ln w="9525" cap="flat" cmpd="sng" algn="ctr">
+        <a:solidFill>
+          <a:schemeClr val="tx1">
+            <a:lumMod val="50000"/>
+            <a:lumOff val="50000"/>
+          </a:schemeClr>
+        </a:solidFill>
+        <a:round/>
+      </a:ln>
+    </cs:spPr>
+  </cs:hiLoLine>
+  <cs:leaderLine>
+    <cs:lnRef idx="0"/>
+    <cs:fillRef idx="0"/>
+    <cs:effectRef idx="0"/>
+    <cs:fontRef idx="minor">
+      <a:schemeClr val="tx1"/>
+    </cs:fontRef>
+    <cs:spPr>
+      <a:ln w="9525" cap="flat" cmpd="sng" algn="ctr">
+        <a:solidFill>
+          <a:schemeClr val="tx1">
+            <a:lumMod val="35000"/>
+            <a:lumOff val="65000"/>
+          </a:schemeClr>
+        </a:solidFill>
+        <a:round/>
+      </a:ln>
+    </cs:spPr>
+  </cs:leaderLine>
+  <cs:legend>
+    <cs:lnRef idx="0"/>
+    <cs:fillRef idx="0"/>
+    <cs:effectRef idx="0"/>
+    <cs:fontRef idx="minor">
+      <a:schemeClr val="tx1">
+        <a:lumMod val="65000"/>
+        <a:lumOff val="35000"/>
+      </a:schemeClr>
+    </cs:fontRef>
+    <cs:defRPr sz="1197" kern="1200"/>
+  </cs:legend>
+  <cs:plotArea mods="allowNoFillOverride allowNoLineOverride">
+    <cs:lnRef idx="0"/>
+    <cs:fillRef idx="0"/>
+    <cs:effectRef idx="0"/>
+    <cs:fontRef idx="minor">
+      <a:schemeClr val="tx1"/>
+    </cs:fontRef>
+  </cs:plotArea>
+  <cs:plotArea3D mods="allowNoFillOverride allowNoLineOverride">
+    <cs:lnRef idx="0"/>
+    <cs:fillRef idx="0"/>
+    <cs:effectRef idx="0"/>
+    <cs:fontRef idx="minor">
+      <a:schemeClr val="tx1"/>
+    </cs:fontRef>
+  </cs:plotArea3D>
+  <cs:seriesAxis>
+    <cs:lnRef idx="0"/>
+    <cs:fillRef idx="0"/>
+    <cs:effectRef idx="0"/>
+    <cs:fontRef idx="minor">
+      <a:schemeClr val="tx1">
+        <a:lumMod val="65000"/>
+        <a:lumOff val="35000"/>
+      </a:schemeClr>
+    </cs:fontRef>
+    <cs:defRPr sz="1197" kern="1200"/>
+  </cs:seriesAxis>
+  <cs:seriesLine>
+    <cs:lnRef idx="0"/>
+    <cs:fillRef idx="0"/>
+    <cs:effectRef idx="0"/>
+    <cs:fontRef idx="minor">
+      <a:schemeClr val="tx1"/>
+    </cs:fontRef>
+    <cs:spPr>
+      <a:ln w="9525" cap="flat" cmpd="sng" algn="ctr">
+        <a:solidFill>
+          <a:schemeClr val="tx1">
+            <a:lumMod val="35000"/>
+            <a:lumOff val="65000"/>
+          </a:schemeClr>
+        </a:solidFill>
+        <a:round/>
+      </a:ln>
+    </cs:spPr>
+  </cs:seriesLine>
+  <cs:title>
+    <cs:lnRef idx="0"/>
+    <cs:fillRef idx="0"/>
+    <cs:effectRef idx="0"/>
+    <cs:fontRef idx="minor">
+      <a:schemeClr val="tx1">
+        <a:lumMod val="65000"/>
+        <a:lumOff val="35000"/>
+      </a:schemeClr>
+    </cs:fontRef>
+    <cs:defRPr sz="1862" b="0" kern="1200" spc="0" baseline="0"/>
+  </cs:title>
+  <cs:trendline>
+    <cs:lnRef idx="0">
+      <cs:styleClr val="auto"/>
+    </cs:lnRef>
+    <cs:fillRef idx="0"/>
+    <cs:effectRef idx="0"/>
+    <cs:fontRef idx="minor">
+      <a:schemeClr val="tx1"/>
+    </cs:fontRef>
+    <cs:spPr>
+      <a:ln w="19050" cap="rnd">
+        <a:solidFill>
+          <a:schemeClr val="phClr"/>
+        </a:solidFill>
+        <a:prstDash val="sysDot"/>
+      </a:ln>
+    </cs:spPr>
+  </cs:trendline>
+  <cs:trendlineLabel>
+    <cs:lnRef idx="0"/>
+    <cs:fillRef idx="0"/>
+    <cs:effectRef idx="0"/>
+    <cs:fontRef idx="minor">
+      <a:schemeClr val="tx1">
+        <a:lumMod val="65000"/>
+        <a:lumOff val="35000"/>
+      </a:schemeClr>
+    </cs:fontRef>
+    <cs:defRPr sz="1197" kern="1200"/>
+  </cs:trendlineLabel>
+  <cs:upBar>
+    <cs:lnRef idx="0"/>
+    <cs:fillRef idx="0"/>
+    <cs:effectRef idx="0"/>
+    <cs:fontRef idx="minor">
+      <a:schemeClr val="tx1"/>
+    </cs:fontRef>
+    <cs:spPr>
+      <a:solidFill>
+        <a:schemeClr val="lt1"/>
+      </a:solidFill>
+      <a:ln w="9525" cap="flat" cmpd="sng" algn="ctr">
+        <a:solidFill>
+          <a:schemeClr val="tx1">
+            <a:lumMod val="65000"/>
+            <a:lumOff val="35000"/>
+          </a:schemeClr>
+        </a:solidFill>
+        <a:round/>
+      </a:ln>
+    </cs:spPr>
+  </cs:upBar>
+  <cs:valueAxis>
+    <cs:lnRef idx="0"/>
+    <cs:fillRef idx="0"/>
+    <cs:effectRef idx="0"/>
+    <cs:fontRef idx="minor">
+      <a:schemeClr val="tx1">
+        <a:lumMod val="65000"/>
+        <a:lumOff val="35000"/>
+      </a:schemeClr>
+    </cs:fontRef>
+    <cs:defRPr sz="1197" kern="1200"/>
+  </cs:valueAxis>
+  <cs:wall>
+    <cs:lnRef idx="0"/>
+    <cs:fillRef idx="0"/>
+    <cs:effectRef idx="0"/>
+    <cs:fontRef idx="minor">
+      <a:schemeClr val="tx1"/>
+    </cs:fontRef>
+    <cs:spPr>
+      <a:noFill/>
+      <a:ln>
+        <a:noFill/>
+      </a:ln>
+    </cs:spPr>
+  </cs:wall>
+</cs:chartStyle>
+</file>
+
+<file path=ppt/charts/style2.xml><?xml version="1.0" encoding="utf-8"?>
+<cs:chartStyle xmlns:cs="http://schemas.microsoft.com/office/drawing/2012/chartStyle" xmlns:a="http://schemas.openxmlformats.org/drawingml/2006/main" id="251">
+  <cs:axisTitle>
+    <cs:lnRef idx="0"/>
+    <cs:fillRef idx="0"/>
+    <cs:effectRef idx="0"/>
+    <cs:fontRef idx="minor">
+      <a:schemeClr val="tx1">
+        <a:lumMod val="65000"/>
+        <a:lumOff val="35000"/>
+      </a:schemeClr>
+    </cs:fontRef>
+    <cs:defRPr sz="1330" kern="1200"/>
+  </cs:axisTitle>
+  <cs:categoryAxis>
+    <cs:lnRef idx="0"/>
+    <cs:fillRef idx="0"/>
+    <cs:effectRef idx="0"/>
+    <cs:fontRef idx="minor">
+      <a:schemeClr val="tx1">
+        <a:lumMod val="65000"/>
+        <a:lumOff val="35000"/>
+      </a:schemeClr>
+    </cs:fontRef>
+    <cs:spPr>
+      <a:ln w="9525" cap="flat" cmpd="sng" algn="ctr">
+        <a:solidFill>
+          <a:schemeClr val="tx1">
+            <a:lumMod val="15000"/>
+            <a:lumOff val="85000"/>
+          </a:schemeClr>
+        </a:solidFill>
+        <a:round/>
+      </a:ln>
+    </cs:spPr>
+    <cs:defRPr sz="1197" kern="1200"/>
+  </cs:categoryAxis>
+  <cs:chartArea mods="allowNoFillOverride allowNoLineOverride">
+    <cs:lnRef idx="0"/>
+    <cs:fillRef idx="0"/>
+    <cs:effectRef idx="0"/>
+    <cs:fontRef idx="minor">
+      <a:schemeClr val="tx1"/>
+    </cs:fontRef>
+    <cs:spPr>
+      <a:solidFill>
+        <a:schemeClr val="bg1"/>
+      </a:solidFill>
+      <a:ln w="9525" cap="flat" cmpd="sng" algn="ctr">
+        <a:solidFill>
+          <a:schemeClr val="tx1">
+            <a:lumMod val="15000"/>
+            <a:lumOff val="85000"/>
+          </a:schemeClr>
+        </a:solidFill>
+        <a:round/>
+      </a:ln>
+    </cs:spPr>
+    <cs:defRPr sz="1197" kern="1200"/>
+  </cs:chartArea>
+  <cs:dataLabel>
+    <cs:lnRef idx="0"/>
+    <cs:fillRef idx="0"/>
+    <cs:effectRef idx="0"/>
+    <cs:fontRef idx="minor">
+      <a:schemeClr val="tx1">
+        <a:lumMod val="75000"/>
+        <a:lumOff val="25000"/>
+      </a:schemeClr>
+    </cs:fontRef>
+    <cs:defRPr sz="1197" kern="1200"/>
+  </cs:dataLabel>
+  <cs:dataLabelCallout>
+    <cs:lnRef idx="0"/>
+    <cs:fillRef idx="0"/>
+    <cs:effectRef idx="0"/>
+    <cs:fontRef idx="minor">
+      <a:schemeClr val="dk1">
+        <a:lumMod val="65000"/>
+        <a:lumOff val="35000"/>
+      </a:schemeClr>
+    </cs:fontRef>
+    <cs:spPr>
+      <a:solidFill>
+        <a:schemeClr val="lt1"/>
+      </a:solidFill>
+      <a:ln>
+        <a:solidFill>
+          <a:schemeClr val="dk1">
+            <a:lumMod val="25000"/>
+            <a:lumOff val="75000"/>
+          </a:schemeClr>
+        </a:solidFill>
+      </a:ln>
+    </cs:spPr>
+    <cs:defRPr sz="1197" kern="1200"/>
+    <cs:bodyPr rot="0" spcFirstLastPara="1" vertOverflow="clip" horzOverflow="clip" vert="horz" wrap="square" lIns="36576" tIns="18288" rIns="36576" bIns="18288" anchor="ctr" anchorCtr="1">
+      <a:spAutoFit/>
+    </cs:bodyPr>
+  </cs:dataLabelCallout>
+  <cs:dataPoint>
+    <cs:lnRef idx="0"/>
+    <cs:fillRef idx="1">
+      <cs:styleClr val="auto"/>
+    </cs:fillRef>
+    <cs:effectRef idx="0"/>
+    <cs:fontRef idx="minor">
+      <a:schemeClr val="tx1"/>
+    </cs:fontRef>
+    <cs:spPr>
+      <a:ln w="19050">
+        <a:solidFill>
+          <a:schemeClr val="lt1"/>
+        </a:solidFill>
+      </a:ln>
+    </cs:spPr>
+  </cs:dataPoint>
+  <cs:dataPoint3D>
+    <cs:lnRef idx="0"/>
+    <cs:fillRef idx="1">
+      <cs:styleClr val="auto"/>
+    </cs:fillRef>
+    <cs:effectRef idx="0"/>
+    <cs:fontRef idx="minor">
+      <a:schemeClr val="tx1"/>
+    </cs:fontRef>
+    <cs:spPr>
+      <a:ln w="25400">
+        <a:solidFill>
+          <a:schemeClr val="lt1"/>
+        </a:solidFill>
+      </a:ln>
+    </cs:spPr>
+  </cs:dataPoint3D>
+  <cs:dataPointLine>
+    <cs:lnRef idx="0">
+      <cs:styleClr val="auto"/>
+    </cs:lnRef>
+    <cs:fillRef idx="0"/>
+    <cs:effectRef idx="0"/>
+    <cs:fontRef idx="minor">
+      <a:schemeClr val="tx1"/>
+    </cs:fontRef>
+    <cs:spPr>
+      <a:ln w="28575" cap="rnd">
+        <a:solidFill>
+          <a:schemeClr val="phClr"/>
+        </a:solidFill>
+        <a:round/>
+      </a:ln>
+    </cs:spPr>
+  </cs:dataPointLine>
+  <cs:dataPointMarker>
+    <cs:lnRef idx="0">
+      <cs:styleClr val="auto"/>
+    </cs:lnRef>
+    <cs:fillRef idx="1">
+      <cs:styleClr val="auto"/>
+    </cs:fillRef>
+    <cs:effectRef idx="0"/>
+    <cs:fontRef idx="minor">
+      <a:schemeClr val="tx1"/>
+    </cs:fontRef>
+    <cs:spPr>
+      <a:ln w="9525">
+        <a:solidFill>
+          <a:schemeClr val="phClr"/>
+        </a:solidFill>
+      </a:ln>
+    </cs:spPr>
+  </cs:dataPointMarker>
+  <cs:dataPointMarkerLayout symbol="circle" size="5"/>
+  <cs:dataPointWireframe>
+    <cs:lnRef idx="0">
+      <cs:styleClr val="auto"/>
+    </cs:lnRef>
+    <cs:fillRef idx="0"/>
+    <cs:effectRef idx="0"/>
+    <cs:fontRef idx="minor">
+      <a:schemeClr val="tx1"/>
+    </cs:fontRef>
+    <cs:spPr>
+      <a:ln w="9525" cap="rnd">
+        <a:solidFill>
+          <a:schemeClr val="phClr"/>
+        </a:solidFill>
+        <a:round/>
+      </a:ln>
+    </cs:spPr>
+  </cs:dataPointWireframe>
+  <cs:dataTable>
+    <cs:lnRef idx="0"/>
+    <cs:fillRef idx="0"/>
+    <cs:effectRef idx="0"/>
+    <cs:fontRef idx="minor">
+      <a:schemeClr val="tx1">
+        <a:lumMod val="65000"/>
+        <a:lumOff val="35000"/>
+      </a:schemeClr>
+    </cs:fontRef>
+    <cs:spPr>
+      <a:noFill/>
+      <a:ln w="9525" cap="flat" cmpd="sng" algn="ctr">
+        <a:solidFill>
+          <a:schemeClr val="tx1">
+            <a:lumMod val="15000"/>
+            <a:lumOff val="85000"/>
+          </a:schemeClr>
+        </a:solidFill>
+        <a:round/>
+      </a:ln>
+    </cs:spPr>
+    <cs:defRPr sz="1197" kern="1200"/>
+  </cs:dataTable>
+  <cs:downBar>
+    <cs:lnRef idx="0"/>
+    <cs:fillRef idx="0"/>
+    <cs:effectRef idx="0"/>
+    <cs:fontRef idx="minor">
+      <a:schemeClr val="tx1"/>
+    </cs:fontRef>
+    <cs:spPr>
+      <a:solidFill>
+        <a:schemeClr val="dk1">
+          <a:lumMod val="75000"/>
+          <a:lumOff val="25000"/>
+        </a:schemeClr>
+      </a:solidFill>
+      <a:ln w="9525" cap="flat" cmpd="sng" algn="ctr">
+        <a:solidFill>
+          <a:schemeClr val="tx1">
+            <a:lumMod val="65000"/>
+            <a:lumOff val="35000"/>
+          </a:schemeClr>
+        </a:solidFill>
+        <a:round/>
+      </a:ln>
+    </cs:spPr>
+  </cs:downBar>
+  <cs:dropLine>
+    <cs:lnRef idx="0"/>
+    <cs:fillRef idx="0"/>
+    <cs:effectRef idx="0"/>
+    <cs:fontRef idx="minor">
+      <a:schemeClr val="tx1"/>
+    </cs:fontRef>
+    <cs:spPr>
+      <a:ln w="9525" cap="flat" cmpd="sng" algn="ctr">
+        <a:solidFill>
+          <a:schemeClr val="tx1">
+            <a:lumMod val="35000"/>
+            <a:lumOff val="65000"/>
+          </a:schemeClr>
+        </a:solidFill>
+        <a:round/>
+      </a:ln>
+    </cs:spPr>
+  </cs:dropLine>
+  <cs:errorBar>
+    <cs:lnRef idx="0"/>
+    <cs:fillRef idx="0"/>
+    <cs:effectRef idx="0"/>
+    <cs:fontRef idx="minor">
+      <a:schemeClr val="tx1"/>
+    </cs:fontRef>
+    <cs:spPr>
+      <a:ln w="9525" cap="flat" cmpd="sng" algn="ctr">
+        <a:solidFill>
+          <a:schemeClr val="tx1">
+            <a:lumMod val="65000"/>
+            <a:lumOff val="35000"/>
+          </a:schemeClr>
+        </a:solidFill>
+        <a:round/>
+      </a:ln>
+    </cs:spPr>
+  </cs:errorBar>
+  <cs:floor>
+    <cs:lnRef idx="0"/>
+    <cs:fillRef idx="0"/>
+    <cs:effectRef idx="0"/>
+    <cs:fontRef idx="minor">
+      <a:schemeClr val="tx1"/>
+    </cs:fontRef>
+    <cs:spPr>
+      <a:noFill/>
+      <a:ln>
+        <a:noFill/>
+      </a:ln>
+    </cs:spPr>
+  </cs:floor>
+  <cs:gridlineMajor>
+    <cs:lnRef idx="0"/>
+    <cs:fillRef idx="0"/>
+    <cs:effectRef idx="0"/>
+    <cs:fontRef idx="minor">
+      <a:schemeClr val="tx1"/>
+    </cs:fontRef>
+    <cs:spPr>
+      <a:ln w="9525" cap="flat" cmpd="sng" algn="ctr">
+        <a:solidFill>
+          <a:schemeClr val="tx1">
+            <a:lumMod val="15000"/>
+            <a:lumOff val="85000"/>
+          </a:schemeClr>
+        </a:solidFill>
+        <a:round/>
+      </a:ln>
+    </cs:spPr>
+  </cs:gridlineMajor>
+  <cs:gridlineMinor>
+    <cs:lnRef idx="0"/>
+    <cs:fillRef idx="0"/>
+    <cs:effectRef idx="0"/>
+    <cs:fontRef idx="minor">
+      <a:schemeClr val="tx1"/>
+    </cs:fontRef>
+    <cs:spPr>
+      <a:ln w="9525" cap="flat" cmpd="sng" algn="ctr">
+        <a:solidFill>
+          <a:schemeClr val="tx1">
+            <a:lumMod val="5000"/>
+            <a:lumOff val="95000"/>
+          </a:schemeClr>
+        </a:solidFill>
+        <a:round/>
+      </a:ln>
+    </cs:spPr>
+  </cs:gridlineMinor>
+  <cs:hiLoLine>
+    <cs:lnRef idx="0"/>
+    <cs:fillRef idx="0"/>
+    <cs:effectRef idx="0"/>
+    <cs:fontRef idx="minor">
+      <a:schemeClr val="tx1"/>
+    </cs:fontRef>
+    <cs:spPr>
+      <a:ln w="9525" cap="flat" cmpd="sng" algn="ctr">
+        <a:solidFill>
+          <a:schemeClr val="tx1">
+            <a:lumMod val="50000"/>
+            <a:lumOff val="50000"/>
+          </a:schemeClr>
+        </a:solidFill>
+        <a:round/>
+      </a:ln>
+    </cs:spPr>
+  </cs:hiLoLine>
+  <cs:leaderLine>
+    <cs:lnRef idx="0"/>
+    <cs:fillRef idx="0"/>
+    <cs:effectRef idx="0"/>
+    <cs:fontRef idx="minor">
+      <a:schemeClr val="tx1"/>
+    </cs:fontRef>
+    <cs:spPr>
+      <a:ln w="9525" cap="flat" cmpd="sng" algn="ctr">
+        <a:solidFill>
+          <a:schemeClr val="tx1">
+            <a:lumMod val="35000"/>
+            <a:lumOff val="65000"/>
+          </a:schemeClr>
+        </a:solidFill>
+        <a:round/>
+      </a:ln>
+    </cs:spPr>
+  </cs:leaderLine>
+  <cs:legend>
+    <cs:lnRef idx="0"/>
+    <cs:fillRef idx="0"/>
+    <cs:effectRef idx="0"/>
+    <cs:fontRef idx="minor">
+      <a:schemeClr val="tx1">
+        <a:lumMod val="65000"/>
+        <a:lumOff val="35000"/>
+      </a:schemeClr>
+    </cs:fontRef>
+    <cs:defRPr sz="1197" kern="1200"/>
+  </cs:legend>
+  <cs:plotArea mods="allowNoFillOverride allowNoLineOverride">
+    <cs:lnRef idx="0"/>
+    <cs:fillRef idx="0"/>
+    <cs:effectRef idx="0"/>
+    <cs:fontRef idx="minor">
+      <a:schemeClr val="tx1"/>
+    </cs:fontRef>
+  </cs:plotArea>
+  <cs:plotArea3D mods="allowNoFillOverride allowNoLineOverride">
+    <cs:lnRef idx="0"/>
+    <cs:fillRef idx="0"/>
+    <cs:effectRef idx="0"/>
+    <cs:fontRef idx="minor">
+      <a:schemeClr val="tx1"/>
+    </cs:fontRef>
+  </cs:plotArea3D>
+  <cs:seriesAxis>
+    <cs:lnRef idx="0"/>
+    <cs:fillRef idx="0"/>
+    <cs:effectRef idx="0"/>
+    <cs:fontRef idx="minor">
+      <a:schemeClr val="tx1">
+        <a:lumMod val="65000"/>
+        <a:lumOff val="35000"/>
+      </a:schemeClr>
+    </cs:fontRef>
+    <cs:defRPr sz="1197" kern="1200"/>
+  </cs:seriesAxis>
+  <cs:seriesLine>
+    <cs:lnRef idx="0"/>
+    <cs:fillRef idx="0"/>
+    <cs:effectRef idx="0"/>
+    <cs:fontRef idx="minor">
+      <a:schemeClr val="tx1"/>
+    </cs:fontRef>
+    <cs:spPr>
+      <a:ln w="9525" cap="flat" cmpd="sng" algn="ctr">
+        <a:solidFill>
+          <a:schemeClr val="tx1">
+            <a:lumMod val="35000"/>
+            <a:lumOff val="65000"/>
+          </a:schemeClr>
+        </a:solidFill>
+        <a:round/>
+      </a:ln>
+    </cs:spPr>
+  </cs:seriesLine>
+  <cs:title>
+    <cs:lnRef idx="0"/>
+    <cs:fillRef idx="0"/>
+    <cs:effectRef idx="0"/>
+    <cs:fontRef idx="minor">
+      <a:schemeClr val="tx1">
+        <a:lumMod val="65000"/>
+        <a:lumOff val="35000"/>
+      </a:schemeClr>
+    </cs:fontRef>
+    <cs:defRPr sz="1862" b="0" kern="1200" spc="0" baseline="0"/>
+  </cs:title>
+  <cs:trendline>
+    <cs:lnRef idx="0">
+      <cs:styleClr val="auto"/>
+    </cs:lnRef>
+    <cs:fillRef idx="0"/>
+    <cs:effectRef idx="0"/>
+    <cs:fontRef idx="minor">
+      <a:schemeClr val="tx1"/>
+    </cs:fontRef>
+    <cs:spPr>
+      <a:ln w="19050" cap="rnd">
+        <a:solidFill>
+          <a:schemeClr val="phClr"/>
+        </a:solidFill>
+        <a:prstDash val="sysDot"/>
+      </a:ln>
+    </cs:spPr>
+  </cs:trendline>
+  <cs:trendlineLabel>
+    <cs:lnRef idx="0"/>
+    <cs:fillRef idx="0"/>
+    <cs:effectRef idx="0"/>
+    <cs:fontRef idx="minor">
+      <a:schemeClr val="tx1">
+        <a:lumMod val="65000"/>
+        <a:lumOff val="35000"/>
+      </a:schemeClr>
+    </cs:fontRef>
+    <cs:defRPr sz="1197" kern="1200"/>
+  </cs:trendlineLabel>
+  <cs:upBar>
+    <cs:lnRef idx="0"/>
+    <cs:fillRef idx="0"/>
+    <cs:effectRef idx="0"/>
+    <cs:fontRef idx="minor">
+      <a:schemeClr val="tx1"/>
+    </cs:fontRef>
+    <cs:spPr>
+      <a:solidFill>
+        <a:schemeClr val="lt1"/>
+      </a:solidFill>
+      <a:ln w="9525" cap="flat" cmpd="sng" algn="ctr">
+        <a:solidFill>
+          <a:schemeClr val="tx1">
+            <a:lumMod val="65000"/>
+            <a:lumOff val="35000"/>
+          </a:schemeClr>
+        </a:solidFill>
+        <a:round/>
+      </a:ln>
+    </cs:spPr>
+  </cs:upBar>
+  <cs:valueAxis>
+    <cs:lnRef idx="0"/>
+    <cs:fillRef idx="0"/>
+    <cs:effectRef idx="0"/>
+    <cs:fontRef idx="minor">
+      <a:schemeClr val="tx1">
+        <a:lumMod val="65000"/>
+        <a:lumOff val="35000"/>
+      </a:schemeClr>
+    </cs:fontRef>
+    <cs:defRPr sz="1197" kern="1200"/>
+  </cs:valueAxis>
+  <cs:wall>
+    <cs:lnRef idx="0"/>
+    <cs:fillRef idx="0"/>
+    <cs:effectRef idx="0"/>
+    <cs:fontRef idx="minor">
+      <a:schemeClr val="tx1"/>
+    </cs:fontRef>
+    <cs:spPr>
+      <a:noFill/>
+      <a:ln>
+        <a:noFill/>
+      </a:ln>
+    </cs:spPr>
+  </cs:wall>
+</cs:chartStyle>
 </file>
 
 <file path=ppt/slideLayouts/slideLayout1.xml><?xml version="1.0" encoding="utf-8"?>
@@ -245,7 +1861,7 @@
             <a:fld id="{1D8BD707-D9CF-40AE-B4C6-C98DA3205C09}" type="datetimeFigureOut">
               <a:rPr lang="en-US" smtClean="0"/>
               <a:pPr/>
-              <a:t>3/30/2016</a:t>
+              <a:t>3/30/16</a:t>
             </a:fld>
             <a:endParaRPr lang="en-US"/>
           </a:p>
@@ -715,7 +2331,7 @@
           </a:lstStyle>
           <a:p>
             <a:r>
-              <a:rPr lang="en-US" smtClean="0"/>
+              <a:rPr lang="en-US"/>
               <a:t>Click to edit Master subtitle style</a:t>
             </a:r>
             <a:endParaRPr lang="en-US" dirty="0"/>
@@ -755,7 +2371,7 @@
           </a:lstStyle>
           <a:p>
             <a:r>
-              <a:rPr lang="en-US" smtClean="0"/>
+              <a:rPr lang="en-US"/>
               <a:t>Click to edit Master title style</a:t>
             </a:r>
             <a:endParaRPr lang="en-US" dirty="0"/>
@@ -803,10 +2419,9 @@
           <a:lstStyle/>
           <a:p>
             <a:r>
-              <a:rPr lang="en-US" smtClean="0"/>
+              <a:rPr lang="en-US"/>
               <a:t>Click to edit Master title style</a:t>
             </a:r>
-            <a:endParaRPr lang="en-US"/>
           </a:p>
         </p:txBody>
       </p:sp>
@@ -827,38 +2442,37 @@
           <a:p>
             <a:pPr lvl="0"/>
             <a:r>
-              <a:rPr lang="en-US" smtClean="0"/>
+              <a:rPr lang="en-US"/>
               <a:t>Click to edit Master text styles</a:t>
             </a:r>
           </a:p>
           <a:p>
             <a:pPr lvl="1"/>
             <a:r>
-              <a:rPr lang="en-US" smtClean="0"/>
+              <a:rPr lang="en-US"/>
               <a:t>Second level</a:t>
             </a:r>
           </a:p>
           <a:p>
             <a:pPr lvl="2"/>
             <a:r>
-              <a:rPr lang="en-US" smtClean="0"/>
+              <a:rPr lang="en-US"/>
               <a:t>Third level</a:t>
             </a:r>
           </a:p>
           <a:p>
             <a:pPr lvl="3"/>
             <a:r>
-              <a:rPr lang="en-US" smtClean="0"/>
+              <a:rPr lang="en-US"/>
               <a:t>Fourth level</a:t>
             </a:r>
           </a:p>
           <a:p>
             <a:pPr lvl="4"/>
             <a:r>
-              <a:rPr lang="en-US" smtClean="0"/>
+              <a:rPr lang="en-US"/>
               <a:t>Fifth level</a:t>
             </a:r>
-            <a:endParaRPr lang="en-US"/>
           </a:p>
         </p:txBody>
       </p:sp>
@@ -880,7 +2494,7 @@
             <a:fld id="{1D8BD707-D9CF-40AE-B4C6-C98DA3205C09}" type="datetimeFigureOut">
               <a:rPr lang="en-US" smtClean="0"/>
               <a:pPr/>
-              <a:t>3/30/2016</a:t>
+              <a:t>3/30/16</a:t>
             </a:fld>
             <a:endParaRPr lang="en-US"/>
           </a:p>
@@ -1077,7 +2691,7 @@
           <a:lstStyle/>
           <a:p>
             <a:r>
-              <a:rPr lang="en-US" smtClean="0"/>
+              <a:rPr lang="en-US"/>
               <a:t>Click to edit Master title style</a:t>
             </a:r>
             <a:endParaRPr lang="en-US" dirty="0"/>
@@ -1106,35 +2720,35 @@
           <a:p>
             <a:pPr lvl="0"/>
             <a:r>
-              <a:rPr lang="en-US" smtClean="0"/>
+              <a:rPr lang="en-US"/>
               <a:t>Click to edit Master text styles</a:t>
             </a:r>
           </a:p>
           <a:p>
             <a:pPr lvl="1"/>
             <a:r>
-              <a:rPr lang="en-US" smtClean="0"/>
+              <a:rPr lang="en-US"/>
               <a:t>Second level</a:t>
             </a:r>
           </a:p>
           <a:p>
             <a:pPr lvl="2"/>
             <a:r>
-              <a:rPr lang="en-US" smtClean="0"/>
+              <a:rPr lang="en-US"/>
               <a:t>Third level</a:t>
             </a:r>
           </a:p>
           <a:p>
             <a:pPr lvl="3"/>
             <a:r>
-              <a:rPr lang="en-US" smtClean="0"/>
+              <a:rPr lang="en-US"/>
               <a:t>Fourth level</a:t>
             </a:r>
           </a:p>
           <a:p>
             <a:pPr lvl="4"/>
             <a:r>
-              <a:rPr lang="en-US" smtClean="0"/>
+              <a:rPr lang="en-US"/>
               <a:t>Fifth level</a:t>
             </a:r>
             <a:endParaRPr lang="en-US" dirty="0"/>
@@ -1159,7 +2773,7 @@
             <a:fld id="{1D8BD707-D9CF-40AE-B4C6-C98DA3205C09}" type="datetimeFigureOut">
               <a:rPr lang="en-US" smtClean="0"/>
               <a:pPr/>
-              <a:t>3/30/2016</a:t>
+              <a:t>3/30/16</a:t>
             </a:fld>
             <a:endParaRPr lang="en-US"/>
           </a:p>
@@ -1249,10 +2863,9 @@
           <a:lstStyle/>
           <a:p>
             <a:r>
-              <a:rPr lang="en-US" smtClean="0"/>
+              <a:rPr lang="en-US"/>
               <a:t>Click to edit Master title style</a:t>
             </a:r>
-            <a:endParaRPr lang="en-US"/>
           </a:p>
         </p:txBody>
       </p:sp>
@@ -1273,38 +2886,37 @@
           <a:p>
             <a:pPr lvl="0"/>
             <a:r>
-              <a:rPr lang="en-US" smtClean="0"/>
+              <a:rPr lang="en-US"/>
               <a:t>Click to edit Master text styles</a:t>
             </a:r>
           </a:p>
           <a:p>
             <a:pPr lvl="1"/>
             <a:r>
-              <a:rPr lang="en-US" smtClean="0"/>
+              <a:rPr lang="en-US"/>
               <a:t>Second level</a:t>
             </a:r>
           </a:p>
           <a:p>
             <a:pPr lvl="2"/>
             <a:r>
-              <a:rPr lang="en-US" smtClean="0"/>
+              <a:rPr lang="en-US"/>
               <a:t>Third level</a:t>
             </a:r>
           </a:p>
           <a:p>
             <a:pPr lvl="3"/>
             <a:r>
-              <a:rPr lang="en-US" smtClean="0"/>
+              <a:rPr lang="en-US"/>
               <a:t>Fourth level</a:t>
             </a:r>
           </a:p>
           <a:p>
             <a:pPr lvl="4"/>
             <a:r>
-              <a:rPr lang="en-US" smtClean="0"/>
+              <a:rPr lang="en-US"/>
               <a:t>Fifth level</a:t>
             </a:r>
-            <a:endParaRPr lang="en-US"/>
           </a:p>
         </p:txBody>
       </p:sp>
@@ -1326,7 +2938,7 @@
             <a:fld id="{1D8BD707-D9CF-40AE-B4C6-C98DA3205C09}" type="datetimeFigureOut">
               <a:rPr lang="en-US" smtClean="0"/>
               <a:pPr/>
-              <a:t>3/30/2016</a:t>
+              <a:t>3/30/16</a:t>
             </a:fld>
             <a:endParaRPr lang="en-US"/>
           </a:p>
@@ -1509,7 +3121,7 @@
             <a:fld id="{1D8BD707-D9CF-40AE-B4C6-C98DA3205C09}" type="datetimeFigureOut">
               <a:rPr lang="en-US" smtClean="0"/>
               <a:pPr/>
-              <a:t>3/30/2016</a:t>
+              <a:t>3/30/16</a:t>
             </a:fld>
             <a:endParaRPr lang="en-US"/>
           </a:p>
@@ -1695,7 +3307,7 @@
           </a:lstStyle>
           <a:p>
             <a:r>
-              <a:rPr lang="en-US" smtClean="0"/>
+              <a:rPr lang="en-US"/>
               <a:t>Click to edit Master title style</a:t>
             </a:r>
             <a:endParaRPr lang="en-US" dirty="0"/>
@@ -1861,7 +3473,7 @@
           <a:p>
             <a:pPr lvl="0"/>
             <a:r>
-              <a:rPr lang="en-US" smtClean="0"/>
+              <a:rPr lang="en-US"/>
               <a:t>Click to edit Master text styles</a:t>
             </a:r>
           </a:p>
@@ -1961,10 +3573,9 @@
           <a:lstStyle/>
           <a:p>
             <a:r>
-              <a:rPr lang="en-US" smtClean="0"/>
+              <a:rPr lang="en-US"/>
               <a:t>Click to edit Master title style</a:t>
             </a:r>
-            <a:endParaRPr lang="en-US"/>
           </a:p>
         </p:txBody>
       </p:sp>
@@ -2018,35 +3629,35 @@
           <a:p>
             <a:pPr lvl="0"/>
             <a:r>
-              <a:rPr lang="en-US" smtClean="0"/>
+              <a:rPr lang="en-US"/>
               <a:t>Click to edit Master text styles</a:t>
             </a:r>
           </a:p>
           <a:p>
             <a:pPr lvl="1"/>
             <a:r>
-              <a:rPr lang="en-US" smtClean="0"/>
+              <a:rPr lang="en-US"/>
               <a:t>Second level</a:t>
             </a:r>
           </a:p>
           <a:p>
             <a:pPr lvl="2"/>
             <a:r>
-              <a:rPr lang="en-US" smtClean="0"/>
+              <a:rPr lang="en-US"/>
               <a:t>Third level</a:t>
             </a:r>
           </a:p>
           <a:p>
             <a:pPr lvl="3"/>
             <a:r>
-              <a:rPr lang="en-US" smtClean="0"/>
+              <a:rPr lang="en-US"/>
               <a:t>Fourth level</a:t>
             </a:r>
           </a:p>
           <a:p>
             <a:pPr lvl="4"/>
             <a:r>
-              <a:rPr lang="en-US" smtClean="0"/>
+              <a:rPr lang="en-US"/>
               <a:t>Fifth level</a:t>
             </a:r>
             <a:endParaRPr lang="en-US" dirty="0"/>
@@ -2103,35 +3714,35 @@
           <a:p>
             <a:pPr lvl="0"/>
             <a:r>
-              <a:rPr lang="en-US" smtClean="0"/>
+              <a:rPr lang="en-US"/>
               <a:t>Click to edit Master text styles</a:t>
             </a:r>
           </a:p>
           <a:p>
             <a:pPr lvl="1"/>
             <a:r>
-              <a:rPr lang="en-US" smtClean="0"/>
+              <a:rPr lang="en-US"/>
               <a:t>Second level</a:t>
             </a:r>
           </a:p>
           <a:p>
             <a:pPr lvl="2"/>
             <a:r>
-              <a:rPr lang="en-US" smtClean="0"/>
+              <a:rPr lang="en-US"/>
               <a:t>Third level</a:t>
             </a:r>
           </a:p>
           <a:p>
             <a:pPr lvl="3"/>
             <a:r>
-              <a:rPr lang="en-US" smtClean="0"/>
+              <a:rPr lang="en-US"/>
               <a:t>Fourth level</a:t>
             </a:r>
           </a:p>
           <a:p>
             <a:pPr lvl="4"/>
             <a:r>
-              <a:rPr lang="en-US" smtClean="0"/>
+              <a:rPr lang="en-US"/>
               <a:t>Fifth level</a:t>
             </a:r>
             <a:endParaRPr lang="en-US" dirty="0"/>
@@ -2156,7 +3767,7 @@
             <a:fld id="{1D8BD707-D9CF-40AE-B4C6-C98DA3205C09}" type="datetimeFigureOut">
               <a:rPr lang="en-US" smtClean="0"/>
               <a:pPr/>
-              <a:t>3/30/2016</a:t>
+              <a:t>3/30/16</a:t>
             </a:fld>
             <a:endParaRPr lang="en-US"/>
           </a:p>
@@ -2255,10 +3866,9 @@
           </a:lstStyle>
           <a:p>
             <a:r>
-              <a:rPr lang="en-US" smtClean="0"/>
+              <a:rPr lang="en-US"/>
               <a:t>Click to edit Master title style</a:t>
             </a:r>
-            <a:endParaRPr lang="en-US"/>
           </a:p>
         </p:txBody>
       </p:sp>
@@ -2323,7 +3933,7 @@
           <a:p>
             <a:pPr lvl="0"/>
             <a:r>
-              <a:rPr lang="en-US" smtClean="0"/>
+              <a:rPr lang="en-US"/>
               <a:t>Click to edit Master text styles</a:t>
             </a:r>
           </a:p>
@@ -2379,35 +3989,35 @@
           <a:p>
             <a:pPr lvl="0"/>
             <a:r>
-              <a:rPr lang="en-US" smtClean="0"/>
+              <a:rPr lang="en-US"/>
               <a:t>Click to edit Master text styles</a:t>
             </a:r>
           </a:p>
           <a:p>
             <a:pPr lvl="1"/>
             <a:r>
-              <a:rPr lang="en-US" smtClean="0"/>
+              <a:rPr lang="en-US"/>
               <a:t>Second level</a:t>
             </a:r>
           </a:p>
           <a:p>
             <a:pPr lvl="2"/>
             <a:r>
-              <a:rPr lang="en-US" smtClean="0"/>
+              <a:rPr lang="en-US"/>
               <a:t>Third level</a:t>
             </a:r>
           </a:p>
           <a:p>
             <a:pPr lvl="3"/>
             <a:r>
-              <a:rPr lang="en-US" smtClean="0"/>
+              <a:rPr lang="en-US"/>
               <a:t>Fourth level</a:t>
             </a:r>
           </a:p>
           <a:p>
             <a:pPr lvl="4"/>
             <a:r>
-              <a:rPr lang="en-US" smtClean="0"/>
+              <a:rPr lang="en-US"/>
               <a:t>Fifth level</a:t>
             </a:r>
             <a:endParaRPr lang="en-US" dirty="0"/>
@@ -2475,7 +4085,7 @@
           <a:p>
             <a:pPr lvl="0"/>
             <a:r>
-              <a:rPr lang="en-US" smtClean="0"/>
+              <a:rPr lang="en-US"/>
               <a:t>Click to edit Master text styles</a:t>
             </a:r>
           </a:p>
@@ -2531,35 +4141,35 @@
           <a:p>
             <a:pPr lvl="0"/>
             <a:r>
-              <a:rPr lang="en-US" smtClean="0"/>
+              <a:rPr lang="en-US"/>
               <a:t>Click to edit Master text styles</a:t>
             </a:r>
           </a:p>
           <a:p>
             <a:pPr lvl="1"/>
             <a:r>
-              <a:rPr lang="en-US" smtClean="0"/>
+              <a:rPr lang="en-US"/>
               <a:t>Second level</a:t>
             </a:r>
           </a:p>
           <a:p>
             <a:pPr lvl="2"/>
             <a:r>
-              <a:rPr lang="en-US" smtClean="0"/>
+              <a:rPr lang="en-US"/>
               <a:t>Third level</a:t>
             </a:r>
           </a:p>
           <a:p>
             <a:pPr lvl="3"/>
             <a:r>
-              <a:rPr lang="en-US" smtClean="0"/>
+              <a:rPr lang="en-US"/>
               <a:t>Fourth level</a:t>
             </a:r>
           </a:p>
           <a:p>
             <a:pPr lvl="4"/>
             <a:r>
-              <a:rPr lang="en-US" smtClean="0"/>
+              <a:rPr lang="en-US"/>
               <a:t>Fifth level</a:t>
             </a:r>
             <a:endParaRPr lang="en-US" dirty="0"/>
@@ -2584,7 +4194,7 @@
             <a:fld id="{1D8BD707-D9CF-40AE-B4C6-C98DA3205C09}" type="datetimeFigureOut">
               <a:rPr lang="en-US" smtClean="0"/>
               <a:pPr/>
-              <a:t>3/30/2016</a:t>
+              <a:t>3/30/16</a:t>
             </a:fld>
             <a:endParaRPr lang="en-US"/>
           </a:p>
@@ -2674,10 +4284,9 @@
           <a:lstStyle/>
           <a:p>
             <a:r>
-              <a:rPr lang="en-US" smtClean="0"/>
+              <a:rPr lang="en-US"/>
               <a:t>Click to edit Master title style</a:t>
             </a:r>
-            <a:endParaRPr lang="en-US"/>
           </a:p>
         </p:txBody>
       </p:sp>
@@ -2699,7 +4308,7 @@
             <a:fld id="{1D8BD707-D9CF-40AE-B4C6-C98DA3205C09}" type="datetimeFigureOut">
               <a:rPr lang="en-US" smtClean="0"/>
               <a:pPr/>
-              <a:t>3/30/2016</a:t>
+              <a:t>3/30/16</a:t>
             </a:fld>
             <a:endParaRPr lang="en-US"/>
           </a:p>
@@ -2882,7 +4491,7 @@
             <a:fld id="{1D8BD707-D9CF-40AE-B4C6-C98DA3205C09}" type="datetimeFigureOut">
               <a:rPr lang="en-US" smtClean="0"/>
               <a:pPr/>
-              <a:t>3/30/2016</a:t>
+              <a:t>3/30/16</a:t>
             </a:fld>
             <a:endParaRPr lang="en-US"/>
           </a:p>
@@ -3097,35 +4706,35 @@
           <a:p>
             <a:pPr lvl="0"/>
             <a:r>
-              <a:rPr lang="en-US" smtClean="0"/>
+              <a:rPr lang="en-US"/>
               <a:t>Click to edit Master text styles</a:t>
             </a:r>
           </a:p>
           <a:p>
             <a:pPr lvl="1"/>
             <a:r>
-              <a:rPr lang="en-US" smtClean="0"/>
+              <a:rPr lang="en-US"/>
               <a:t>Second level</a:t>
             </a:r>
           </a:p>
           <a:p>
             <a:pPr lvl="2"/>
             <a:r>
-              <a:rPr lang="en-US" smtClean="0"/>
+              <a:rPr lang="en-US"/>
               <a:t>Third level</a:t>
             </a:r>
           </a:p>
           <a:p>
             <a:pPr lvl="3"/>
             <a:r>
-              <a:rPr lang="en-US" smtClean="0"/>
+              <a:rPr lang="en-US"/>
               <a:t>Fourth level</a:t>
             </a:r>
           </a:p>
           <a:p>
             <a:pPr lvl="4"/>
             <a:r>
-              <a:rPr lang="en-US" smtClean="0"/>
+              <a:rPr lang="en-US"/>
               <a:t>Fifth level</a:t>
             </a:r>
             <a:endParaRPr lang="en-US" dirty="0"/>
@@ -3150,7 +4759,7 @@
             <a:fld id="{1D8BD707-D9CF-40AE-B4C6-C98DA3205C09}" type="datetimeFigureOut">
               <a:rPr lang="en-US" smtClean="0"/>
               <a:pPr/>
-              <a:t>3/30/2016</a:t>
+              <a:t>3/30/16</a:t>
             </a:fld>
             <a:endParaRPr lang="en-US"/>
           </a:p>
@@ -3368,7 +4977,7 @@
           <a:p>
             <a:pPr lvl="0"/>
             <a:r>
-              <a:rPr lang="en-US" smtClean="0"/>
+              <a:rPr lang="en-US"/>
               <a:t>Click to edit Master text styles</a:t>
             </a:r>
           </a:p>
@@ -3407,7 +5016,7 @@
           </a:lstStyle>
           <a:p>
             <a:r>
-              <a:rPr lang="en-US" smtClean="0"/>
+              <a:rPr lang="en-US"/>
               <a:t>Click to edit Master title style</a:t>
             </a:r>
             <a:endParaRPr lang="en-US" dirty="0"/>
@@ -3597,7 +5206,7 @@
           </a:lstStyle>
           <a:p>
             <a:r>
-              <a:rPr lang="en-US" smtClean="0"/>
+              <a:rPr lang="en-US"/>
               <a:t>Click icon to add picture</a:t>
             </a:r>
             <a:endParaRPr lang="en-US" dirty="0"/>
@@ -3622,7 +5231,7 @@
             <a:fld id="{1D8BD707-D9CF-40AE-B4C6-C98DA3205C09}" type="datetimeFigureOut">
               <a:rPr lang="en-US" smtClean="0"/>
               <a:pPr/>
-              <a:t>3/30/2016</a:t>
+              <a:t>3/30/16</a:t>
             </a:fld>
             <a:endParaRPr lang="en-US"/>
           </a:p>
@@ -3923,7 +5532,7 @@
           <a:p>
             <a:pPr lvl="0"/>
             <a:r>
-              <a:rPr lang="en-US" smtClean="0"/>
+              <a:rPr lang="en-US"/>
               <a:t>Click to edit Master text styles</a:t>
             </a:r>
           </a:p>
@@ -3960,7 +5569,7 @@
           </a:lstStyle>
           <a:p>
             <a:r>
-              <a:rPr lang="en-US" smtClean="0"/>
+              <a:rPr lang="en-US"/>
               <a:t>Click to edit Master title style</a:t>
             </a:r>
             <a:endParaRPr lang="en-US" dirty="0"/>
@@ -4115,35 +5724,35 @@
           <a:p>
             <a:pPr lvl="0"/>
             <a:r>
-              <a:rPr lang="en-US" smtClean="0"/>
+              <a:rPr lang="en-US"/>
               <a:t>Click to edit Master text styles</a:t>
             </a:r>
           </a:p>
           <a:p>
             <a:pPr lvl="1"/>
             <a:r>
-              <a:rPr lang="en-US" smtClean="0"/>
+              <a:rPr lang="en-US"/>
               <a:t>Second level</a:t>
             </a:r>
           </a:p>
           <a:p>
             <a:pPr lvl="2"/>
             <a:r>
-              <a:rPr lang="en-US" smtClean="0"/>
+              <a:rPr lang="en-US"/>
               <a:t>Third level</a:t>
             </a:r>
           </a:p>
           <a:p>
             <a:pPr lvl="3"/>
             <a:r>
-              <a:rPr lang="en-US" smtClean="0"/>
+              <a:rPr lang="en-US"/>
               <a:t>Fourth level</a:t>
             </a:r>
           </a:p>
           <a:p>
             <a:pPr lvl="4"/>
             <a:r>
-              <a:rPr lang="en-US" smtClean="0"/>
+              <a:rPr lang="en-US"/>
               <a:t>Fifth level</a:t>
             </a:r>
             <a:endParaRPr lang="en-US" dirty="0"/>
@@ -4184,7 +5793,7 @@
             <a:fld id="{1D8BD707-D9CF-40AE-B4C6-C98DA3205C09}" type="datetimeFigureOut">
               <a:rPr lang="en-US" smtClean="0"/>
               <a:pPr/>
-              <a:t>3/30/2016</a:t>
+              <a:t>3/30/16</a:t>
             </a:fld>
             <a:endParaRPr lang="en-US"/>
           </a:p>
@@ -4395,7 +6004,7 @@
           <a:lstStyle/>
           <a:p>
             <a:r>
-              <a:rPr lang="en-US" smtClean="0"/>
+              <a:rPr lang="en-US"/>
               <a:t>Click to edit Master title style</a:t>
             </a:r>
             <a:endParaRPr lang="en-US" dirty="0"/>
@@ -4733,10 +6342,9 @@
           <a:lstStyle/>
           <a:p>
             <a:r>
-              <a:rPr lang="en-CA" dirty="0" smtClean="0"/>
+              <a:rPr lang="en-CA" dirty="0"/>
               <a:t>Comp 370 final project</a:t>
             </a:r>
-            <a:endParaRPr lang="en-CA" dirty="0"/>
           </a:p>
         </p:txBody>
       </p:sp>
@@ -4756,10 +6364,9 @@
           <a:lstStyle/>
           <a:p>
             <a:r>
-              <a:rPr lang="en-CA" dirty="0" smtClean="0"/>
+              <a:rPr lang="en-CA" dirty="0"/>
               <a:t>Chocoholics anonymous</a:t>
             </a:r>
-            <a:endParaRPr lang="en-CA" dirty="0"/>
           </a:p>
         </p:txBody>
       </p:sp>
@@ -4786,42 +6393,41 @@
           <a:lstStyle/>
           <a:p>
             <a:r>
-              <a:rPr lang="en-CA" sz="1600" dirty="0" smtClean="0"/>
+              <a:rPr lang="en-CA" sz="1600" dirty="0"/>
               <a:t>Thomas </a:t>
             </a:r>
             <a:r>
-              <a:rPr lang="en-CA" sz="1600" dirty="0" err="1" smtClean="0"/>
+              <a:rPr lang="en-CA" sz="1600" dirty="0" err="1"/>
               <a:t>Mclennan</a:t>
             </a:r>
             <a:r>
-              <a:rPr lang="en-CA" sz="1600" dirty="0" smtClean="0"/>
+              <a:rPr lang="en-CA" sz="1600" dirty="0"/>
               <a:t> - </a:t>
             </a:r>
           </a:p>
           <a:p>
             <a:r>
-              <a:rPr lang="en-CA" sz="1600" dirty="0" err="1" smtClean="0"/>
+              <a:rPr lang="en-CA" sz="1600" dirty="0" err="1"/>
               <a:t>Farzin</a:t>
             </a:r>
             <a:r>
-              <a:rPr lang="en-CA" sz="1600" dirty="0" smtClean="0"/>
+              <a:rPr lang="en-CA" sz="1600" dirty="0"/>
               <a:t> </a:t>
             </a:r>
             <a:r>
-              <a:rPr lang="en-CA" sz="1600" dirty="0" err="1" smtClean="0"/>
+              <a:rPr lang="en-CA" sz="1600" dirty="0" err="1"/>
               <a:t>Dhanji</a:t>
             </a:r>
             <a:r>
-              <a:rPr lang="en-CA" sz="1600" dirty="0" smtClean="0"/>
+              <a:rPr lang="en-CA" sz="1600" dirty="0"/>
               <a:t> 	 - 300034277</a:t>
             </a:r>
           </a:p>
           <a:p>
             <a:r>
-              <a:rPr lang="en-CA" sz="1600" dirty="0" smtClean="0"/>
+              <a:rPr lang="en-CA" sz="1600" dirty="0"/>
               <a:t>Karanvir Gill	 - 300093063</a:t>
             </a:r>
-            <a:endParaRPr lang="en-CA" sz="1600" dirty="0"/>
           </a:p>
         </p:txBody>
       </p:sp>
@@ -4915,13 +6521,6 @@
   <p:clrMapOvr>
     <a:masterClrMapping/>
   </p:clrMapOvr>
-  <p:timing>
-    <p:tnLst>
-      <p:par>
-        <p:cTn id="1" dur="indefinite" restart="never" nodeType="tmRoot"/>
-      </p:par>
-    </p:tnLst>
-  </p:timing>
 </p:sld>
 </file>
 
@@ -4959,10 +6558,9 @@
           <a:p>
             <a:pPr algn="l"/>
             <a:r>
-              <a:rPr lang="en-CA" dirty="0" smtClean="0"/>
+              <a:rPr lang="en-CA" dirty="0"/>
               <a:t>design</a:t>
             </a:r>
-            <a:endParaRPr lang="en-CA" dirty="0"/>
           </a:p>
         </p:txBody>
       </p:sp>
@@ -5080,25 +6678,6 @@
                 </a:solidFill>
               </a14:hiddenFill>
             </a:ext>
-            <a:ext uri="{91240B29-F687-4F45-9708-019B960494DF}">
-              <a14:hiddenLine xmlns:a14="http://schemas.microsoft.com/office/drawing/2010/main" w="9525">
-                <a:solidFill>
-                  <a:schemeClr val="tx1"/>
-                </a:solidFill>
-                <a:miter lim="800000"/>
-                <a:headEnd/>
-                <a:tailEnd/>
-              </a14:hiddenLine>
-            </a:ext>
-            <a:ext uri="{AF507438-7753-43E0-B8FC-AC1667EBCBE1}">
-              <a14:hiddenEffects xmlns:a14="http://schemas.microsoft.com/office/drawing/2010/main">
-                <a:effectLst>
-                  <a:outerShdw dist="35921" dir="2700000" algn="ctr" rotWithShape="0">
-                    <a:schemeClr val="bg2"/>
-                  </a:outerShdw>
-                </a:effectLst>
-              </a14:hiddenEffects>
-            </a:ext>
           </a:extLst>
         </p:spPr>
       </p:pic>
@@ -5112,13 +6691,6 @@
   <p:clrMapOvr>
     <a:masterClrMapping/>
   </p:clrMapOvr>
-  <p:timing>
-    <p:tnLst>
-      <p:par>
-        <p:cTn id="1" dur="indefinite" restart="never" nodeType="tmRoot"/>
-      </p:par>
-    </p:tnLst>
-  </p:timing>
 </p:sld>
 </file>
 
@@ -5156,10 +6728,9 @@
           <a:p>
             <a:pPr algn="l"/>
             <a:r>
-              <a:rPr lang="en-CA" dirty="0" smtClean="0"/>
+              <a:rPr lang="en-CA" dirty="0"/>
               <a:t>implementation </a:t>
             </a:r>
-            <a:endParaRPr lang="en-CA" dirty="0"/>
           </a:p>
         </p:txBody>
       </p:sp>
@@ -5223,7 +6794,7 @@
             </a:r>
           </a:p>
           <a:p>
-            <a:endParaRPr lang="en-CA" dirty="0" smtClean="0"/>
+            <a:endParaRPr lang="en-CA" dirty="0"/>
           </a:p>
           <a:p>
             <a:r>
@@ -5234,25 +6805,19 @@
               <a:rPr lang="en-CA" dirty="0">
                 <a:hlinkClick r:id="rId2"/>
               </a:rPr>
-              <a:t>http://caxe.thomasmclennan.ca</a:t>
-            </a:r>
-            <a:r>
-              <a:rPr lang="en-CA" dirty="0" smtClean="0">
-                <a:hlinkClick r:id="rId2"/>
-              </a:rPr>
-              <a:t>/</a:t>
-            </a:r>
-            <a:r>
-              <a:rPr lang="en-CA" dirty="0" smtClean="0"/>
+              <a:t>http://caxe.thomasmclennan.ca/</a:t>
+            </a:r>
+            <a:r>
+              <a:rPr lang="en-CA" dirty="0"/>
               <a:t> </a:t>
             </a:r>
           </a:p>
           <a:p>
-            <a:endParaRPr lang="en-CA" dirty="0" smtClean="0"/>
-          </a:p>
-          <a:p>
-            <a:r>
-              <a:rPr lang="en-CA" dirty="0" smtClean="0"/>
+            <a:endParaRPr lang="en-CA" dirty="0"/>
+          </a:p>
+          <a:p>
+            <a:r>
+              <a:rPr lang="en-CA" dirty="0"/>
               <a:t>Source Code - </a:t>
             </a:r>
             <a:r>
@@ -5278,13 +6843,6 @@
   <p:clrMapOvr>
     <a:masterClrMapping/>
   </p:clrMapOvr>
-  <p:timing>
-    <p:tnLst>
-      <p:par>
-        <p:cTn id="1" dur="indefinite" restart="never" nodeType="tmRoot"/>
-      </p:par>
-    </p:tnLst>
-  </p:timing>
 </p:sld>
 </file>
 
@@ -5322,10 +6880,9 @@
           <a:p>
             <a:pPr algn="l"/>
             <a:r>
-              <a:rPr lang="en-CA" dirty="0" smtClean="0"/>
+              <a:rPr lang="en-CA" dirty="0"/>
               <a:t>Testing</a:t>
             </a:r>
-            <a:endParaRPr lang="en-CA" dirty="0"/>
           </a:p>
         </p:txBody>
       </p:sp>
@@ -5345,52 +6902,31 @@
           <a:lstStyle/>
           <a:p>
             <a:r>
-              <a:rPr lang="en-CA" dirty="0" smtClean="0"/>
+              <a:rPr lang="en-CA" dirty="0"/>
               <a:t>Tested each class during implementation</a:t>
             </a:r>
           </a:p>
           <a:p>
-            <a:endParaRPr lang="en-CA" dirty="0" smtClean="0"/>
-          </a:p>
-          <a:p>
-            <a:r>
-              <a:rPr lang="en-CA" dirty="0" smtClean="0"/>
-              <a:t>Black </a:t>
-            </a:r>
+            <a:endParaRPr lang="en-CA" dirty="0"/>
+          </a:p>
+          <a:p>
             <a:r>
               <a:rPr lang="en-CA" dirty="0"/>
-              <a:t>box </a:t>
-            </a:r>
-            <a:r>
-              <a:rPr lang="en-CA" dirty="0" smtClean="0"/>
-              <a:t>testing</a:t>
+              <a:t>Black box testing</a:t>
             </a:r>
           </a:p>
           <a:p>
             <a:pPr lvl="1"/>
-            <a:r>
-              <a:rPr lang="en-CA" dirty="0" smtClean="0">
-                <a:hlinkClick r:id="rId2"/>
-              </a:rPr>
-              <a:t>http</a:t>
-            </a:r>
             <a:r>
               <a:rPr lang="en-CA" dirty="0">
                 <a:hlinkClick r:id="rId2"/>
               </a:rPr>
-              <a:t>://caxe.thomasmclennan.ca/tests</a:t>
-            </a:r>
-            <a:r>
-              <a:rPr lang="en-CA" dirty="0" smtClean="0">
-                <a:hlinkClick r:id="rId2"/>
-              </a:rPr>
-              <a:t>/</a:t>
-            </a:r>
-            <a:r>
-              <a:rPr lang="en-CA" dirty="0" smtClean="0"/>
+              <a:t>http://caxe.thomasmclennan.ca/tests/</a:t>
+            </a:r>
+            <a:r>
+              <a:rPr lang="en-CA" dirty="0"/>
               <a:t> </a:t>
             </a:r>
-            <a:endParaRPr lang="en-CA" dirty="0"/>
           </a:p>
         </p:txBody>
       </p:sp>
@@ -5404,13 +6940,6 @@
   <p:clrMapOvr>
     <a:masterClrMapping/>
   </p:clrMapOvr>
-  <p:timing>
-    <p:tnLst>
-      <p:par>
-        <p:cTn id="1" dur="indefinite" restart="never" nodeType="tmRoot"/>
-      </p:par>
-    </p:tnLst>
-  </p:timing>
 </p:sld>
 </file>
 
@@ -5448,10 +6977,9 @@
           <a:p>
             <a:pPr algn="l"/>
             <a:r>
-              <a:rPr lang="en-CA" dirty="0" smtClean="0"/>
-              <a:t>contributions</a:t>
-            </a:r>
-            <a:endParaRPr lang="en-CA" dirty="0"/>
+              <a:rPr lang="en-CA" dirty="0"/>
+              <a:t>Testing</a:t>
+            </a:r>
           </a:p>
         </p:txBody>
       </p:sp>
@@ -5471,24 +6999,3009 @@
           <a:lstStyle/>
           <a:p>
             <a:r>
-              <a:rPr lang="en-CA" dirty="0" smtClean="0"/>
-              <a:t>Analysis and Design – </a:t>
-            </a:r>
-            <a:r>
-              <a:rPr lang="en-CA" dirty="0" err="1" smtClean="0"/>
-              <a:t>Farzin</a:t>
-            </a:r>
-            <a:endParaRPr lang="en-CA" dirty="0" smtClean="0"/>
+              <a:rPr lang="en-CA" dirty="0"/>
+              <a:t>PHP (released 1995)</a:t>
+            </a:r>
+          </a:p>
+          <a:p>
+            <a:r>
+              <a:rPr lang="en-CA" dirty="0"/>
+              <a:t>Object Oriented PHP (2004)</a:t>
+            </a:r>
+          </a:p>
+          <a:p>
+            <a:r>
+              <a:rPr lang="en-CA" dirty="0" err="1"/>
+              <a:t>PHPUnit</a:t>
+            </a:r>
+            <a:r>
+              <a:rPr lang="en-CA" dirty="0"/>
+              <a:t> (2004)</a:t>
+            </a:r>
           </a:p>
           <a:p>
             <a:pPr marL="114300" indent="0">
               <a:buNone/>
             </a:pPr>
-            <a:endParaRPr lang="en-CA" dirty="0" smtClean="0"/>
-          </a:p>
-          <a:p>
-            <a:r>
-              <a:rPr lang="en-CA" dirty="0" smtClean="0"/>
+            <a:endParaRPr lang="en-CA" dirty="0"/>
+          </a:p>
+          <a:p>
+            <a:endParaRPr lang="en-CA" dirty="0"/>
+          </a:p>
+        </p:txBody>
+      </p:sp>
+      <p:pic>
+        <p:nvPicPr>
+          <p:cNvPr id="4" name="Picture 3"/>
+          <p:cNvPicPr>
+            <a:picLocks noChangeAspect="1"/>
+          </p:cNvPicPr>
+          <p:nvPr/>
+        </p:nvPicPr>
+        <p:blipFill>
+          <a:blip r:embed="rId2">
+            <a:extLst>
+              <a:ext uri="{28A0092B-C50C-407E-A947-70E740481C1C}">
+                <a14:useLocalDpi xmlns:a14="http://schemas.microsoft.com/office/drawing/2010/main" val="0"/>
+              </a:ext>
+            </a:extLst>
+          </a:blip>
+          <a:stretch>
+            <a:fillRect/>
+          </a:stretch>
+        </p:blipFill>
+        <p:spPr>
+          <a:xfrm>
+            <a:off x="1503701" y="3935370"/>
+            <a:ext cx="6105525" cy="2152650"/>
+          </a:xfrm>
+          <a:prstGeom prst="rect">
+            <a:avLst/>
+          </a:prstGeom>
+        </p:spPr>
+      </p:pic>
+    </p:spTree>
+    <p:extLst>
+      <p:ext uri="{BB962C8B-B14F-4D97-AF65-F5344CB8AC3E}">
+        <p14:creationId xmlns:p14="http://schemas.microsoft.com/office/powerpoint/2010/main" val="391673558"/>
+      </p:ext>
+    </p:extLst>
+  </p:cSld>
+  <p:clrMapOvr>
+    <a:masterClrMapping/>
+  </p:clrMapOvr>
+</p:sld>
+</file>
+
+<file path=ppt/slides/slide14.xml><?xml version="1.0" encoding="utf-8"?>
+<p:sld xmlns:a="http://schemas.openxmlformats.org/drawingml/2006/main" xmlns:r="http://schemas.openxmlformats.org/officeDocument/2006/relationships" xmlns:p="http://schemas.openxmlformats.org/presentationml/2006/main">
+  <p:cSld>
+    <p:spTree>
+      <p:nvGrpSpPr>
+        <p:cNvPr id="1" name=""/>
+        <p:cNvGrpSpPr/>
+        <p:nvPr/>
+      </p:nvGrpSpPr>
+      <p:grpSpPr>
+        <a:xfrm>
+          <a:off x="0" y="0"/>
+          <a:ext cx="0" cy="0"/>
+          <a:chOff x="0" y="0"/>
+          <a:chExt cx="0" cy="0"/>
+        </a:xfrm>
+      </p:grpSpPr>
+      <p:sp>
+        <p:nvSpPr>
+          <p:cNvPr id="2" name="Title 1"/>
+          <p:cNvSpPr>
+            <a:spLocks noGrp="1"/>
+          </p:cNvSpPr>
+          <p:nvPr>
+            <p:ph type="title"/>
+          </p:nvPr>
+        </p:nvSpPr>
+        <p:spPr/>
+        <p:txBody>
+          <a:bodyPr/>
+          <a:lstStyle/>
+          <a:p>
+            <a:pPr algn="l"/>
+            <a:r>
+              <a:rPr lang="en-CA" dirty="0"/>
+              <a:t>Testing</a:t>
+            </a:r>
+          </a:p>
+        </p:txBody>
+      </p:sp>
+      <p:graphicFrame>
+        <p:nvGraphicFramePr>
+          <p:cNvPr id="6" name="Content Placeholder 5"/>
+          <p:cNvGraphicFramePr>
+            <a:graphicFrameLocks noGrp="1"/>
+          </p:cNvGraphicFramePr>
+          <p:nvPr>
+            <p:ph idx="1"/>
+            <p:extLst>
+              <p:ext uri="{D42A27DB-BD31-4B8C-83A1-F6EECF244321}">
+                <p14:modId xmlns:p14="http://schemas.microsoft.com/office/powerpoint/2010/main" val="2438064698"/>
+              </p:ext>
+            </p:extLst>
+          </p:nvPr>
+        </p:nvGraphicFramePr>
+        <p:xfrm>
+          <a:off x="457200" y="1752600"/>
+          <a:ext cx="4114800" cy="4373563"/>
+        </p:xfrm>
+        <a:graphic>
+          <a:graphicData uri="http://schemas.openxmlformats.org/drawingml/2006/chart">
+            <c:chart xmlns:c="http://schemas.openxmlformats.org/drawingml/2006/chart" xmlns:r="http://schemas.openxmlformats.org/officeDocument/2006/relationships" r:id="rId2"/>
+          </a:graphicData>
+        </a:graphic>
+      </p:graphicFrame>
+      <p:graphicFrame>
+        <p:nvGraphicFramePr>
+          <p:cNvPr id="7" name="Content Placeholder 5"/>
+          <p:cNvGraphicFramePr>
+            <a:graphicFrameLocks/>
+          </p:cNvGraphicFramePr>
+          <p:nvPr>
+            <p:extLst>
+              <p:ext uri="{D42A27DB-BD31-4B8C-83A1-F6EECF244321}">
+                <p14:modId xmlns:p14="http://schemas.microsoft.com/office/powerpoint/2010/main" val="1244336692"/>
+              </p:ext>
+            </p:extLst>
+          </p:nvPr>
+        </p:nvGraphicFramePr>
+        <p:xfrm>
+          <a:off x="4267200" y="1752600"/>
+          <a:ext cx="4114800" cy="4373563"/>
+        </p:xfrm>
+        <a:graphic>
+          <a:graphicData uri="http://schemas.openxmlformats.org/drawingml/2006/chart">
+            <c:chart xmlns:c="http://schemas.openxmlformats.org/drawingml/2006/chart" xmlns:r="http://schemas.openxmlformats.org/officeDocument/2006/relationships" r:id="rId3"/>
+          </a:graphicData>
+        </a:graphic>
+      </p:graphicFrame>
+      <p:sp>
+        <p:nvSpPr>
+          <p:cNvPr id="8" name="TextBox 7"/>
+          <p:cNvSpPr txBox="1"/>
+          <p:nvPr/>
+        </p:nvSpPr>
+        <p:spPr>
+          <a:xfrm>
+            <a:off x="1870032" y="3801105"/>
+            <a:ext cx="1289135" cy="276551"/>
+          </a:xfrm>
+          <a:prstGeom prst="rect">
+            <a:avLst/>
+          </a:prstGeom>
+          <a:noFill/>
+        </p:spPr>
+        <p:txBody>
+          <a:bodyPr wrap="none" rtlCol="0">
+            <a:spAutoFit/>
+          </a:bodyPr>
+          <a:lstStyle/>
+          <a:p>
+            <a:r>
+              <a:rPr lang="en-CA" sz="1197" dirty="0">
+                <a:solidFill>
+                  <a:schemeClr val="tx1">
+                    <a:lumMod val="65000"/>
+                    <a:lumOff val="35000"/>
+                  </a:schemeClr>
+                </a:solidFill>
+              </a:rPr>
+              <a:t>414+ Assertions</a:t>
+            </a:r>
+            <a:endParaRPr lang="en-US" sz="1197" dirty="0">
+              <a:solidFill>
+                <a:schemeClr val="tx1">
+                  <a:lumMod val="65000"/>
+                  <a:lumOff val="35000"/>
+                </a:schemeClr>
+              </a:solidFill>
+            </a:endParaRPr>
+          </a:p>
+        </p:txBody>
+      </p:sp>
+    </p:spTree>
+    <p:extLst>
+      <p:ext uri="{BB962C8B-B14F-4D97-AF65-F5344CB8AC3E}">
+        <p14:creationId xmlns:p14="http://schemas.microsoft.com/office/powerpoint/2010/main" val="3708723136"/>
+      </p:ext>
+    </p:extLst>
+  </p:cSld>
+  <p:clrMapOvr>
+    <a:masterClrMapping/>
+  </p:clrMapOvr>
+</p:sld>
+</file>
+
+<file path=ppt/slides/slide15.xml><?xml version="1.0" encoding="utf-8"?>
+<p:sld xmlns:a="http://schemas.openxmlformats.org/drawingml/2006/main" xmlns:r="http://schemas.openxmlformats.org/officeDocument/2006/relationships" xmlns:p="http://schemas.openxmlformats.org/presentationml/2006/main">
+  <p:cSld>
+    <p:spTree>
+      <p:nvGrpSpPr>
+        <p:cNvPr id="1" name=""/>
+        <p:cNvGrpSpPr/>
+        <p:nvPr/>
+      </p:nvGrpSpPr>
+      <p:grpSpPr>
+        <a:xfrm>
+          <a:off x="0" y="0"/>
+          <a:ext cx="0" cy="0"/>
+          <a:chOff x="0" y="0"/>
+          <a:chExt cx="0" cy="0"/>
+        </a:xfrm>
+      </p:grpSpPr>
+      <p:sp>
+        <p:nvSpPr>
+          <p:cNvPr id="2" name="Title 1"/>
+          <p:cNvSpPr>
+            <a:spLocks noGrp="1"/>
+          </p:cNvSpPr>
+          <p:nvPr>
+            <p:ph type="title"/>
+          </p:nvPr>
+        </p:nvSpPr>
+        <p:spPr/>
+        <p:txBody>
+          <a:bodyPr/>
+          <a:lstStyle/>
+          <a:p>
+            <a:pPr algn="l"/>
+            <a:r>
+              <a:rPr lang="en-CA" dirty="0"/>
+              <a:t>Testing</a:t>
+            </a:r>
+          </a:p>
+        </p:txBody>
+      </p:sp>
+      <p:graphicFrame>
+        <p:nvGraphicFramePr>
+          <p:cNvPr id="5" name="Content Placeholder 4"/>
+          <p:cNvGraphicFramePr>
+            <a:graphicFrameLocks noGrp="1"/>
+          </p:cNvGraphicFramePr>
+          <p:nvPr>
+            <p:ph idx="1"/>
+            <p:extLst>
+              <p:ext uri="{D42A27DB-BD31-4B8C-83A1-F6EECF244321}">
+                <p14:modId xmlns:p14="http://schemas.microsoft.com/office/powerpoint/2010/main" val="1648237685"/>
+              </p:ext>
+            </p:extLst>
+          </p:nvPr>
+        </p:nvGraphicFramePr>
+        <p:xfrm>
+          <a:off x="426128" y="1752600"/>
+          <a:ext cx="8229600" cy="1336677"/>
+        </p:xfrm>
+        <a:graphic>
+          <a:graphicData uri="http://schemas.openxmlformats.org/drawingml/2006/table">
+            <a:tbl>
+              <a:tblPr firstRow="1" firstCol="1" bandRow="1">
+                <a:tableStyleId>{5C22544A-7EE6-4342-B048-85BDC9FD1C3A}</a:tableStyleId>
+              </a:tblPr>
+              <a:tblGrid>
+                <a:gridCol w="6689019">
+                  <a:extLst>
+                    <a:ext uri="{9D8B030D-6E8A-4147-A177-3AD203B41FA5}">
+                      <a16:colId xmlns:a16="http://schemas.microsoft.com/office/drawing/2014/main" val="1050701409"/>
+                    </a:ext>
+                  </a:extLst>
+                </a:gridCol>
+                <a:gridCol w="1540581">
+                  <a:extLst>
+                    <a:ext uri="{9D8B030D-6E8A-4147-A177-3AD203B41FA5}">
+                      <a16:colId xmlns:a16="http://schemas.microsoft.com/office/drawing/2014/main" val="2912571923"/>
+                    </a:ext>
+                  </a:extLst>
+                </a:gridCol>
+              </a:tblGrid>
+              <a:tr h="0">
+                <a:tc>
+                  <a:txBody>
+                    <a:bodyPr/>
+                    <a:lstStyle/>
+                    <a:p>
+                      <a:pPr marL="0" marR="0">
+                        <a:lnSpc>
+                          <a:spcPts val="1920"/>
+                        </a:lnSpc>
+                        <a:spcBef>
+                          <a:spcPts val="0"/>
+                        </a:spcBef>
+                        <a:spcAft>
+                          <a:spcPts val="1200"/>
+                        </a:spcAft>
+                      </a:pPr>
+                      <a:r>
+                        <a:rPr lang="en-US" sz="1200" dirty="0">
+                          <a:effectLst/>
+                        </a:rPr>
+                        <a:t>MySQL Database Password</a:t>
+                      </a:r>
+                      <a:endParaRPr lang="en-US" sz="1100" dirty="0">
+                        <a:effectLst/>
+                        <a:latin typeface="Calibri" panose="020F0502020204030204" pitchFamily="34" charset="0"/>
+                        <a:ea typeface="Calibri" panose="020F0502020204030204" pitchFamily="34" charset="0"/>
+                        <a:cs typeface="Times New Roman" panose="02020603050405020304" pitchFamily="18" charset="0"/>
+                      </a:endParaRPr>
+                    </a:p>
+                  </a:txBody>
+                  <a:tcPr marL="123825" marR="123825" marT="57150" marB="57150" anchor="ctr"/>
+                </a:tc>
+                <a:tc>
+                  <a:txBody>
+                    <a:bodyPr/>
+                    <a:lstStyle/>
+                    <a:p>
+                      <a:pPr marL="0" marR="0">
+                        <a:lnSpc>
+                          <a:spcPts val="1920"/>
+                        </a:lnSpc>
+                        <a:spcBef>
+                          <a:spcPts val="0"/>
+                        </a:spcBef>
+                        <a:spcAft>
+                          <a:spcPts val="1200"/>
+                        </a:spcAft>
+                      </a:pPr>
+                      <a:r>
+                        <a:rPr lang="en-US" sz="1200">
+                          <a:effectLst/>
+                        </a:rPr>
+                        <a:t>Result</a:t>
+                      </a:r>
+                      <a:endParaRPr lang="en-US" sz="1100">
+                        <a:effectLst/>
+                        <a:latin typeface="Calibri" panose="020F0502020204030204" pitchFamily="34" charset="0"/>
+                        <a:ea typeface="Calibri" panose="020F0502020204030204" pitchFamily="34" charset="0"/>
+                        <a:cs typeface="Times New Roman" panose="02020603050405020304" pitchFamily="18" charset="0"/>
+                      </a:endParaRPr>
+                    </a:p>
+                  </a:txBody>
+                  <a:tcPr marL="123825" marR="123825" marT="57150" marB="57150" anchor="ctr"/>
+                </a:tc>
+                <a:extLst>
+                  <a:ext uri="{0D108BD9-81ED-4DB2-BD59-A6C34878D82A}">
+                    <a16:rowId xmlns:a16="http://schemas.microsoft.com/office/drawing/2014/main" val="1711265717"/>
+                  </a:ext>
+                </a:extLst>
+              </a:tr>
+              <a:tr h="0">
+                <a:tc>
+                  <a:txBody>
+                    <a:bodyPr/>
+                    <a:lstStyle/>
+                    <a:p>
+                      <a:pPr marL="0" marR="0">
+                        <a:lnSpc>
+                          <a:spcPts val="1920"/>
+                        </a:lnSpc>
+                        <a:spcBef>
+                          <a:spcPts val="0"/>
+                        </a:spcBef>
+                        <a:spcAft>
+                          <a:spcPts val="1200"/>
+                        </a:spcAft>
+                      </a:pPr>
+                      <a:r>
+                        <a:rPr lang="en-US" sz="1200">
+                          <a:effectLst/>
+                        </a:rPr>
+                        <a:t>Password is string</a:t>
+                      </a:r>
+                      <a:endParaRPr lang="en-US" sz="1100">
+                        <a:effectLst/>
+                        <a:latin typeface="Calibri" panose="020F0502020204030204" pitchFamily="34" charset="0"/>
+                        <a:ea typeface="Calibri" panose="020F0502020204030204" pitchFamily="34" charset="0"/>
+                        <a:cs typeface="Times New Roman" panose="02020603050405020304" pitchFamily="18" charset="0"/>
+                      </a:endParaRPr>
+                    </a:p>
+                  </a:txBody>
+                  <a:tcPr marL="123825" marR="123825" marT="57150" marB="57150" anchor="ctr"/>
+                </a:tc>
+                <a:tc>
+                  <a:txBody>
+                    <a:bodyPr/>
+                    <a:lstStyle/>
+                    <a:p>
+                      <a:pPr marL="0" marR="0">
+                        <a:lnSpc>
+                          <a:spcPts val="1920"/>
+                        </a:lnSpc>
+                        <a:spcBef>
+                          <a:spcPts val="0"/>
+                        </a:spcBef>
+                        <a:spcAft>
+                          <a:spcPts val="1200"/>
+                        </a:spcAft>
+                      </a:pPr>
+                      <a:r>
+                        <a:rPr lang="en-US" sz="1200">
+                          <a:effectLst/>
+                        </a:rPr>
+                        <a:t>true</a:t>
+                      </a:r>
+                      <a:endParaRPr lang="en-US" sz="1100">
+                        <a:effectLst/>
+                        <a:latin typeface="Calibri" panose="020F0502020204030204" pitchFamily="34" charset="0"/>
+                        <a:ea typeface="Calibri" panose="020F0502020204030204" pitchFamily="34" charset="0"/>
+                        <a:cs typeface="Times New Roman" panose="02020603050405020304" pitchFamily="18" charset="0"/>
+                      </a:endParaRPr>
+                    </a:p>
+                  </a:txBody>
+                  <a:tcPr marL="123825" marR="123825" marT="57150" marB="57150" anchor="ctr"/>
+                </a:tc>
+                <a:extLst>
+                  <a:ext uri="{0D108BD9-81ED-4DB2-BD59-A6C34878D82A}">
+                    <a16:rowId xmlns:a16="http://schemas.microsoft.com/office/drawing/2014/main" val="3903622334"/>
+                  </a:ext>
+                </a:extLst>
+              </a:tr>
+              <a:tr h="0">
+                <a:tc>
+                  <a:txBody>
+                    <a:bodyPr/>
+                    <a:lstStyle/>
+                    <a:p>
+                      <a:pPr marL="0" marR="0">
+                        <a:lnSpc>
+                          <a:spcPts val="1920"/>
+                        </a:lnSpc>
+                        <a:spcBef>
+                          <a:spcPts val="0"/>
+                        </a:spcBef>
+                        <a:spcAft>
+                          <a:spcPts val="1200"/>
+                        </a:spcAft>
+                      </a:pPr>
+                      <a:r>
+                        <a:rPr lang="en-US" sz="1200">
+                          <a:effectLst/>
+                        </a:rPr>
+                        <a:t>Password's first character is alphanumeric</a:t>
+                      </a:r>
+                      <a:endParaRPr lang="en-US" sz="1100">
+                        <a:effectLst/>
+                        <a:latin typeface="Calibri" panose="020F0502020204030204" pitchFamily="34" charset="0"/>
+                        <a:ea typeface="Calibri" panose="020F0502020204030204" pitchFamily="34" charset="0"/>
+                        <a:cs typeface="Times New Roman" panose="02020603050405020304" pitchFamily="18" charset="0"/>
+                      </a:endParaRPr>
+                    </a:p>
+                  </a:txBody>
+                  <a:tcPr marL="123825" marR="123825" marT="57150" marB="57150" anchor="ctr"/>
+                </a:tc>
+                <a:tc>
+                  <a:txBody>
+                    <a:bodyPr/>
+                    <a:lstStyle/>
+                    <a:p>
+                      <a:pPr marL="0" marR="0">
+                        <a:lnSpc>
+                          <a:spcPts val="1920"/>
+                        </a:lnSpc>
+                        <a:spcBef>
+                          <a:spcPts val="0"/>
+                        </a:spcBef>
+                        <a:spcAft>
+                          <a:spcPts val="1200"/>
+                        </a:spcAft>
+                      </a:pPr>
+                      <a:r>
+                        <a:rPr lang="en-US" sz="1200">
+                          <a:effectLst/>
+                        </a:rPr>
+                        <a:t>true</a:t>
+                      </a:r>
+                      <a:endParaRPr lang="en-US" sz="1100">
+                        <a:effectLst/>
+                        <a:latin typeface="Calibri" panose="020F0502020204030204" pitchFamily="34" charset="0"/>
+                        <a:ea typeface="Calibri" panose="020F0502020204030204" pitchFamily="34" charset="0"/>
+                        <a:cs typeface="Times New Roman" panose="02020603050405020304" pitchFamily="18" charset="0"/>
+                      </a:endParaRPr>
+                    </a:p>
+                  </a:txBody>
+                  <a:tcPr marL="123825" marR="123825" marT="57150" marB="57150" anchor="ctr"/>
+                </a:tc>
+                <a:extLst>
+                  <a:ext uri="{0D108BD9-81ED-4DB2-BD59-A6C34878D82A}">
+                    <a16:rowId xmlns:a16="http://schemas.microsoft.com/office/drawing/2014/main" val="2061073366"/>
+                  </a:ext>
+                </a:extLst>
+              </a:tr>
+              <a:tr h="0">
+                <a:tc>
+                  <a:txBody>
+                    <a:bodyPr/>
+                    <a:lstStyle/>
+                    <a:p>
+                      <a:pPr marL="0" marR="0">
+                        <a:lnSpc>
+                          <a:spcPts val="1920"/>
+                        </a:lnSpc>
+                        <a:spcBef>
+                          <a:spcPts val="0"/>
+                        </a:spcBef>
+                        <a:spcAft>
+                          <a:spcPts val="1200"/>
+                        </a:spcAft>
+                      </a:pPr>
+                      <a:r>
+                        <a:rPr lang="en-US" sz="1200">
+                          <a:effectLst/>
+                        </a:rPr>
+                        <a:t>Password &lt; 1 character</a:t>
+                      </a:r>
+                      <a:endParaRPr lang="en-US" sz="1100">
+                        <a:effectLst/>
+                        <a:latin typeface="Calibri" panose="020F0502020204030204" pitchFamily="34" charset="0"/>
+                        <a:ea typeface="Calibri" panose="020F0502020204030204" pitchFamily="34" charset="0"/>
+                        <a:cs typeface="Times New Roman" panose="02020603050405020304" pitchFamily="18" charset="0"/>
+                      </a:endParaRPr>
+                    </a:p>
+                  </a:txBody>
+                  <a:tcPr marL="123825" marR="123825" marT="57150" marB="57150" anchor="ctr"/>
+                </a:tc>
+                <a:tc>
+                  <a:txBody>
+                    <a:bodyPr/>
+                    <a:lstStyle/>
+                    <a:p>
+                      <a:pPr marL="0" marR="0">
+                        <a:lnSpc>
+                          <a:spcPts val="1920"/>
+                        </a:lnSpc>
+                        <a:spcBef>
+                          <a:spcPts val="0"/>
+                        </a:spcBef>
+                        <a:spcAft>
+                          <a:spcPts val="1200"/>
+                        </a:spcAft>
+                      </a:pPr>
+                      <a:r>
+                        <a:rPr lang="en-US" sz="1200" dirty="0">
+                          <a:effectLst/>
+                        </a:rPr>
+                        <a:t>true</a:t>
+                      </a:r>
+                      <a:endParaRPr lang="en-US" sz="1100" dirty="0">
+                        <a:effectLst/>
+                        <a:latin typeface="Calibri" panose="020F0502020204030204" pitchFamily="34" charset="0"/>
+                        <a:ea typeface="Calibri" panose="020F0502020204030204" pitchFamily="34" charset="0"/>
+                        <a:cs typeface="Times New Roman" panose="02020603050405020304" pitchFamily="18" charset="0"/>
+                      </a:endParaRPr>
+                    </a:p>
+                  </a:txBody>
+                  <a:tcPr marL="123825" marR="123825" marT="57150" marB="57150" anchor="ctr"/>
+                </a:tc>
+                <a:extLst>
+                  <a:ext uri="{0D108BD9-81ED-4DB2-BD59-A6C34878D82A}">
+                    <a16:rowId xmlns:a16="http://schemas.microsoft.com/office/drawing/2014/main" val="932605960"/>
+                  </a:ext>
+                </a:extLst>
+              </a:tr>
+            </a:tbl>
+          </a:graphicData>
+        </a:graphic>
+      </p:graphicFrame>
+      <p:graphicFrame>
+        <p:nvGraphicFramePr>
+          <p:cNvPr id="7" name="Table 6"/>
+          <p:cNvGraphicFramePr>
+            <a:graphicFrameLocks noGrp="1"/>
+          </p:cNvGraphicFramePr>
+          <p:nvPr>
+            <p:extLst>
+              <p:ext uri="{D42A27DB-BD31-4B8C-83A1-F6EECF244321}">
+                <p14:modId xmlns:p14="http://schemas.microsoft.com/office/powerpoint/2010/main" val="842791771"/>
+              </p:ext>
+            </p:extLst>
+          </p:nvPr>
+        </p:nvGraphicFramePr>
+        <p:xfrm>
+          <a:off x="426128" y="3394078"/>
+          <a:ext cx="8229600" cy="2339280"/>
+        </p:xfrm>
+        <a:graphic>
+          <a:graphicData uri="http://schemas.openxmlformats.org/drawingml/2006/table">
+            <a:tbl>
+              <a:tblPr firstRow="1" firstCol="1" bandRow="1">
+                <a:tableStyleId>{5C22544A-7EE6-4342-B048-85BDC9FD1C3A}</a:tableStyleId>
+              </a:tblPr>
+              <a:tblGrid>
+                <a:gridCol w="6659392">
+                  <a:extLst>
+                    <a:ext uri="{9D8B030D-6E8A-4147-A177-3AD203B41FA5}">
+                      <a16:colId xmlns:a16="http://schemas.microsoft.com/office/drawing/2014/main" val="2544977394"/>
+                    </a:ext>
+                  </a:extLst>
+                </a:gridCol>
+                <a:gridCol w="1570208">
+                  <a:extLst>
+                    <a:ext uri="{9D8B030D-6E8A-4147-A177-3AD203B41FA5}">
+                      <a16:colId xmlns:a16="http://schemas.microsoft.com/office/drawing/2014/main" val="1263245203"/>
+                    </a:ext>
+                  </a:extLst>
+                </a:gridCol>
+              </a:tblGrid>
+              <a:tr h="0">
+                <a:tc>
+                  <a:txBody>
+                    <a:bodyPr/>
+                    <a:lstStyle/>
+                    <a:p>
+                      <a:pPr marL="0" marR="0">
+                        <a:lnSpc>
+                          <a:spcPts val="1920"/>
+                        </a:lnSpc>
+                        <a:spcBef>
+                          <a:spcPts val="0"/>
+                        </a:spcBef>
+                        <a:spcAft>
+                          <a:spcPts val="1200"/>
+                        </a:spcAft>
+                      </a:pPr>
+                      <a:r>
+                        <a:rPr lang="en-US" sz="1200">
+                          <a:effectLst/>
+                        </a:rPr>
+                        <a:t>Database.member_name</a:t>
+                      </a:r>
+                      <a:endParaRPr lang="en-US" sz="1100">
+                        <a:effectLst/>
+                        <a:latin typeface="Calibri" panose="020F0502020204030204" pitchFamily="34" charset="0"/>
+                        <a:ea typeface="Calibri" panose="020F0502020204030204" pitchFamily="34" charset="0"/>
+                        <a:cs typeface="Times New Roman" panose="02020603050405020304" pitchFamily="18" charset="0"/>
+                      </a:endParaRPr>
+                    </a:p>
+                  </a:txBody>
+                  <a:tcPr marL="123825" marR="123825" marT="57150" marB="57150" anchor="ctr"/>
+                </a:tc>
+                <a:tc>
+                  <a:txBody>
+                    <a:bodyPr/>
+                    <a:lstStyle/>
+                    <a:p>
+                      <a:pPr marL="0" marR="0">
+                        <a:lnSpc>
+                          <a:spcPts val="1920"/>
+                        </a:lnSpc>
+                        <a:spcBef>
+                          <a:spcPts val="0"/>
+                        </a:spcBef>
+                        <a:spcAft>
+                          <a:spcPts val="1200"/>
+                        </a:spcAft>
+                      </a:pPr>
+                      <a:r>
+                        <a:rPr lang="en-US" sz="1200">
+                          <a:effectLst/>
+                        </a:rPr>
+                        <a:t>Result</a:t>
+                      </a:r>
+                      <a:endParaRPr lang="en-US" sz="1100">
+                        <a:effectLst/>
+                        <a:latin typeface="Calibri" panose="020F0502020204030204" pitchFamily="34" charset="0"/>
+                        <a:ea typeface="Calibri" panose="020F0502020204030204" pitchFamily="34" charset="0"/>
+                        <a:cs typeface="Times New Roman" panose="02020603050405020304" pitchFamily="18" charset="0"/>
+                      </a:endParaRPr>
+                    </a:p>
+                  </a:txBody>
+                  <a:tcPr marL="123825" marR="123825" marT="57150" marB="57150" anchor="ctr"/>
+                </a:tc>
+                <a:extLst>
+                  <a:ext uri="{0D108BD9-81ED-4DB2-BD59-A6C34878D82A}">
+                    <a16:rowId xmlns:a16="http://schemas.microsoft.com/office/drawing/2014/main" val="3921474571"/>
+                  </a:ext>
+                </a:extLst>
+              </a:tr>
+              <a:tr h="0">
+                <a:tc>
+                  <a:txBody>
+                    <a:bodyPr/>
+                    <a:lstStyle/>
+                    <a:p>
+                      <a:pPr marL="0" marR="0">
+                        <a:lnSpc>
+                          <a:spcPts val="1920"/>
+                        </a:lnSpc>
+                        <a:spcBef>
+                          <a:spcPts val="0"/>
+                        </a:spcBef>
+                        <a:spcAft>
+                          <a:spcPts val="1200"/>
+                        </a:spcAft>
+                      </a:pPr>
+                      <a:r>
+                        <a:rPr lang="en-US" sz="1200" dirty="0" err="1">
+                          <a:effectLst/>
+                        </a:rPr>
+                        <a:t>member_name</a:t>
+                      </a:r>
+                      <a:r>
+                        <a:rPr lang="en-US" sz="1200" dirty="0">
+                          <a:effectLst/>
+                        </a:rPr>
+                        <a:t> is created</a:t>
+                      </a:r>
+                      <a:endParaRPr lang="en-US" sz="1100" dirty="0">
+                        <a:effectLst/>
+                        <a:latin typeface="Calibri" panose="020F0502020204030204" pitchFamily="34" charset="0"/>
+                        <a:ea typeface="Calibri" panose="020F0502020204030204" pitchFamily="34" charset="0"/>
+                        <a:cs typeface="Times New Roman" panose="02020603050405020304" pitchFamily="18" charset="0"/>
+                      </a:endParaRPr>
+                    </a:p>
+                  </a:txBody>
+                  <a:tcPr marL="123825" marR="123825" marT="57150" marB="57150" anchor="ctr"/>
+                </a:tc>
+                <a:tc>
+                  <a:txBody>
+                    <a:bodyPr/>
+                    <a:lstStyle/>
+                    <a:p>
+                      <a:pPr marL="0" marR="0">
+                        <a:lnSpc>
+                          <a:spcPts val="1920"/>
+                        </a:lnSpc>
+                        <a:spcBef>
+                          <a:spcPts val="0"/>
+                        </a:spcBef>
+                        <a:spcAft>
+                          <a:spcPts val="1200"/>
+                        </a:spcAft>
+                      </a:pPr>
+                      <a:r>
+                        <a:rPr lang="en-US" sz="1200">
+                          <a:effectLst/>
+                        </a:rPr>
+                        <a:t>true</a:t>
+                      </a:r>
+                      <a:endParaRPr lang="en-US" sz="1100">
+                        <a:effectLst/>
+                        <a:latin typeface="Calibri" panose="020F0502020204030204" pitchFamily="34" charset="0"/>
+                        <a:ea typeface="Calibri" panose="020F0502020204030204" pitchFamily="34" charset="0"/>
+                        <a:cs typeface="Times New Roman" panose="02020603050405020304" pitchFamily="18" charset="0"/>
+                      </a:endParaRPr>
+                    </a:p>
+                  </a:txBody>
+                  <a:tcPr marL="123825" marR="123825" marT="57150" marB="57150" anchor="ctr"/>
+                </a:tc>
+                <a:extLst>
+                  <a:ext uri="{0D108BD9-81ED-4DB2-BD59-A6C34878D82A}">
+                    <a16:rowId xmlns:a16="http://schemas.microsoft.com/office/drawing/2014/main" val="568972161"/>
+                  </a:ext>
+                </a:extLst>
+              </a:tr>
+              <a:tr h="0">
+                <a:tc>
+                  <a:txBody>
+                    <a:bodyPr/>
+                    <a:lstStyle/>
+                    <a:p>
+                      <a:pPr marL="0" marR="0">
+                        <a:lnSpc>
+                          <a:spcPts val="1920"/>
+                        </a:lnSpc>
+                        <a:spcBef>
+                          <a:spcPts val="0"/>
+                        </a:spcBef>
+                        <a:spcAft>
+                          <a:spcPts val="1200"/>
+                        </a:spcAft>
+                      </a:pPr>
+                      <a:r>
+                        <a:rPr lang="en-US" sz="1200">
+                          <a:effectLst/>
+                        </a:rPr>
+                        <a:t>member_name can be "m"</a:t>
+                      </a:r>
+                      <a:endParaRPr lang="en-US" sz="1100">
+                        <a:effectLst/>
+                        <a:latin typeface="Calibri" panose="020F0502020204030204" pitchFamily="34" charset="0"/>
+                        <a:ea typeface="Calibri" panose="020F0502020204030204" pitchFamily="34" charset="0"/>
+                        <a:cs typeface="Times New Roman" panose="02020603050405020304" pitchFamily="18" charset="0"/>
+                      </a:endParaRPr>
+                    </a:p>
+                  </a:txBody>
+                  <a:tcPr marL="123825" marR="123825" marT="57150" marB="57150" anchor="ctr"/>
+                </a:tc>
+                <a:tc>
+                  <a:txBody>
+                    <a:bodyPr/>
+                    <a:lstStyle/>
+                    <a:p>
+                      <a:pPr marL="0" marR="0">
+                        <a:lnSpc>
+                          <a:spcPts val="1920"/>
+                        </a:lnSpc>
+                        <a:spcBef>
+                          <a:spcPts val="0"/>
+                        </a:spcBef>
+                        <a:spcAft>
+                          <a:spcPts val="1200"/>
+                        </a:spcAft>
+                      </a:pPr>
+                      <a:r>
+                        <a:rPr lang="en-US" sz="1200">
+                          <a:effectLst/>
+                        </a:rPr>
+                        <a:t>true</a:t>
+                      </a:r>
+                      <a:endParaRPr lang="en-US" sz="1100">
+                        <a:effectLst/>
+                        <a:latin typeface="Calibri" panose="020F0502020204030204" pitchFamily="34" charset="0"/>
+                        <a:ea typeface="Calibri" panose="020F0502020204030204" pitchFamily="34" charset="0"/>
+                        <a:cs typeface="Times New Roman" panose="02020603050405020304" pitchFamily="18" charset="0"/>
+                      </a:endParaRPr>
+                    </a:p>
+                  </a:txBody>
+                  <a:tcPr marL="123825" marR="123825" marT="57150" marB="57150" anchor="ctr"/>
+                </a:tc>
+                <a:extLst>
+                  <a:ext uri="{0D108BD9-81ED-4DB2-BD59-A6C34878D82A}">
+                    <a16:rowId xmlns:a16="http://schemas.microsoft.com/office/drawing/2014/main" val="29987642"/>
+                  </a:ext>
+                </a:extLst>
+              </a:tr>
+              <a:tr h="0">
+                <a:tc>
+                  <a:txBody>
+                    <a:bodyPr/>
+                    <a:lstStyle/>
+                    <a:p>
+                      <a:pPr marL="0" marR="0">
+                        <a:lnSpc>
+                          <a:spcPts val="1920"/>
+                        </a:lnSpc>
+                        <a:spcBef>
+                          <a:spcPts val="0"/>
+                        </a:spcBef>
+                        <a:spcAft>
+                          <a:spcPts val="1200"/>
+                        </a:spcAft>
+                      </a:pPr>
+                      <a:r>
+                        <a:rPr lang="en-US" sz="1200">
+                          <a:effectLst/>
+                        </a:rPr>
+                        <a:t>member_name can be "1"</a:t>
+                      </a:r>
+                      <a:endParaRPr lang="en-US" sz="1100">
+                        <a:effectLst/>
+                        <a:latin typeface="Calibri" panose="020F0502020204030204" pitchFamily="34" charset="0"/>
+                        <a:ea typeface="Calibri" panose="020F0502020204030204" pitchFamily="34" charset="0"/>
+                        <a:cs typeface="Times New Roman" panose="02020603050405020304" pitchFamily="18" charset="0"/>
+                      </a:endParaRPr>
+                    </a:p>
+                  </a:txBody>
+                  <a:tcPr marL="123825" marR="123825" marT="57150" marB="57150" anchor="ctr"/>
+                </a:tc>
+                <a:tc>
+                  <a:txBody>
+                    <a:bodyPr/>
+                    <a:lstStyle/>
+                    <a:p>
+                      <a:pPr marL="0" marR="0">
+                        <a:lnSpc>
+                          <a:spcPts val="1920"/>
+                        </a:lnSpc>
+                        <a:spcBef>
+                          <a:spcPts val="0"/>
+                        </a:spcBef>
+                        <a:spcAft>
+                          <a:spcPts val="1200"/>
+                        </a:spcAft>
+                      </a:pPr>
+                      <a:r>
+                        <a:rPr lang="en-US" sz="1200">
+                          <a:effectLst/>
+                        </a:rPr>
+                        <a:t>true</a:t>
+                      </a:r>
+                      <a:endParaRPr lang="en-US" sz="1100">
+                        <a:effectLst/>
+                        <a:latin typeface="Calibri" panose="020F0502020204030204" pitchFamily="34" charset="0"/>
+                        <a:ea typeface="Calibri" panose="020F0502020204030204" pitchFamily="34" charset="0"/>
+                        <a:cs typeface="Times New Roman" panose="02020603050405020304" pitchFamily="18" charset="0"/>
+                      </a:endParaRPr>
+                    </a:p>
+                  </a:txBody>
+                  <a:tcPr marL="123825" marR="123825" marT="57150" marB="57150" anchor="ctr"/>
+                </a:tc>
+                <a:extLst>
+                  <a:ext uri="{0D108BD9-81ED-4DB2-BD59-A6C34878D82A}">
+                    <a16:rowId xmlns:a16="http://schemas.microsoft.com/office/drawing/2014/main" val="4027101589"/>
+                  </a:ext>
+                </a:extLst>
+              </a:tr>
+              <a:tr h="0">
+                <a:tc>
+                  <a:txBody>
+                    <a:bodyPr/>
+                    <a:lstStyle/>
+                    <a:p>
+                      <a:pPr marL="0" marR="0">
+                        <a:lnSpc>
+                          <a:spcPts val="1920"/>
+                        </a:lnSpc>
+                        <a:spcBef>
+                          <a:spcPts val="0"/>
+                        </a:spcBef>
+                        <a:spcAft>
+                          <a:spcPts val="1200"/>
+                        </a:spcAft>
+                      </a:pPr>
+                      <a:r>
+                        <a:rPr lang="en-US" sz="1200" dirty="0" err="1">
+                          <a:effectLst/>
+                        </a:rPr>
+                        <a:t>member_name</a:t>
+                      </a:r>
+                      <a:r>
+                        <a:rPr lang="en-US" sz="1200" dirty="0">
+                          <a:effectLst/>
+                        </a:rPr>
+                        <a:t> can be "</a:t>
+                      </a:r>
+                      <a:r>
+                        <a:rPr lang="en-US" sz="1200" dirty="0" err="1">
+                          <a:effectLst/>
+                        </a:rPr>
+                        <a:t>xxxx</a:t>
+                      </a:r>
+                      <a:r>
+                        <a:rPr lang="en-US" sz="1200" dirty="0">
+                          <a:effectLst/>
+                        </a:rPr>
+                        <a:t> </a:t>
+                      </a:r>
+                      <a:r>
+                        <a:rPr lang="en-US" sz="1200" dirty="0" err="1">
+                          <a:effectLst/>
+                        </a:rPr>
+                        <a:t>xxxx</a:t>
+                      </a:r>
+                      <a:r>
+                        <a:rPr lang="en-US" sz="1200" dirty="0">
+                          <a:effectLst/>
+                        </a:rPr>
+                        <a:t> </a:t>
+                      </a:r>
+                      <a:r>
+                        <a:rPr lang="en-US" sz="1200" dirty="0" err="1">
+                          <a:effectLst/>
+                        </a:rPr>
+                        <a:t>xxxx</a:t>
+                      </a:r>
+                      <a:r>
+                        <a:rPr lang="en-US" sz="1200" dirty="0">
+                          <a:effectLst/>
+                        </a:rPr>
+                        <a:t> </a:t>
+                      </a:r>
+                      <a:r>
+                        <a:rPr lang="en-US" sz="1200" dirty="0" err="1">
+                          <a:effectLst/>
+                        </a:rPr>
+                        <a:t>xxxx</a:t>
+                      </a:r>
+                      <a:r>
+                        <a:rPr lang="en-US" sz="1200" dirty="0">
+                          <a:effectLst/>
+                        </a:rPr>
+                        <a:t> </a:t>
+                      </a:r>
+                      <a:r>
+                        <a:rPr lang="en-US" sz="1200" dirty="0" err="1">
+                          <a:effectLst/>
+                        </a:rPr>
+                        <a:t>xxxx</a:t>
+                      </a:r>
+                      <a:r>
+                        <a:rPr lang="en-US" sz="1200" dirty="0">
+                          <a:effectLst/>
+                        </a:rPr>
+                        <a:t>“ (24/25)</a:t>
+                      </a:r>
+                      <a:endParaRPr lang="en-US" sz="1100" dirty="0">
+                        <a:effectLst/>
+                        <a:latin typeface="Calibri" panose="020F0502020204030204" pitchFamily="34" charset="0"/>
+                        <a:ea typeface="Calibri" panose="020F0502020204030204" pitchFamily="34" charset="0"/>
+                        <a:cs typeface="Times New Roman" panose="02020603050405020304" pitchFamily="18" charset="0"/>
+                      </a:endParaRPr>
+                    </a:p>
+                  </a:txBody>
+                  <a:tcPr marL="123825" marR="123825" marT="57150" marB="57150" anchor="ctr"/>
+                </a:tc>
+                <a:tc>
+                  <a:txBody>
+                    <a:bodyPr/>
+                    <a:lstStyle/>
+                    <a:p>
+                      <a:pPr marL="0" marR="0">
+                        <a:lnSpc>
+                          <a:spcPts val="1920"/>
+                        </a:lnSpc>
+                        <a:spcBef>
+                          <a:spcPts val="0"/>
+                        </a:spcBef>
+                        <a:spcAft>
+                          <a:spcPts val="1200"/>
+                        </a:spcAft>
+                      </a:pPr>
+                      <a:r>
+                        <a:rPr lang="en-US" sz="1200">
+                          <a:effectLst/>
+                        </a:rPr>
+                        <a:t>true</a:t>
+                      </a:r>
+                      <a:endParaRPr lang="en-US" sz="1100">
+                        <a:effectLst/>
+                        <a:latin typeface="Calibri" panose="020F0502020204030204" pitchFamily="34" charset="0"/>
+                        <a:ea typeface="Calibri" panose="020F0502020204030204" pitchFamily="34" charset="0"/>
+                        <a:cs typeface="Times New Roman" panose="02020603050405020304" pitchFamily="18" charset="0"/>
+                      </a:endParaRPr>
+                    </a:p>
+                  </a:txBody>
+                  <a:tcPr marL="123825" marR="123825" marT="57150" marB="57150" anchor="ctr"/>
+                </a:tc>
+                <a:extLst>
+                  <a:ext uri="{0D108BD9-81ED-4DB2-BD59-A6C34878D82A}">
+                    <a16:rowId xmlns:a16="http://schemas.microsoft.com/office/drawing/2014/main" val="3946038184"/>
+                  </a:ext>
+                </a:extLst>
+              </a:tr>
+              <a:tr h="0">
+                <a:tc>
+                  <a:txBody>
+                    <a:bodyPr/>
+                    <a:lstStyle/>
+                    <a:p>
+                      <a:pPr marL="0" marR="0">
+                        <a:lnSpc>
+                          <a:spcPts val="1920"/>
+                        </a:lnSpc>
+                        <a:spcBef>
+                          <a:spcPts val="0"/>
+                        </a:spcBef>
+                        <a:spcAft>
+                          <a:spcPts val="1200"/>
+                        </a:spcAft>
+                      </a:pPr>
+                      <a:r>
+                        <a:rPr lang="en-US" sz="1200" dirty="0" err="1">
+                          <a:effectLst/>
+                        </a:rPr>
+                        <a:t>member_name</a:t>
+                      </a:r>
+                      <a:r>
+                        <a:rPr lang="en-US" sz="1200" dirty="0">
+                          <a:effectLst/>
+                        </a:rPr>
+                        <a:t> cannot be "</a:t>
+                      </a:r>
+                      <a:r>
+                        <a:rPr lang="en-US" sz="1200" dirty="0" err="1">
+                          <a:effectLst/>
+                        </a:rPr>
+                        <a:t>xxxx</a:t>
+                      </a:r>
+                      <a:r>
+                        <a:rPr lang="en-US" sz="1200" dirty="0">
+                          <a:effectLst/>
+                        </a:rPr>
+                        <a:t> </a:t>
+                      </a:r>
+                      <a:r>
+                        <a:rPr lang="en-US" sz="1200" dirty="0" err="1">
+                          <a:effectLst/>
+                        </a:rPr>
+                        <a:t>xxxx</a:t>
+                      </a:r>
+                      <a:r>
+                        <a:rPr lang="en-US" sz="1200" dirty="0">
+                          <a:effectLst/>
+                        </a:rPr>
+                        <a:t> </a:t>
+                      </a:r>
+                      <a:r>
+                        <a:rPr lang="en-US" sz="1200" dirty="0" err="1">
+                          <a:effectLst/>
+                        </a:rPr>
+                        <a:t>xxxx</a:t>
+                      </a:r>
+                      <a:r>
+                        <a:rPr lang="en-US" sz="1200" dirty="0">
+                          <a:effectLst/>
+                        </a:rPr>
+                        <a:t> </a:t>
+                      </a:r>
+                      <a:r>
+                        <a:rPr lang="en-US" sz="1200" dirty="0" err="1">
+                          <a:effectLst/>
+                        </a:rPr>
+                        <a:t>xxxx</a:t>
+                      </a:r>
+                      <a:r>
+                        <a:rPr lang="en-US" sz="1200" dirty="0">
+                          <a:effectLst/>
+                        </a:rPr>
+                        <a:t> </a:t>
+                      </a:r>
+                      <a:r>
+                        <a:rPr lang="en-US" sz="1200" dirty="0" err="1">
+                          <a:effectLst/>
+                        </a:rPr>
+                        <a:t>xxxx</a:t>
+                      </a:r>
+                      <a:r>
+                        <a:rPr lang="en-US" sz="1200" dirty="0">
+                          <a:effectLst/>
+                        </a:rPr>
+                        <a:t> </a:t>
+                      </a:r>
+                      <a:r>
+                        <a:rPr lang="en-US" sz="1200" dirty="0" err="1">
+                          <a:effectLst/>
+                        </a:rPr>
+                        <a:t>xxxx</a:t>
+                      </a:r>
+                      <a:r>
+                        <a:rPr lang="en-US" sz="1200" dirty="0">
+                          <a:effectLst/>
+                        </a:rPr>
+                        <a:t>“ (29/25)</a:t>
+                      </a:r>
+                      <a:endParaRPr lang="en-US" sz="1100" dirty="0">
+                        <a:effectLst/>
+                        <a:latin typeface="Calibri" panose="020F0502020204030204" pitchFamily="34" charset="0"/>
+                        <a:ea typeface="Calibri" panose="020F0502020204030204" pitchFamily="34" charset="0"/>
+                        <a:cs typeface="Times New Roman" panose="02020603050405020304" pitchFamily="18" charset="0"/>
+                      </a:endParaRPr>
+                    </a:p>
+                  </a:txBody>
+                  <a:tcPr marL="123825" marR="123825" marT="57150" marB="57150" anchor="ctr"/>
+                </a:tc>
+                <a:tc>
+                  <a:txBody>
+                    <a:bodyPr/>
+                    <a:lstStyle/>
+                    <a:p>
+                      <a:pPr marL="0" marR="0">
+                        <a:lnSpc>
+                          <a:spcPts val="1920"/>
+                        </a:lnSpc>
+                        <a:spcBef>
+                          <a:spcPts val="0"/>
+                        </a:spcBef>
+                        <a:spcAft>
+                          <a:spcPts val="1200"/>
+                        </a:spcAft>
+                      </a:pPr>
+                      <a:r>
+                        <a:rPr lang="en-US" sz="1200">
+                          <a:effectLst/>
+                        </a:rPr>
+                        <a:t>true</a:t>
+                      </a:r>
+                      <a:endParaRPr lang="en-US" sz="1100">
+                        <a:effectLst/>
+                        <a:latin typeface="Calibri" panose="020F0502020204030204" pitchFamily="34" charset="0"/>
+                        <a:ea typeface="Calibri" panose="020F0502020204030204" pitchFamily="34" charset="0"/>
+                        <a:cs typeface="Times New Roman" panose="02020603050405020304" pitchFamily="18" charset="0"/>
+                      </a:endParaRPr>
+                    </a:p>
+                  </a:txBody>
+                  <a:tcPr marL="123825" marR="123825" marT="57150" marB="57150" anchor="ctr"/>
+                </a:tc>
+                <a:extLst>
+                  <a:ext uri="{0D108BD9-81ED-4DB2-BD59-A6C34878D82A}">
+                    <a16:rowId xmlns:a16="http://schemas.microsoft.com/office/drawing/2014/main" val="3122512547"/>
+                  </a:ext>
+                </a:extLst>
+              </a:tr>
+              <a:tr h="0">
+                <a:tc>
+                  <a:txBody>
+                    <a:bodyPr/>
+                    <a:lstStyle/>
+                    <a:p>
+                      <a:pPr marL="0" marR="0">
+                        <a:lnSpc>
+                          <a:spcPts val="1920"/>
+                        </a:lnSpc>
+                        <a:spcBef>
+                          <a:spcPts val="0"/>
+                        </a:spcBef>
+                        <a:spcAft>
+                          <a:spcPts val="1200"/>
+                        </a:spcAft>
+                      </a:pPr>
+                      <a:r>
+                        <a:rPr lang="en-US" sz="1200" dirty="0" err="1">
+                          <a:effectLst/>
+                        </a:rPr>
+                        <a:t>member_name</a:t>
+                      </a:r>
+                      <a:r>
+                        <a:rPr lang="en-US" sz="1200" dirty="0">
+                          <a:effectLst/>
+                        </a:rPr>
+                        <a:t> cannot be ""</a:t>
+                      </a:r>
+                      <a:endParaRPr lang="en-US" sz="1100" dirty="0">
+                        <a:effectLst/>
+                        <a:latin typeface="Calibri" panose="020F0502020204030204" pitchFamily="34" charset="0"/>
+                        <a:ea typeface="Calibri" panose="020F0502020204030204" pitchFamily="34" charset="0"/>
+                        <a:cs typeface="Times New Roman" panose="02020603050405020304" pitchFamily="18" charset="0"/>
+                      </a:endParaRPr>
+                    </a:p>
+                  </a:txBody>
+                  <a:tcPr marL="123825" marR="123825" marT="57150" marB="57150" anchor="ctr"/>
+                </a:tc>
+                <a:tc>
+                  <a:txBody>
+                    <a:bodyPr/>
+                    <a:lstStyle/>
+                    <a:p>
+                      <a:pPr marL="0" marR="0">
+                        <a:lnSpc>
+                          <a:spcPts val="1920"/>
+                        </a:lnSpc>
+                        <a:spcBef>
+                          <a:spcPts val="0"/>
+                        </a:spcBef>
+                        <a:spcAft>
+                          <a:spcPts val="1200"/>
+                        </a:spcAft>
+                      </a:pPr>
+                      <a:r>
+                        <a:rPr lang="en-US" sz="1200" dirty="0">
+                          <a:effectLst/>
+                        </a:rPr>
+                        <a:t>acceptable</a:t>
+                      </a:r>
+                      <a:endParaRPr lang="en-US" sz="1100" dirty="0">
+                        <a:effectLst/>
+                        <a:latin typeface="Calibri" panose="020F0502020204030204" pitchFamily="34" charset="0"/>
+                        <a:ea typeface="Calibri" panose="020F0502020204030204" pitchFamily="34" charset="0"/>
+                        <a:cs typeface="Times New Roman" panose="02020603050405020304" pitchFamily="18" charset="0"/>
+                      </a:endParaRPr>
+                    </a:p>
+                  </a:txBody>
+                  <a:tcPr marL="123825" marR="123825" marT="57150" marB="57150" anchor="ctr"/>
+                </a:tc>
+                <a:extLst>
+                  <a:ext uri="{0D108BD9-81ED-4DB2-BD59-A6C34878D82A}">
+                    <a16:rowId xmlns:a16="http://schemas.microsoft.com/office/drawing/2014/main" val="3272363088"/>
+                  </a:ext>
+                </a:extLst>
+              </a:tr>
+            </a:tbl>
+          </a:graphicData>
+        </a:graphic>
+      </p:graphicFrame>
+    </p:spTree>
+    <p:extLst>
+      <p:ext uri="{BB962C8B-B14F-4D97-AF65-F5344CB8AC3E}">
+        <p14:creationId xmlns:p14="http://schemas.microsoft.com/office/powerpoint/2010/main" val="364470452"/>
+      </p:ext>
+    </p:extLst>
+  </p:cSld>
+  <p:clrMapOvr>
+    <a:masterClrMapping/>
+  </p:clrMapOvr>
+</p:sld>
+</file>
+
+<file path=ppt/slides/slide16.xml><?xml version="1.0" encoding="utf-8"?>
+<p:sld xmlns:a="http://schemas.openxmlformats.org/drawingml/2006/main" xmlns:r="http://schemas.openxmlformats.org/officeDocument/2006/relationships" xmlns:p="http://schemas.openxmlformats.org/presentationml/2006/main">
+  <p:cSld>
+    <p:spTree>
+      <p:nvGrpSpPr>
+        <p:cNvPr id="1" name=""/>
+        <p:cNvGrpSpPr/>
+        <p:nvPr/>
+      </p:nvGrpSpPr>
+      <p:grpSpPr>
+        <a:xfrm>
+          <a:off x="0" y="0"/>
+          <a:ext cx="0" cy="0"/>
+          <a:chOff x="0" y="0"/>
+          <a:chExt cx="0" cy="0"/>
+        </a:xfrm>
+      </p:grpSpPr>
+      <p:sp>
+        <p:nvSpPr>
+          <p:cNvPr id="2" name="Title 1"/>
+          <p:cNvSpPr>
+            <a:spLocks noGrp="1"/>
+          </p:cNvSpPr>
+          <p:nvPr>
+            <p:ph type="title"/>
+          </p:nvPr>
+        </p:nvSpPr>
+        <p:spPr/>
+        <p:txBody>
+          <a:bodyPr/>
+          <a:lstStyle/>
+          <a:p>
+            <a:pPr algn="l"/>
+            <a:r>
+              <a:rPr lang="en-CA" dirty="0"/>
+              <a:t>Testing</a:t>
+            </a:r>
+          </a:p>
+        </p:txBody>
+      </p:sp>
+      <p:graphicFrame>
+        <p:nvGraphicFramePr>
+          <p:cNvPr id="4" name="Content Placeholder 3"/>
+          <p:cNvGraphicFramePr>
+            <a:graphicFrameLocks noGrp="1"/>
+          </p:cNvGraphicFramePr>
+          <p:nvPr>
+            <p:ph idx="1"/>
+            <p:extLst>
+              <p:ext uri="{D42A27DB-BD31-4B8C-83A1-F6EECF244321}">
+                <p14:modId xmlns:p14="http://schemas.microsoft.com/office/powerpoint/2010/main" val="4100138565"/>
+              </p:ext>
+            </p:extLst>
+          </p:nvPr>
+        </p:nvGraphicFramePr>
+        <p:xfrm>
+          <a:off x="426128" y="1752600"/>
+          <a:ext cx="8229600" cy="2823401"/>
+        </p:xfrm>
+        <a:graphic>
+          <a:graphicData uri="http://schemas.openxmlformats.org/drawingml/2006/table">
+            <a:tbl>
+              <a:tblPr firstRow="1" firstCol="1" bandRow="1">
+                <a:tableStyleId>{5C22544A-7EE6-4342-B048-85BDC9FD1C3A}</a:tableStyleId>
+              </a:tblPr>
+              <a:tblGrid>
+                <a:gridCol w="6313749">
+                  <a:extLst>
+                    <a:ext uri="{9D8B030D-6E8A-4147-A177-3AD203B41FA5}">
+                      <a16:colId xmlns:a16="http://schemas.microsoft.com/office/drawing/2014/main" val="878735423"/>
+                    </a:ext>
+                  </a:extLst>
+                </a:gridCol>
+                <a:gridCol w="1915851">
+                  <a:extLst>
+                    <a:ext uri="{9D8B030D-6E8A-4147-A177-3AD203B41FA5}">
+                      <a16:colId xmlns:a16="http://schemas.microsoft.com/office/drawing/2014/main" val="3323603297"/>
+                    </a:ext>
+                  </a:extLst>
+                </a:gridCol>
+              </a:tblGrid>
+              <a:tr h="0">
+                <a:tc>
+                  <a:txBody>
+                    <a:bodyPr/>
+                    <a:lstStyle/>
+                    <a:p>
+                      <a:pPr marL="0" marR="0">
+                        <a:lnSpc>
+                          <a:spcPts val="1920"/>
+                        </a:lnSpc>
+                        <a:spcBef>
+                          <a:spcPts val="0"/>
+                        </a:spcBef>
+                        <a:spcAft>
+                          <a:spcPts val="1200"/>
+                        </a:spcAft>
+                      </a:pPr>
+                      <a:r>
+                        <a:rPr lang="en-US" sz="1200">
+                          <a:effectLst/>
+                        </a:rPr>
+                        <a:t>Database.member_province</a:t>
+                      </a:r>
+                      <a:endParaRPr lang="en-US" sz="1100">
+                        <a:effectLst/>
+                        <a:latin typeface="Calibri" panose="020F0502020204030204" pitchFamily="34" charset="0"/>
+                        <a:ea typeface="Calibri" panose="020F0502020204030204" pitchFamily="34" charset="0"/>
+                        <a:cs typeface="Times New Roman" panose="02020603050405020304" pitchFamily="18" charset="0"/>
+                      </a:endParaRPr>
+                    </a:p>
+                  </a:txBody>
+                  <a:tcPr marL="123825" marR="123825" marT="57150" marB="57150" anchor="ctr"/>
+                </a:tc>
+                <a:tc>
+                  <a:txBody>
+                    <a:bodyPr/>
+                    <a:lstStyle/>
+                    <a:p>
+                      <a:pPr marL="0" marR="0">
+                        <a:lnSpc>
+                          <a:spcPts val="1920"/>
+                        </a:lnSpc>
+                        <a:spcBef>
+                          <a:spcPts val="0"/>
+                        </a:spcBef>
+                        <a:spcAft>
+                          <a:spcPts val="1200"/>
+                        </a:spcAft>
+                      </a:pPr>
+                      <a:r>
+                        <a:rPr lang="en-US" sz="1200">
+                          <a:effectLst/>
+                        </a:rPr>
+                        <a:t>Result</a:t>
+                      </a:r>
+                      <a:endParaRPr lang="en-US" sz="1100">
+                        <a:effectLst/>
+                        <a:latin typeface="Calibri" panose="020F0502020204030204" pitchFamily="34" charset="0"/>
+                        <a:ea typeface="Calibri" panose="020F0502020204030204" pitchFamily="34" charset="0"/>
+                        <a:cs typeface="Times New Roman" panose="02020603050405020304" pitchFamily="18" charset="0"/>
+                      </a:endParaRPr>
+                    </a:p>
+                  </a:txBody>
+                  <a:tcPr marL="123825" marR="123825" marT="57150" marB="57150" anchor="ctr"/>
+                </a:tc>
+                <a:extLst>
+                  <a:ext uri="{0D108BD9-81ED-4DB2-BD59-A6C34878D82A}">
+                    <a16:rowId xmlns:a16="http://schemas.microsoft.com/office/drawing/2014/main" val="2050131981"/>
+                  </a:ext>
+                </a:extLst>
+              </a:tr>
+              <a:tr h="0">
+                <a:tc>
+                  <a:txBody>
+                    <a:bodyPr/>
+                    <a:lstStyle/>
+                    <a:p>
+                      <a:pPr marL="0" marR="0">
+                        <a:lnSpc>
+                          <a:spcPts val="1920"/>
+                        </a:lnSpc>
+                        <a:spcBef>
+                          <a:spcPts val="0"/>
+                        </a:spcBef>
+                        <a:spcAft>
+                          <a:spcPts val="1200"/>
+                        </a:spcAft>
+                      </a:pPr>
+                      <a:r>
+                        <a:rPr lang="en-US" sz="1200">
+                          <a:effectLst/>
+                        </a:rPr>
+                        <a:t>member_province is created</a:t>
+                      </a:r>
+                      <a:endParaRPr lang="en-US" sz="1100">
+                        <a:effectLst/>
+                        <a:latin typeface="Calibri" panose="020F0502020204030204" pitchFamily="34" charset="0"/>
+                        <a:ea typeface="Calibri" panose="020F0502020204030204" pitchFamily="34" charset="0"/>
+                        <a:cs typeface="Times New Roman" panose="02020603050405020304" pitchFamily="18" charset="0"/>
+                      </a:endParaRPr>
+                    </a:p>
+                  </a:txBody>
+                  <a:tcPr marL="123825" marR="123825" marT="57150" marB="57150" anchor="ctr"/>
+                </a:tc>
+                <a:tc>
+                  <a:txBody>
+                    <a:bodyPr/>
+                    <a:lstStyle/>
+                    <a:p>
+                      <a:pPr marL="0" marR="0">
+                        <a:lnSpc>
+                          <a:spcPts val="1920"/>
+                        </a:lnSpc>
+                        <a:spcBef>
+                          <a:spcPts val="0"/>
+                        </a:spcBef>
+                        <a:spcAft>
+                          <a:spcPts val="1200"/>
+                        </a:spcAft>
+                      </a:pPr>
+                      <a:r>
+                        <a:rPr lang="en-US" sz="1200">
+                          <a:effectLst/>
+                        </a:rPr>
+                        <a:t>true</a:t>
+                      </a:r>
+                      <a:endParaRPr lang="en-US" sz="1100">
+                        <a:effectLst/>
+                        <a:latin typeface="Calibri" panose="020F0502020204030204" pitchFamily="34" charset="0"/>
+                        <a:ea typeface="Calibri" panose="020F0502020204030204" pitchFamily="34" charset="0"/>
+                        <a:cs typeface="Times New Roman" panose="02020603050405020304" pitchFamily="18" charset="0"/>
+                      </a:endParaRPr>
+                    </a:p>
+                  </a:txBody>
+                  <a:tcPr marL="123825" marR="123825" marT="57150" marB="57150" anchor="ctr"/>
+                </a:tc>
+                <a:extLst>
+                  <a:ext uri="{0D108BD9-81ED-4DB2-BD59-A6C34878D82A}">
+                    <a16:rowId xmlns:a16="http://schemas.microsoft.com/office/drawing/2014/main" val="518700603"/>
+                  </a:ext>
+                </a:extLst>
+              </a:tr>
+              <a:tr h="0">
+                <a:tc>
+                  <a:txBody>
+                    <a:bodyPr/>
+                    <a:lstStyle/>
+                    <a:p>
+                      <a:pPr marL="0" marR="0">
+                        <a:lnSpc>
+                          <a:spcPts val="1920"/>
+                        </a:lnSpc>
+                        <a:spcBef>
+                          <a:spcPts val="0"/>
+                        </a:spcBef>
+                        <a:spcAft>
+                          <a:spcPts val="1200"/>
+                        </a:spcAft>
+                      </a:pPr>
+                      <a:r>
+                        <a:rPr lang="en-US" sz="1200" dirty="0" err="1">
+                          <a:effectLst/>
+                        </a:rPr>
+                        <a:t>member_province</a:t>
+                      </a:r>
+                      <a:r>
+                        <a:rPr lang="en-US" sz="1200" dirty="0">
+                          <a:effectLst/>
+                        </a:rPr>
+                        <a:t> can be "B.C."</a:t>
+                      </a:r>
+                      <a:endParaRPr lang="en-US" sz="1100" dirty="0">
+                        <a:effectLst/>
+                        <a:latin typeface="Calibri" panose="020F0502020204030204" pitchFamily="34" charset="0"/>
+                        <a:ea typeface="Calibri" panose="020F0502020204030204" pitchFamily="34" charset="0"/>
+                        <a:cs typeface="Times New Roman" panose="02020603050405020304" pitchFamily="18" charset="0"/>
+                      </a:endParaRPr>
+                    </a:p>
+                  </a:txBody>
+                  <a:tcPr marL="123825" marR="123825" marT="57150" marB="57150" anchor="ctr"/>
+                </a:tc>
+                <a:tc>
+                  <a:txBody>
+                    <a:bodyPr/>
+                    <a:lstStyle/>
+                    <a:p>
+                      <a:pPr marL="0" marR="0">
+                        <a:lnSpc>
+                          <a:spcPts val="1920"/>
+                        </a:lnSpc>
+                        <a:spcBef>
+                          <a:spcPts val="0"/>
+                        </a:spcBef>
+                        <a:spcAft>
+                          <a:spcPts val="1200"/>
+                        </a:spcAft>
+                      </a:pPr>
+                      <a:r>
+                        <a:rPr lang="en-US" sz="1200">
+                          <a:effectLst/>
+                        </a:rPr>
+                        <a:t>true</a:t>
+                      </a:r>
+                      <a:endParaRPr lang="en-US" sz="1100">
+                        <a:effectLst/>
+                        <a:latin typeface="Calibri" panose="020F0502020204030204" pitchFamily="34" charset="0"/>
+                        <a:ea typeface="Calibri" panose="020F0502020204030204" pitchFamily="34" charset="0"/>
+                        <a:cs typeface="Times New Roman" panose="02020603050405020304" pitchFamily="18" charset="0"/>
+                      </a:endParaRPr>
+                    </a:p>
+                  </a:txBody>
+                  <a:tcPr marL="123825" marR="123825" marT="57150" marB="57150" anchor="ctr"/>
+                </a:tc>
+                <a:extLst>
+                  <a:ext uri="{0D108BD9-81ED-4DB2-BD59-A6C34878D82A}">
+                    <a16:rowId xmlns:a16="http://schemas.microsoft.com/office/drawing/2014/main" val="2211938142"/>
+                  </a:ext>
+                </a:extLst>
+              </a:tr>
+              <a:tr h="0">
+                <a:tc>
+                  <a:txBody>
+                    <a:bodyPr/>
+                    <a:lstStyle/>
+                    <a:p>
+                      <a:pPr marL="0" marR="0">
+                        <a:lnSpc>
+                          <a:spcPts val="1920"/>
+                        </a:lnSpc>
+                        <a:spcBef>
+                          <a:spcPts val="0"/>
+                        </a:spcBef>
+                        <a:spcAft>
+                          <a:spcPts val="1200"/>
+                        </a:spcAft>
+                      </a:pPr>
+                      <a:r>
+                        <a:rPr lang="en-US" sz="1200" dirty="0" err="1">
+                          <a:effectLst/>
+                        </a:rPr>
+                        <a:t>member_province</a:t>
+                      </a:r>
+                      <a:r>
+                        <a:rPr lang="en-US" sz="1200" dirty="0">
+                          <a:effectLst/>
+                        </a:rPr>
+                        <a:t> cannot be "British Columbia"</a:t>
+                      </a:r>
+                      <a:endParaRPr lang="en-US" sz="1100" dirty="0">
+                        <a:effectLst/>
+                        <a:latin typeface="Calibri" panose="020F0502020204030204" pitchFamily="34" charset="0"/>
+                        <a:ea typeface="Calibri" panose="020F0502020204030204" pitchFamily="34" charset="0"/>
+                        <a:cs typeface="Times New Roman" panose="02020603050405020304" pitchFamily="18" charset="0"/>
+                      </a:endParaRPr>
+                    </a:p>
+                  </a:txBody>
+                  <a:tcPr marL="123825" marR="123825" marT="57150" marB="57150" anchor="ctr"/>
+                </a:tc>
+                <a:tc>
+                  <a:txBody>
+                    <a:bodyPr/>
+                    <a:lstStyle/>
+                    <a:p>
+                      <a:pPr marL="0" marR="0">
+                        <a:lnSpc>
+                          <a:spcPts val="1920"/>
+                        </a:lnSpc>
+                        <a:spcBef>
+                          <a:spcPts val="0"/>
+                        </a:spcBef>
+                        <a:spcAft>
+                          <a:spcPts val="1200"/>
+                        </a:spcAft>
+                      </a:pPr>
+                      <a:r>
+                        <a:rPr lang="en-US" sz="1200" dirty="0">
+                          <a:effectLst/>
+                        </a:rPr>
+                        <a:t>Acceptable (BC)</a:t>
+                      </a:r>
+                      <a:endParaRPr lang="en-US" sz="1100" dirty="0">
+                        <a:effectLst/>
+                        <a:latin typeface="Calibri" panose="020F0502020204030204" pitchFamily="34" charset="0"/>
+                        <a:ea typeface="Calibri" panose="020F0502020204030204" pitchFamily="34" charset="0"/>
+                        <a:cs typeface="Times New Roman" panose="02020603050405020304" pitchFamily="18" charset="0"/>
+                      </a:endParaRPr>
+                    </a:p>
+                  </a:txBody>
+                  <a:tcPr marL="123825" marR="123825" marT="57150" marB="57150" anchor="ctr"/>
+                </a:tc>
+                <a:extLst>
+                  <a:ext uri="{0D108BD9-81ED-4DB2-BD59-A6C34878D82A}">
+                    <a16:rowId xmlns:a16="http://schemas.microsoft.com/office/drawing/2014/main" val="2689818824"/>
+                  </a:ext>
+                </a:extLst>
+              </a:tr>
+              <a:tr h="0">
+                <a:tc>
+                  <a:txBody>
+                    <a:bodyPr/>
+                    <a:lstStyle/>
+                    <a:p>
+                      <a:pPr marL="0" marR="0">
+                        <a:lnSpc>
+                          <a:spcPts val="1920"/>
+                        </a:lnSpc>
+                        <a:spcBef>
+                          <a:spcPts val="0"/>
+                        </a:spcBef>
+                        <a:spcAft>
+                          <a:spcPts val="1200"/>
+                        </a:spcAft>
+                      </a:pPr>
+                      <a:r>
+                        <a:rPr lang="en-US" sz="1200">
+                          <a:effectLst/>
+                        </a:rPr>
+                        <a:t>member_province cannot be "CB"</a:t>
+                      </a:r>
+                      <a:endParaRPr lang="en-US" sz="1100">
+                        <a:effectLst/>
+                        <a:latin typeface="Calibri" panose="020F0502020204030204" pitchFamily="34" charset="0"/>
+                        <a:ea typeface="Calibri" panose="020F0502020204030204" pitchFamily="34" charset="0"/>
+                        <a:cs typeface="Times New Roman" panose="02020603050405020304" pitchFamily="18" charset="0"/>
+                      </a:endParaRPr>
+                    </a:p>
+                  </a:txBody>
+                  <a:tcPr marL="123825" marR="123825" marT="57150" marB="57150" anchor="ctr"/>
+                </a:tc>
+                <a:tc>
+                  <a:txBody>
+                    <a:bodyPr/>
+                    <a:lstStyle/>
+                    <a:p>
+                      <a:pPr marL="0" marR="0">
+                        <a:lnSpc>
+                          <a:spcPts val="1920"/>
+                        </a:lnSpc>
+                        <a:spcBef>
+                          <a:spcPts val="0"/>
+                        </a:spcBef>
+                        <a:spcAft>
+                          <a:spcPts val="1200"/>
+                        </a:spcAft>
+                      </a:pPr>
+                      <a:r>
+                        <a:rPr lang="en-US" sz="1200" dirty="0">
+                          <a:effectLst/>
+                        </a:rPr>
+                        <a:t>true</a:t>
+                      </a:r>
+                      <a:endParaRPr lang="en-US" sz="1100" dirty="0">
+                        <a:effectLst/>
+                        <a:latin typeface="Calibri" panose="020F0502020204030204" pitchFamily="34" charset="0"/>
+                        <a:ea typeface="Calibri" panose="020F0502020204030204" pitchFamily="34" charset="0"/>
+                        <a:cs typeface="Times New Roman" panose="02020603050405020304" pitchFamily="18" charset="0"/>
+                      </a:endParaRPr>
+                    </a:p>
+                  </a:txBody>
+                  <a:tcPr marL="123825" marR="123825" marT="57150" marB="57150" anchor="ctr"/>
+                </a:tc>
+                <a:extLst>
+                  <a:ext uri="{0D108BD9-81ED-4DB2-BD59-A6C34878D82A}">
+                    <a16:rowId xmlns:a16="http://schemas.microsoft.com/office/drawing/2014/main" val="2764075356"/>
+                  </a:ext>
+                </a:extLst>
+              </a:tr>
+              <a:tr h="0">
+                <a:tc>
+                  <a:txBody>
+                    <a:bodyPr/>
+                    <a:lstStyle/>
+                    <a:p>
+                      <a:pPr marL="0" marR="0">
+                        <a:lnSpc>
+                          <a:spcPts val="1920"/>
+                        </a:lnSpc>
+                        <a:spcBef>
+                          <a:spcPts val="0"/>
+                        </a:spcBef>
+                        <a:spcAft>
+                          <a:spcPts val="1200"/>
+                        </a:spcAft>
+                      </a:pPr>
+                      <a:r>
+                        <a:rPr lang="en-US" sz="1200" dirty="0" err="1">
+                          <a:effectLst/>
+                        </a:rPr>
+                        <a:t>member_province</a:t>
+                      </a:r>
+                      <a:r>
+                        <a:rPr lang="en-US" sz="1200" dirty="0">
+                          <a:effectLst/>
+                        </a:rPr>
+                        <a:t> cannot be “</a:t>
+                      </a:r>
+                      <a:r>
+                        <a:rPr lang="en-US" sz="1200" dirty="0" err="1">
+                          <a:effectLst/>
+                        </a:rPr>
+                        <a:t>Manito</a:t>
+                      </a:r>
+                      <a:r>
+                        <a:rPr lang="en-US" sz="1200" b="1" dirty="0" err="1">
+                          <a:effectLst/>
+                        </a:rPr>
+                        <a:t>Ba</a:t>
+                      </a:r>
+                      <a:r>
+                        <a:rPr lang="en-US" sz="1200" b="1" dirty="0">
+                          <a:effectLst/>
+                        </a:rPr>
+                        <a:t>”</a:t>
+                      </a:r>
+                      <a:endParaRPr lang="en-US" sz="1100" dirty="0">
+                        <a:effectLst/>
+                        <a:latin typeface="Calibri" panose="020F0502020204030204" pitchFamily="34" charset="0"/>
+                        <a:ea typeface="Calibri" panose="020F0502020204030204" pitchFamily="34" charset="0"/>
+                        <a:cs typeface="Times New Roman" panose="02020603050405020304" pitchFamily="18" charset="0"/>
+                      </a:endParaRPr>
+                    </a:p>
+                  </a:txBody>
+                  <a:tcPr marL="123825" marR="123825" marT="57150" marB="57150" anchor="ctr"/>
+                </a:tc>
+                <a:tc>
+                  <a:txBody>
+                    <a:bodyPr/>
+                    <a:lstStyle/>
+                    <a:p>
+                      <a:pPr marL="0" marR="0">
+                        <a:lnSpc>
+                          <a:spcPts val="1920"/>
+                        </a:lnSpc>
+                        <a:spcBef>
+                          <a:spcPts val="0"/>
+                        </a:spcBef>
+                        <a:spcAft>
+                          <a:spcPts val="1200"/>
+                        </a:spcAft>
+                      </a:pPr>
+                      <a:r>
+                        <a:rPr lang="en-US" sz="1200" dirty="0">
+                          <a:effectLst/>
+                        </a:rPr>
+                        <a:t>Acceptable (MB)</a:t>
+                      </a:r>
+                      <a:endParaRPr lang="en-US" sz="1100" dirty="0">
+                        <a:effectLst/>
+                        <a:latin typeface="Calibri" panose="020F0502020204030204" pitchFamily="34" charset="0"/>
+                        <a:ea typeface="Calibri" panose="020F0502020204030204" pitchFamily="34" charset="0"/>
+                        <a:cs typeface="Times New Roman" panose="02020603050405020304" pitchFamily="18" charset="0"/>
+                      </a:endParaRPr>
+                    </a:p>
+                  </a:txBody>
+                  <a:tcPr marL="123825" marR="123825" marT="57150" marB="57150" anchor="ctr"/>
+                </a:tc>
+                <a:extLst>
+                  <a:ext uri="{0D108BD9-81ED-4DB2-BD59-A6C34878D82A}">
+                    <a16:rowId xmlns:a16="http://schemas.microsoft.com/office/drawing/2014/main" val="338618683"/>
+                  </a:ext>
+                </a:extLst>
+              </a:tr>
+              <a:tr h="0">
+                <a:tc>
+                  <a:txBody>
+                    <a:bodyPr/>
+                    <a:lstStyle/>
+                    <a:p>
+                      <a:pPr marL="0" marR="0">
+                        <a:lnSpc>
+                          <a:spcPts val="1920"/>
+                        </a:lnSpc>
+                        <a:spcBef>
+                          <a:spcPts val="0"/>
+                        </a:spcBef>
+                        <a:spcAft>
+                          <a:spcPts val="1200"/>
+                        </a:spcAft>
+                      </a:pPr>
+                      <a:r>
+                        <a:rPr lang="en-US" sz="1200">
+                          <a:effectLst/>
+                        </a:rPr>
+                        <a:t>member_province cannot be "NWT"</a:t>
+                      </a:r>
+                      <a:endParaRPr lang="en-US" sz="1100">
+                        <a:effectLst/>
+                        <a:latin typeface="Calibri" panose="020F0502020204030204" pitchFamily="34" charset="0"/>
+                        <a:ea typeface="Calibri" panose="020F0502020204030204" pitchFamily="34" charset="0"/>
+                        <a:cs typeface="Times New Roman" panose="02020603050405020304" pitchFamily="18" charset="0"/>
+                      </a:endParaRPr>
+                    </a:p>
+                  </a:txBody>
+                  <a:tcPr marL="123825" marR="123825" marT="57150" marB="57150" anchor="ctr"/>
+                </a:tc>
+                <a:tc>
+                  <a:txBody>
+                    <a:bodyPr/>
+                    <a:lstStyle/>
+                    <a:p>
+                      <a:pPr marL="0" marR="0">
+                        <a:lnSpc>
+                          <a:spcPts val="1920"/>
+                        </a:lnSpc>
+                        <a:spcBef>
+                          <a:spcPts val="0"/>
+                        </a:spcBef>
+                        <a:spcAft>
+                          <a:spcPts val="1200"/>
+                        </a:spcAft>
+                      </a:pPr>
+                      <a:r>
+                        <a:rPr lang="en-US" sz="1200">
+                          <a:effectLst/>
+                        </a:rPr>
+                        <a:t>acceptable</a:t>
+                      </a:r>
+                      <a:endParaRPr lang="en-US" sz="1100">
+                        <a:effectLst/>
+                        <a:latin typeface="Calibri" panose="020F0502020204030204" pitchFamily="34" charset="0"/>
+                        <a:ea typeface="Calibri" panose="020F0502020204030204" pitchFamily="34" charset="0"/>
+                        <a:cs typeface="Times New Roman" panose="02020603050405020304" pitchFamily="18" charset="0"/>
+                      </a:endParaRPr>
+                    </a:p>
+                  </a:txBody>
+                  <a:tcPr marL="123825" marR="123825" marT="57150" marB="57150" anchor="ctr"/>
+                </a:tc>
+                <a:extLst>
+                  <a:ext uri="{0D108BD9-81ED-4DB2-BD59-A6C34878D82A}">
+                    <a16:rowId xmlns:a16="http://schemas.microsoft.com/office/drawing/2014/main" val="4085720462"/>
+                  </a:ext>
+                </a:extLst>
+              </a:tr>
+              <a:tr h="0">
+                <a:tc>
+                  <a:txBody>
+                    <a:bodyPr/>
+                    <a:lstStyle/>
+                    <a:p>
+                      <a:pPr marL="0" marR="0">
+                        <a:lnSpc>
+                          <a:spcPts val="1920"/>
+                        </a:lnSpc>
+                        <a:spcBef>
+                          <a:spcPts val="0"/>
+                        </a:spcBef>
+                        <a:spcAft>
+                          <a:spcPts val="1200"/>
+                        </a:spcAft>
+                      </a:pPr>
+                      <a:r>
+                        <a:rPr lang="en-US" sz="1200">
+                          <a:effectLst/>
+                        </a:rPr>
+                        <a:t>member_province cannot be "CB"</a:t>
+                      </a:r>
+                      <a:endParaRPr lang="en-US" sz="1100">
+                        <a:effectLst/>
+                        <a:latin typeface="Calibri" panose="020F0502020204030204" pitchFamily="34" charset="0"/>
+                        <a:ea typeface="Calibri" panose="020F0502020204030204" pitchFamily="34" charset="0"/>
+                        <a:cs typeface="Times New Roman" panose="02020603050405020304" pitchFamily="18" charset="0"/>
+                      </a:endParaRPr>
+                    </a:p>
+                  </a:txBody>
+                  <a:tcPr marL="123825" marR="123825" marT="57150" marB="57150" anchor="ctr"/>
+                </a:tc>
+                <a:tc>
+                  <a:txBody>
+                    <a:bodyPr/>
+                    <a:lstStyle/>
+                    <a:p>
+                      <a:pPr marL="0" marR="0">
+                        <a:lnSpc>
+                          <a:spcPts val="1920"/>
+                        </a:lnSpc>
+                        <a:spcBef>
+                          <a:spcPts val="0"/>
+                        </a:spcBef>
+                        <a:spcAft>
+                          <a:spcPts val="1200"/>
+                        </a:spcAft>
+                      </a:pPr>
+                      <a:r>
+                        <a:rPr lang="en-US" sz="1200" dirty="0">
+                          <a:effectLst/>
+                        </a:rPr>
+                        <a:t>acceptable</a:t>
+                      </a:r>
+                      <a:endParaRPr lang="en-US" sz="1100" dirty="0">
+                        <a:effectLst/>
+                        <a:latin typeface="Calibri" panose="020F0502020204030204" pitchFamily="34" charset="0"/>
+                        <a:ea typeface="Calibri" panose="020F0502020204030204" pitchFamily="34" charset="0"/>
+                        <a:cs typeface="Times New Roman" panose="02020603050405020304" pitchFamily="18" charset="0"/>
+                      </a:endParaRPr>
+                    </a:p>
+                  </a:txBody>
+                  <a:tcPr marL="123825" marR="123825" marT="57150" marB="57150" anchor="ctr"/>
+                </a:tc>
+                <a:extLst>
+                  <a:ext uri="{0D108BD9-81ED-4DB2-BD59-A6C34878D82A}">
+                    <a16:rowId xmlns:a16="http://schemas.microsoft.com/office/drawing/2014/main" val="1602743869"/>
+                  </a:ext>
+                </a:extLst>
+              </a:tr>
+            </a:tbl>
+          </a:graphicData>
+        </a:graphic>
+      </p:graphicFrame>
+      <p:sp>
+        <p:nvSpPr>
+          <p:cNvPr id="6" name="TextBox 5"/>
+          <p:cNvSpPr txBox="1"/>
+          <p:nvPr/>
+        </p:nvSpPr>
+        <p:spPr>
+          <a:xfrm>
+            <a:off x="426128" y="4876800"/>
+            <a:ext cx="184731" cy="369332"/>
+          </a:xfrm>
+          <a:prstGeom prst="rect">
+            <a:avLst/>
+          </a:prstGeom>
+          <a:noFill/>
+        </p:spPr>
+        <p:txBody>
+          <a:bodyPr wrap="none" rtlCol="0">
+            <a:spAutoFit/>
+          </a:bodyPr>
+          <a:lstStyle/>
+          <a:p>
+            <a:endParaRPr lang="en-US" dirty="0"/>
+          </a:p>
+        </p:txBody>
+      </p:sp>
+      <p:pic>
+        <p:nvPicPr>
+          <p:cNvPr id="8" name="Picture 7"/>
+          <p:cNvPicPr>
+            <a:picLocks noChangeAspect="1"/>
+          </p:cNvPicPr>
+          <p:nvPr/>
+        </p:nvPicPr>
+        <p:blipFill>
+          <a:blip r:embed="rId2"/>
+          <a:stretch>
+            <a:fillRect/>
+          </a:stretch>
+        </p:blipFill>
+        <p:spPr>
+          <a:xfrm>
+            <a:off x="3122127" y="4192998"/>
+            <a:ext cx="5945673" cy="2588802"/>
+          </a:xfrm>
+          <a:prstGeom prst="rect">
+            <a:avLst/>
+          </a:prstGeom>
+          <a:ln w="38100" cap="sq">
+            <a:solidFill>
+              <a:srgbClr val="000000"/>
+            </a:solidFill>
+            <a:prstDash val="solid"/>
+            <a:miter lim="800000"/>
+          </a:ln>
+          <a:effectLst>
+            <a:outerShdw blurRad="50800" dist="38100" dir="2700000" algn="tl" rotWithShape="0">
+              <a:srgbClr val="000000">
+                <a:alpha val="43000"/>
+              </a:srgbClr>
+            </a:outerShdw>
+          </a:effectLst>
+        </p:spPr>
+      </p:pic>
+    </p:spTree>
+    <p:extLst>
+      <p:ext uri="{BB962C8B-B14F-4D97-AF65-F5344CB8AC3E}">
+        <p14:creationId xmlns:p14="http://schemas.microsoft.com/office/powerpoint/2010/main" val="774737200"/>
+      </p:ext>
+    </p:extLst>
+  </p:cSld>
+  <p:clrMapOvr>
+    <a:masterClrMapping/>
+  </p:clrMapOvr>
+</p:sld>
+</file>
+
+<file path=ppt/slides/slide17.xml><?xml version="1.0" encoding="utf-8"?>
+<p:sld xmlns:a="http://schemas.openxmlformats.org/drawingml/2006/main" xmlns:r="http://schemas.openxmlformats.org/officeDocument/2006/relationships" xmlns:p="http://schemas.openxmlformats.org/presentationml/2006/main">
+  <p:cSld>
+    <p:spTree>
+      <p:nvGrpSpPr>
+        <p:cNvPr id="1" name=""/>
+        <p:cNvGrpSpPr/>
+        <p:nvPr/>
+      </p:nvGrpSpPr>
+      <p:grpSpPr>
+        <a:xfrm>
+          <a:off x="0" y="0"/>
+          <a:ext cx="0" cy="0"/>
+          <a:chOff x="0" y="0"/>
+          <a:chExt cx="0" cy="0"/>
+        </a:xfrm>
+      </p:grpSpPr>
+      <p:sp>
+        <p:nvSpPr>
+          <p:cNvPr id="2" name="Title 1"/>
+          <p:cNvSpPr>
+            <a:spLocks noGrp="1"/>
+          </p:cNvSpPr>
+          <p:nvPr>
+            <p:ph type="title"/>
+          </p:nvPr>
+        </p:nvSpPr>
+        <p:spPr/>
+        <p:txBody>
+          <a:bodyPr/>
+          <a:lstStyle/>
+          <a:p>
+            <a:pPr algn="l"/>
+            <a:r>
+              <a:rPr lang="en-CA" dirty="0"/>
+              <a:t>Testing</a:t>
+            </a:r>
+          </a:p>
+        </p:txBody>
+      </p:sp>
+      <p:sp>
+        <p:nvSpPr>
+          <p:cNvPr id="6" name="TextBox 5"/>
+          <p:cNvSpPr txBox="1"/>
+          <p:nvPr/>
+        </p:nvSpPr>
+        <p:spPr>
+          <a:xfrm>
+            <a:off x="426128" y="4876800"/>
+            <a:ext cx="184731" cy="369332"/>
+          </a:xfrm>
+          <a:prstGeom prst="rect">
+            <a:avLst/>
+          </a:prstGeom>
+          <a:noFill/>
+        </p:spPr>
+        <p:txBody>
+          <a:bodyPr wrap="none" rtlCol="0">
+            <a:spAutoFit/>
+          </a:bodyPr>
+          <a:lstStyle/>
+          <a:p>
+            <a:endParaRPr lang="en-US" dirty="0"/>
+          </a:p>
+        </p:txBody>
+      </p:sp>
+      <p:graphicFrame>
+        <p:nvGraphicFramePr>
+          <p:cNvPr id="9" name="Content Placeholder 8"/>
+          <p:cNvGraphicFramePr>
+            <a:graphicFrameLocks noGrp="1"/>
+          </p:cNvGraphicFramePr>
+          <p:nvPr>
+            <p:ph idx="1"/>
+            <p:extLst>
+              <p:ext uri="{D42A27DB-BD31-4B8C-83A1-F6EECF244321}">
+                <p14:modId xmlns:p14="http://schemas.microsoft.com/office/powerpoint/2010/main" val="2981294299"/>
+              </p:ext>
+            </p:extLst>
+          </p:nvPr>
+        </p:nvGraphicFramePr>
+        <p:xfrm>
+          <a:off x="441664" y="2057400"/>
+          <a:ext cx="8229600" cy="3341883"/>
+        </p:xfrm>
+        <a:graphic>
+          <a:graphicData uri="http://schemas.openxmlformats.org/drawingml/2006/table">
+            <a:tbl>
+              <a:tblPr firstRow="1" firstCol="1" bandRow="1">
+                <a:tableStyleId>{5C22544A-7EE6-4342-B048-85BDC9FD1C3A}</a:tableStyleId>
+              </a:tblPr>
+              <a:tblGrid>
+                <a:gridCol w="6147511">
+                  <a:extLst>
+                    <a:ext uri="{9D8B030D-6E8A-4147-A177-3AD203B41FA5}">
+                      <a16:colId xmlns:a16="http://schemas.microsoft.com/office/drawing/2014/main" val="259639289"/>
+                    </a:ext>
+                  </a:extLst>
+                </a:gridCol>
+                <a:gridCol w="2082089">
+                  <a:extLst>
+                    <a:ext uri="{9D8B030D-6E8A-4147-A177-3AD203B41FA5}">
+                      <a16:colId xmlns:a16="http://schemas.microsoft.com/office/drawing/2014/main" val="1061832085"/>
+                    </a:ext>
+                  </a:extLst>
+                </a:gridCol>
+              </a:tblGrid>
+              <a:tr h="0">
+                <a:tc>
+                  <a:txBody>
+                    <a:bodyPr/>
+                    <a:lstStyle/>
+                    <a:p>
+                      <a:pPr marL="0" marR="0" indent="0" algn="l" defTabSz="914400" rtl="0" eaLnBrk="1" fontAlgn="auto" latinLnBrk="0" hangingPunct="1">
+                        <a:lnSpc>
+                          <a:spcPts val="1920"/>
+                        </a:lnSpc>
+                        <a:spcBef>
+                          <a:spcPts val="0"/>
+                        </a:spcBef>
+                        <a:spcAft>
+                          <a:spcPts val="1200"/>
+                        </a:spcAft>
+                        <a:buClrTx/>
+                        <a:buSzTx/>
+                        <a:buFontTx/>
+                        <a:buNone/>
+                        <a:tabLst/>
+                        <a:defRPr/>
+                      </a:pPr>
+                      <a:r>
+                        <a:rPr lang="en-US" sz="1200" b="1" kern="1200" dirty="0">
+                          <a:solidFill>
+                            <a:schemeClr val="lt1"/>
+                          </a:solidFill>
+                          <a:effectLst/>
+                          <a:latin typeface="+mn-lt"/>
+                          <a:ea typeface="+mn-ea"/>
+                          <a:cs typeface="+mn-cs"/>
+                        </a:rPr>
+                        <a:t>`</a:t>
+                      </a:r>
+                      <a:r>
+                        <a:rPr lang="en-US" sz="1200" b="1" kern="1200" dirty="0" err="1">
+                          <a:solidFill>
+                            <a:schemeClr val="lt1"/>
+                          </a:solidFill>
+                          <a:effectLst/>
+                          <a:latin typeface="+mn-lt"/>
+                          <a:ea typeface="+mn-ea"/>
+                          <a:cs typeface="+mn-cs"/>
+                        </a:rPr>
+                        <a:t>member_status</a:t>
+                      </a:r>
+                      <a:r>
+                        <a:rPr lang="en-US" sz="1200" b="1" kern="1200" dirty="0">
+                          <a:solidFill>
+                            <a:schemeClr val="lt1"/>
+                          </a:solidFill>
+                          <a:effectLst/>
+                          <a:latin typeface="+mn-lt"/>
+                          <a:ea typeface="+mn-ea"/>
+                          <a:cs typeface="+mn-cs"/>
+                        </a:rPr>
+                        <a:t>` CHAR(1) NOT NULL DEFAULT 'A'</a:t>
+                      </a:r>
+                    </a:p>
+                  </a:txBody>
+                  <a:tcPr marL="123825" marR="123825" marT="57150" marB="57150" anchor="ctr"/>
+                </a:tc>
+                <a:tc>
+                  <a:txBody>
+                    <a:bodyPr/>
+                    <a:lstStyle/>
+                    <a:p>
+                      <a:pPr marL="0" marR="0">
+                        <a:lnSpc>
+                          <a:spcPts val="1920"/>
+                        </a:lnSpc>
+                        <a:spcBef>
+                          <a:spcPts val="0"/>
+                        </a:spcBef>
+                        <a:spcAft>
+                          <a:spcPts val="1200"/>
+                        </a:spcAft>
+                      </a:pPr>
+                      <a:r>
+                        <a:rPr lang="en-US" sz="1200">
+                          <a:effectLst/>
+                        </a:rPr>
+                        <a:t>Result</a:t>
+                      </a:r>
+                      <a:endParaRPr lang="en-US" sz="1100">
+                        <a:effectLst/>
+                        <a:latin typeface="Calibri" panose="020F0502020204030204" pitchFamily="34" charset="0"/>
+                        <a:ea typeface="Calibri" panose="020F0502020204030204" pitchFamily="34" charset="0"/>
+                        <a:cs typeface="Times New Roman" panose="02020603050405020304" pitchFamily="18" charset="0"/>
+                      </a:endParaRPr>
+                    </a:p>
+                  </a:txBody>
+                  <a:tcPr marL="123825" marR="123825" marT="57150" marB="57150" anchor="ctr"/>
+                </a:tc>
+                <a:extLst>
+                  <a:ext uri="{0D108BD9-81ED-4DB2-BD59-A6C34878D82A}">
+                    <a16:rowId xmlns:a16="http://schemas.microsoft.com/office/drawing/2014/main" val="1970807875"/>
+                  </a:ext>
+                </a:extLst>
+              </a:tr>
+              <a:tr h="0">
+                <a:tc>
+                  <a:txBody>
+                    <a:bodyPr/>
+                    <a:lstStyle/>
+                    <a:p>
+                      <a:pPr marL="0" marR="0">
+                        <a:lnSpc>
+                          <a:spcPts val="1920"/>
+                        </a:lnSpc>
+                        <a:spcBef>
+                          <a:spcPts val="0"/>
+                        </a:spcBef>
+                        <a:spcAft>
+                          <a:spcPts val="1200"/>
+                        </a:spcAft>
+                      </a:pPr>
+                      <a:r>
+                        <a:rPr lang="en-US" sz="1200">
+                          <a:effectLst/>
+                        </a:rPr>
+                        <a:t>member_status is created</a:t>
+                      </a:r>
+                      <a:endParaRPr lang="en-US" sz="1100">
+                        <a:effectLst/>
+                        <a:latin typeface="Calibri" panose="020F0502020204030204" pitchFamily="34" charset="0"/>
+                        <a:ea typeface="Calibri" panose="020F0502020204030204" pitchFamily="34" charset="0"/>
+                        <a:cs typeface="Times New Roman" panose="02020603050405020304" pitchFamily="18" charset="0"/>
+                      </a:endParaRPr>
+                    </a:p>
+                  </a:txBody>
+                  <a:tcPr marL="123825" marR="123825" marT="57150" marB="57150" anchor="ctr"/>
+                </a:tc>
+                <a:tc>
+                  <a:txBody>
+                    <a:bodyPr/>
+                    <a:lstStyle/>
+                    <a:p>
+                      <a:pPr marL="0" marR="0">
+                        <a:lnSpc>
+                          <a:spcPts val="1920"/>
+                        </a:lnSpc>
+                        <a:spcBef>
+                          <a:spcPts val="0"/>
+                        </a:spcBef>
+                        <a:spcAft>
+                          <a:spcPts val="1200"/>
+                        </a:spcAft>
+                      </a:pPr>
+                      <a:r>
+                        <a:rPr lang="en-US" sz="1200">
+                          <a:effectLst/>
+                        </a:rPr>
+                        <a:t>true</a:t>
+                      </a:r>
+                      <a:endParaRPr lang="en-US" sz="1100">
+                        <a:effectLst/>
+                        <a:latin typeface="Calibri" panose="020F0502020204030204" pitchFamily="34" charset="0"/>
+                        <a:ea typeface="Calibri" panose="020F0502020204030204" pitchFamily="34" charset="0"/>
+                        <a:cs typeface="Times New Roman" panose="02020603050405020304" pitchFamily="18" charset="0"/>
+                      </a:endParaRPr>
+                    </a:p>
+                  </a:txBody>
+                  <a:tcPr marL="123825" marR="123825" marT="57150" marB="57150" anchor="ctr"/>
+                </a:tc>
+                <a:extLst>
+                  <a:ext uri="{0D108BD9-81ED-4DB2-BD59-A6C34878D82A}">
+                    <a16:rowId xmlns:a16="http://schemas.microsoft.com/office/drawing/2014/main" val="1497588967"/>
+                  </a:ext>
+                </a:extLst>
+              </a:tr>
+              <a:tr h="0">
+                <a:tc>
+                  <a:txBody>
+                    <a:bodyPr/>
+                    <a:lstStyle/>
+                    <a:p>
+                      <a:pPr marL="0" marR="0">
+                        <a:lnSpc>
+                          <a:spcPts val="1920"/>
+                        </a:lnSpc>
+                        <a:spcBef>
+                          <a:spcPts val="0"/>
+                        </a:spcBef>
+                        <a:spcAft>
+                          <a:spcPts val="1200"/>
+                        </a:spcAft>
+                      </a:pPr>
+                      <a:r>
+                        <a:rPr lang="en-US" sz="1200">
+                          <a:effectLst/>
+                        </a:rPr>
+                        <a:t>member_status can be "A"</a:t>
+                      </a:r>
+                      <a:endParaRPr lang="en-US" sz="1100">
+                        <a:effectLst/>
+                        <a:latin typeface="Calibri" panose="020F0502020204030204" pitchFamily="34" charset="0"/>
+                        <a:ea typeface="Calibri" panose="020F0502020204030204" pitchFamily="34" charset="0"/>
+                        <a:cs typeface="Times New Roman" panose="02020603050405020304" pitchFamily="18" charset="0"/>
+                      </a:endParaRPr>
+                    </a:p>
+                  </a:txBody>
+                  <a:tcPr marL="123825" marR="123825" marT="57150" marB="57150" anchor="ctr"/>
+                </a:tc>
+                <a:tc>
+                  <a:txBody>
+                    <a:bodyPr/>
+                    <a:lstStyle/>
+                    <a:p>
+                      <a:pPr marL="0" marR="0">
+                        <a:lnSpc>
+                          <a:spcPts val="1920"/>
+                        </a:lnSpc>
+                        <a:spcBef>
+                          <a:spcPts val="0"/>
+                        </a:spcBef>
+                        <a:spcAft>
+                          <a:spcPts val="1200"/>
+                        </a:spcAft>
+                      </a:pPr>
+                      <a:r>
+                        <a:rPr lang="en-US" sz="1200">
+                          <a:effectLst/>
+                        </a:rPr>
+                        <a:t>true</a:t>
+                      </a:r>
+                      <a:endParaRPr lang="en-US" sz="1100">
+                        <a:effectLst/>
+                        <a:latin typeface="Calibri" panose="020F0502020204030204" pitchFamily="34" charset="0"/>
+                        <a:ea typeface="Calibri" panose="020F0502020204030204" pitchFamily="34" charset="0"/>
+                        <a:cs typeface="Times New Roman" panose="02020603050405020304" pitchFamily="18" charset="0"/>
+                      </a:endParaRPr>
+                    </a:p>
+                  </a:txBody>
+                  <a:tcPr marL="123825" marR="123825" marT="57150" marB="57150" anchor="ctr"/>
+                </a:tc>
+                <a:extLst>
+                  <a:ext uri="{0D108BD9-81ED-4DB2-BD59-A6C34878D82A}">
+                    <a16:rowId xmlns:a16="http://schemas.microsoft.com/office/drawing/2014/main" val="182047961"/>
+                  </a:ext>
+                </a:extLst>
+              </a:tr>
+              <a:tr h="0">
+                <a:tc>
+                  <a:txBody>
+                    <a:bodyPr/>
+                    <a:lstStyle/>
+                    <a:p>
+                      <a:pPr marL="0" marR="0">
+                        <a:lnSpc>
+                          <a:spcPts val="1920"/>
+                        </a:lnSpc>
+                        <a:spcBef>
+                          <a:spcPts val="0"/>
+                        </a:spcBef>
+                        <a:spcAft>
+                          <a:spcPts val="1200"/>
+                        </a:spcAft>
+                      </a:pPr>
+                      <a:r>
+                        <a:rPr lang="en-US" sz="1200">
+                          <a:effectLst/>
+                        </a:rPr>
+                        <a:t>member_status can be "S"</a:t>
+                      </a:r>
+                      <a:endParaRPr lang="en-US" sz="1100">
+                        <a:effectLst/>
+                        <a:latin typeface="Calibri" panose="020F0502020204030204" pitchFamily="34" charset="0"/>
+                        <a:ea typeface="Calibri" panose="020F0502020204030204" pitchFamily="34" charset="0"/>
+                        <a:cs typeface="Times New Roman" panose="02020603050405020304" pitchFamily="18" charset="0"/>
+                      </a:endParaRPr>
+                    </a:p>
+                  </a:txBody>
+                  <a:tcPr marL="123825" marR="123825" marT="57150" marB="57150" anchor="ctr"/>
+                </a:tc>
+                <a:tc>
+                  <a:txBody>
+                    <a:bodyPr/>
+                    <a:lstStyle/>
+                    <a:p>
+                      <a:pPr marL="0" marR="0">
+                        <a:lnSpc>
+                          <a:spcPts val="1920"/>
+                        </a:lnSpc>
+                        <a:spcBef>
+                          <a:spcPts val="0"/>
+                        </a:spcBef>
+                        <a:spcAft>
+                          <a:spcPts val="1200"/>
+                        </a:spcAft>
+                      </a:pPr>
+                      <a:r>
+                        <a:rPr lang="en-US" sz="1200">
+                          <a:effectLst/>
+                        </a:rPr>
+                        <a:t>true</a:t>
+                      </a:r>
+                      <a:endParaRPr lang="en-US" sz="1100">
+                        <a:effectLst/>
+                        <a:latin typeface="Calibri" panose="020F0502020204030204" pitchFamily="34" charset="0"/>
+                        <a:ea typeface="Calibri" panose="020F0502020204030204" pitchFamily="34" charset="0"/>
+                        <a:cs typeface="Times New Roman" panose="02020603050405020304" pitchFamily="18" charset="0"/>
+                      </a:endParaRPr>
+                    </a:p>
+                  </a:txBody>
+                  <a:tcPr marL="123825" marR="123825" marT="57150" marB="57150" anchor="ctr"/>
+                </a:tc>
+                <a:extLst>
+                  <a:ext uri="{0D108BD9-81ED-4DB2-BD59-A6C34878D82A}">
+                    <a16:rowId xmlns:a16="http://schemas.microsoft.com/office/drawing/2014/main" val="1885677966"/>
+                  </a:ext>
+                </a:extLst>
+              </a:tr>
+              <a:tr h="0">
+                <a:tc>
+                  <a:txBody>
+                    <a:bodyPr/>
+                    <a:lstStyle/>
+                    <a:p>
+                      <a:pPr marL="0" marR="0">
+                        <a:lnSpc>
+                          <a:spcPts val="1920"/>
+                        </a:lnSpc>
+                        <a:spcBef>
+                          <a:spcPts val="0"/>
+                        </a:spcBef>
+                        <a:spcAft>
+                          <a:spcPts val="1200"/>
+                        </a:spcAft>
+                      </a:pPr>
+                      <a:r>
+                        <a:rPr lang="en-US" sz="1200">
+                          <a:effectLst/>
+                        </a:rPr>
+                        <a:t>member_status cannot be "Suspended"</a:t>
+                      </a:r>
+                      <a:endParaRPr lang="en-US" sz="1100">
+                        <a:effectLst/>
+                        <a:latin typeface="Calibri" panose="020F0502020204030204" pitchFamily="34" charset="0"/>
+                        <a:ea typeface="Calibri" panose="020F0502020204030204" pitchFamily="34" charset="0"/>
+                        <a:cs typeface="Times New Roman" panose="02020603050405020304" pitchFamily="18" charset="0"/>
+                      </a:endParaRPr>
+                    </a:p>
+                  </a:txBody>
+                  <a:tcPr marL="123825" marR="123825" marT="57150" marB="57150" anchor="ctr"/>
+                </a:tc>
+                <a:tc>
+                  <a:txBody>
+                    <a:bodyPr/>
+                    <a:lstStyle/>
+                    <a:p>
+                      <a:pPr marL="0" marR="0">
+                        <a:lnSpc>
+                          <a:spcPts val="1920"/>
+                        </a:lnSpc>
+                        <a:spcBef>
+                          <a:spcPts val="0"/>
+                        </a:spcBef>
+                        <a:spcAft>
+                          <a:spcPts val="1200"/>
+                        </a:spcAft>
+                      </a:pPr>
+                      <a:r>
+                        <a:rPr lang="en-US" sz="1200">
+                          <a:effectLst/>
+                        </a:rPr>
+                        <a:t>acceptable</a:t>
+                      </a:r>
+                      <a:endParaRPr lang="en-US" sz="1100">
+                        <a:effectLst/>
+                        <a:latin typeface="Calibri" panose="020F0502020204030204" pitchFamily="34" charset="0"/>
+                        <a:ea typeface="Calibri" panose="020F0502020204030204" pitchFamily="34" charset="0"/>
+                        <a:cs typeface="Times New Roman" panose="02020603050405020304" pitchFamily="18" charset="0"/>
+                      </a:endParaRPr>
+                    </a:p>
+                  </a:txBody>
+                  <a:tcPr marL="123825" marR="123825" marT="57150" marB="57150" anchor="ctr"/>
+                </a:tc>
+                <a:extLst>
+                  <a:ext uri="{0D108BD9-81ED-4DB2-BD59-A6C34878D82A}">
+                    <a16:rowId xmlns:a16="http://schemas.microsoft.com/office/drawing/2014/main" val="4292184586"/>
+                  </a:ext>
+                </a:extLst>
+              </a:tr>
+              <a:tr h="0">
+                <a:tc>
+                  <a:txBody>
+                    <a:bodyPr/>
+                    <a:lstStyle/>
+                    <a:p>
+                      <a:pPr marL="0" marR="0">
+                        <a:lnSpc>
+                          <a:spcPts val="1920"/>
+                        </a:lnSpc>
+                        <a:spcBef>
+                          <a:spcPts val="0"/>
+                        </a:spcBef>
+                        <a:spcAft>
+                          <a:spcPts val="1200"/>
+                        </a:spcAft>
+                      </a:pPr>
+                      <a:r>
+                        <a:rPr lang="en-US" sz="1200">
+                          <a:effectLst/>
+                        </a:rPr>
+                        <a:t>member_status cannot be "Active"</a:t>
+                      </a:r>
+                      <a:endParaRPr lang="en-US" sz="1100">
+                        <a:effectLst/>
+                        <a:latin typeface="Calibri" panose="020F0502020204030204" pitchFamily="34" charset="0"/>
+                        <a:ea typeface="Calibri" panose="020F0502020204030204" pitchFamily="34" charset="0"/>
+                        <a:cs typeface="Times New Roman" panose="02020603050405020304" pitchFamily="18" charset="0"/>
+                      </a:endParaRPr>
+                    </a:p>
+                  </a:txBody>
+                  <a:tcPr marL="123825" marR="123825" marT="57150" marB="57150" anchor="ctr"/>
+                </a:tc>
+                <a:tc>
+                  <a:txBody>
+                    <a:bodyPr/>
+                    <a:lstStyle/>
+                    <a:p>
+                      <a:pPr marL="0" marR="0">
+                        <a:lnSpc>
+                          <a:spcPts val="1920"/>
+                        </a:lnSpc>
+                        <a:spcBef>
+                          <a:spcPts val="0"/>
+                        </a:spcBef>
+                        <a:spcAft>
+                          <a:spcPts val="1200"/>
+                        </a:spcAft>
+                      </a:pPr>
+                      <a:r>
+                        <a:rPr lang="en-US" sz="1200">
+                          <a:effectLst/>
+                        </a:rPr>
+                        <a:t>acceptable</a:t>
+                      </a:r>
+                      <a:endParaRPr lang="en-US" sz="1100">
+                        <a:effectLst/>
+                        <a:latin typeface="Calibri" panose="020F0502020204030204" pitchFamily="34" charset="0"/>
+                        <a:ea typeface="Calibri" panose="020F0502020204030204" pitchFamily="34" charset="0"/>
+                        <a:cs typeface="Times New Roman" panose="02020603050405020304" pitchFamily="18" charset="0"/>
+                      </a:endParaRPr>
+                    </a:p>
+                  </a:txBody>
+                  <a:tcPr marL="123825" marR="123825" marT="57150" marB="57150" anchor="ctr"/>
+                </a:tc>
+                <a:extLst>
+                  <a:ext uri="{0D108BD9-81ED-4DB2-BD59-A6C34878D82A}">
+                    <a16:rowId xmlns:a16="http://schemas.microsoft.com/office/drawing/2014/main" val="3428555581"/>
+                  </a:ext>
+                </a:extLst>
+              </a:tr>
+              <a:tr h="0">
+                <a:tc>
+                  <a:txBody>
+                    <a:bodyPr/>
+                    <a:lstStyle/>
+                    <a:p>
+                      <a:pPr marL="0" marR="0">
+                        <a:lnSpc>
+                          <a:spcPts val="1920"/>
+                        </a:lnSpc>
+                        <a:spcBef>
+                          <a:spcPts val="0"/>
+                        </a:spcBef>
+                        <a:spcAft>
+                          <a:spcPts val="1200"/>
+                        </a:spcAft>
+                      </a:pPr>
+                      <a:r>
+                        <a:rPr lang="en-US" sz="1200">
+                          <a:effectLst/>
+                        </a:rPr>
+                        <a:t>member_status cannot be "a"</a:t>
+                      </a:r>
+                      <a:endParaRPr lang="en-US" sz="1100">
+                        <a:effectLst/>
+                        <a:latin typeface="Calibri" panose="020F0502020204030204" pitchFamily="34" charset="0"/>
+                        <a:ea typeface="Calibri" panose="020F0502020204030204" pitchFamily="34" charset="0"/>
+                        <a:cs typeface="Times New Roman" panose="02020603050405020304" pitchFamily="18" charset="0"/>
+                      </a:endParaRPr>
+                    </a:p>
+                  </a:txBody>
+                  <a:tcPr marL="123825" marR="123825" marT="57150" marB="57150" anchor="ctr"/>
+                </a:tc>
+                <a:tc>
+                  <a:txBody>
+                    <a:bodyPr/>
+                    <a:lstStyle/>
+                    <a:p>
+                      <a:pPr marL="0" marR="0">
+                        <a:lnSpc>
+                          <a:spcPts val="1920"/>
+                        </a:lnSpc>
+                        <a:spcBef>
+                          <a:spcPts val="0"/>
+                        </a:spcBef>
+                        <a:spcAft>
+                          <a:spcPts val="1200"/>
+                        </a:spcAft>
+                      </a:pPr>
+                      <a:r>
+                        <a:rPr lang="en-US" sz="1200">
+                          <a:effectLst/>
+                        </a:rPr>
+                        <a:t>acceptable</a:t>
+                      </a:r>
+                      <a:endParaRPr lang="en-US" sz="1100">
+                        <a:effectLst/>
+                        <a:latin typeface="Calibri" panose="020F0502020204030204" pitchFamily="34" charset="0"/>
+                        <a:ea typeface="Calibri" panose="020F0502020204030204" pitchFamily="34" charset="0"/>
+                        <a:cs typeface="Times New Roman" panose="02020603050405020304" pitchFamily="18" charset="0"/>
+                      </a:endParaRPr>
+                    </a:p>
+                  </a:txBody>
+                  <a:tcPr marL="123825" marR="123825" marT="57150" marB="57150" anchor="ctr"/>
+                </a:tc>
+                <a:extLst>
+                  <a:ext uri="{0D108BD9-81ED-4DB2-BD59-A6C34878D82A}">
+                    <a16:rowId xmlns:a16="http://schemas.microsoft.com/office/drawing/2014/main" val="906857633"/>
+                  </a:ext>
+                </a:extLst>
+              </a:tr>
+              <a:tr h="0">
+                <a:tc>
+                  <a:txBody>
+                    <a:bodyPr/>
+                    <a:lstStyle/>
+                    <a:p>
+                      <a:pPr marL="0" marR="0">
+                        <a:lnSpc>
+                          <a:spcPts val="1920"/>
+                        </a:lnSpc>
+                        <a:spcBef>
+                          <a:spcPts val="0"/>
+                        </a:spcBef>
+                        <a:spcAft>
+                          <a:spcPts val="1200"/>
+                        </a:spcAft>
+                      </a:pPr>
+                      <a:r>
+                        <a:rPr lang="en-US" sz="1200">
+                          <a:effectLst/>
+                        </a:rPr>
+                        <a:t>member_status cannot be "s"</a:t>
+                      </a:r>
+                      <a:endParaRPr lang="en-US" sz="1100">
+                        <a:effectLst/>
+                        <a:latin typeface="Calibri" panose="020F0502020204030204" pitchFamily="34" charset="0"/>
+                        <a:ea typeface="Calibri" panose="020F0502020204030204" pitchFamily="34" charset="0"/>
+                        <a:cs typeface="Times New Roman" panose="02020603050405020304" pitchFamily="18" charset="0"/>
+                      </a:endParaRPr>
+                    </a:p>
+                  </a:txBody>
+                  <a:tcPr marL="123825" marR="123825" marT="57150" marB="57150" anchor="ctr"/>
+                </a:tc>
+                <a:tc>
+                  <a:txBody>
+                    <a:bodyPr/>
+                    <a:lstStyle/>
+                    <a:p>
+                      <a:pPr marL="0" marR="0">
+                        <a:lnSpc>
+                          <a:spcPts val="1920"/>
+                        </a:lnSpc>
+                        <a:spcBef>
+                          <a:spcPts val="0"/>
+                        </a:spcBef>
+                        <a:spcAft>
+                          <a:spcPts val="1200"/>
+                        </a:spcAft>
+                      </a:pPr>
+                      <a:r>
+                        <a:rPr lang="en-US" sz="1200">
+                          <a:effectLst/>
+                        </a:rPr>
+                        <a:t>acceptable</a:t>
+                      </a:r>
+                      <a:endParaRPr lang="en-US" sz="1100">
+                        <a:effectLst/>
+                        <a:latin typeface="Calibri" panose="020F0502020204030204" pitchFamily="34" charset="0"/>
+                        <a:ea typeface="Calibri" panose="020F0502020204030204" pitchFamily="34" charset="0"/>
+                        <a:cs typeface="Times New Roman" panose="02020603050405020304" pitchFamily="18" charset="0"/>
+                      </a:endParaRPr>
+                    </a:p>
+                  </a:txBody>
+                  <a:tcPr marL="123825" marR="123825" marT="57150" marB="57150" anchor="ctr"/>
+                </a:tc>
+                <a:extLst>
+                  <a:ext uri="{0D108BD9-81ED-4DB2-BD59-A6C34878D82A}">
+                    <a16:rowId xmlns:a16="http://schemas.microsoft.com/office/drawing/2014/main" val="2628299632"/>
+                  </a:ext>
+                </a:extLst>
+              </a:tr>
+              <a:tr h="0">
+                <a:tc>
+                  <a:txBody>
+                    <a:bodyPr/>
+                    <a:lstStyle/>
+                    <a:p>
+                      <a:pPr marL="0" marR="0">
+                        <a:lnSpc>
+                          <a:spcPts val="1920"/>
+                        </a:lnSpc>
+                        <a:spcBef>
+                          <a:spcPts val="0"/>
+                        </a:spcBef>
+                        <a:spcAft>
+                          <a:spcPts val="1200"/>
+                        </a:spcAft>
+                      </a:pPr>
+                      <a:r>
+                        <a:rPr lang="en-US" sz="1200">
+                          <a:effectLst/>
+                        </a:rPr>
+                        <a:t>member_status cannot be "0"</a:t>
+                      </a:r>
+                      <a:endParaRPr lang="en-US" sz="1100">
+                        <a:effectLst/>
+                        <a:latin typeface="Calibri" panose="020F0502020204030204" pitchFamily="34" charset="0"/>
+                        <a:ea typeface="Calibri" panose="020F0502020204030204" pitchFamily="34" charset="0"/>
+                        <a:cs typeface="Times New Roman" panose="02020603050405020304" pitchFamily="18" charset="0"/>
+                      </a:endParaRPr>
+                    </a:p>
+                  </a:txBody>
+                  <a:tcPr marL="123825" marR="123825" marT="57150" marB="57150" anchor="ctr"/>
+                </a:tc>
+                <a:tc>
+                  <a:txBody>
+                    <a:bodyPr/>
+                    <a:lstStyle/>
+                    <a:p>
+                      <a:pPr marL="0" marR="0">
+                        <a:lnSpc>
+                          <a:spcPts val="1920"/>
+                        </a:lnSpc>
+                        <a:spcBef>
+                          <a:spcPts val="0"/>
+                        </a:spcBef>
+                        <a:spcAft>
+                          <a:spcPts val="1200"/>
+                        </a:spcAft>
+                      </a:pPr>
+                      <a:r>
+                        <a:rPr lang="en-US" sz="1200">
+                          <a:effectLst/>
+                        </a:rPr>
+                        <a:t>true</a:t>
+                      </a:r>
+                      <a:endParaRPr lang="en-US" sz="1100">
+                        <a:effectLst/>
+                        <a:latin typeface="Calibri" panose="020F0502020204030204" pitchFamily="34" charset="0"/>
+                        <a:ea typeface="Calibri" panose="020F0502020204030204" pitchFamily="34" charset="0"/>
+                        <a:cs typeface="Times New Roman" panose="02020603050405020304" pitchFamily="18" charset="0"/>
+                      </a:endParaRPr>
+                    </a:p>
+                  </a:txBody>
+                  <a:tcPr marL="123825" marR="123825" marT="57150" marB="57150" anchor="ctr"/>
+                </a:tc>
+                <a:extLst>
+                  <a:ext uri="{0D108BD9-81ED-4DB2-BD59-A6C34878D82A}">
+                    <a16:rowId xmlns:a16="http://schemas.microsoft.com/office/drawing/2014/main" val="630211104"/>
+                  </a:ext>
+                </a:extLst>
+              </a:tr>
+              <a:tr h="0">
+                <a:tc>
+                  <a:txBody>
+                    <a:bodyPr/>
+                    <a:lstStyle/>
+                    <a:p>
+                      <a:pPr marL="0" marR="0">
+                        <a:lnSpc>
+                          <a:spcPts val="1920"/>
+                        </a:lnSpc>
+                        <a:spcBef>
+                          <a:spcPts val="0"/>
+                        </a:spcBef>
+                        <a:spcAft>
+                          <a:spcPts val="1200"/>
+                        </a:spcAft>
+                      </a:pPr>
+                      <a:r>
+                        <a:rPr lang="en-US" sz="1200">
+                          <a:effectLst/>
+                        </a:rPr>
+                        <a:t>member_status cannot be "null"</a:t>
+                      </a:r>
+                      <a:endParaRPr lang="en-US" sz="1100">
+                        <a:effectLst/>
+                        <a:latin typeface="Calibri" panose="020F0502020204030204" pitchFamily="34" charset="0"/>
+                        <a:ea typeface="Calibri" panose="020F0502020204030204" pitchFamily="34" charset="0"/>
+                        <a:cs typeface="Times New Roman" panose="02020603050405020304" pitchFamily="18" charset="0"/>
+                      </a:endParaRPr>
+                    </a:p>
+                  </a:txBody>
+                  <a:tcPr marL="123825" marR="123825" marT="57150" marB="57150" anchor="ctr"/>
+                </a:tc>
+                <a:tc>
+                  <a:txBody>
+                    <a:bodyPr/>
+                    <a:lstStyle/>
+                    <a:p>
+                      <a:pPr marL="0" marR="0">
+                        <a:lnSpc>
+                          <a:spcPts val="1920"/>
+                        </a:lnSpc>
+                        <a:spcBef>
+                          <a:spcPts val="0"/>
+                        </a:spcBef>
+                        <a:spcAft>
+                          <a:spcPts val="1200"/>
+                        </a:spcAft>
+                      </a:pPr>
+                      <a:r>
+                        <a:rPr lang="en-US" sz="1200" dirty="0">
+                          <a:effectLst/>
+                        </a:rPr>
+                        <a:t>true</a:t>
+                      </a:r>
+                      <a:endParaRPr lang="en-US" sz="1100" dirty="0">
+                        <a:effectLst/>
+                        <a:latin typeface="Calibri" panose="020F0502020204030204" pitchFamily="34" charset="0"/>
+                        <a:ea typeface="Calibri" panose="020F0502020204030204" pitchFamily="34" charset="0"/>
+                        <a:cs typeface="Times New Roman" panose="02020603050405020304" pitchFamily="18" charset="0"/>
+                      </a:endParaRPr>
+                    </a:p>
+                  </a:txBody>
+                  <a:tcPr marL="123825" marR="123825" marT="57150" marB="57150" anchor="ctr"/>
+                </a:tc>
+                <a:extLst>
+                  <a:ext uri="{0D108BD9-81ED-4DB2-BD59-A6C34878D82A}">
+                    <a16:rowId xmlns:a16="http://schemas.microsoft.com/office/drawing/2014/main" val="2203487538"/>
+                  </a:ext>
+                </a:extLst>
+              </a:tr>
+            </a:tbl>
+          </a:graphicData>
+        </a:graphic>
+      </p:graphicFrame>
+    </p:spTree>
+    <p:extLst>
+      <p:ext uri="{BB962C8B-B14F-4D97-AF65-F5344CB8AC3E}">
+        <p14:creationId xmlns:p14="http://schemas.microsoft.com/office/powerpoint/2010/main" val="2780019585"/>
+      </p:ext>
+    </p:extLst>
+  </p:cSld>
+  <p:clrMapOvr>
+    <a:masterClrMapping/>
+  </p:clrMapOvr>
+</p:sld>
+</file>
+
+<file path=ppt/slides/slide18.xml><?xml version="1.0" encoding="utf-8"?>
+<p:sld xmlns:a="http://schemas.openxmlformats.org/drawingml/2006/main" xmlns:r="http://schemas.openxmlformats.org/officeDocument/2006/relationships" xmlns:p="http://schemas.openxmlformats.org/presentationml/2006/main">
+  <p:cSld>
+    <p:spTree>
+      <p:nvGrpSpPr>
+        <p:cNvPr id="1" name=""/>
+        <p:cNvGrpSpPr/>
+        <p:nvPr/>
+      </p:nvGrpSpPr>
+      <p:grpSpPr>
+        <a:xfrm>
+          <a:off x="0" y="0"/>
+          <a:ext cx="0" cy="0"/>
+          <a:chOff x="0" y="0"/>
+          <a:chExt cx="0" cy="0"/>
+        </a:xfrm>
+      </p:grpSpPr>
+      <p:sp>
+        <p:nvSpPr>
+          <p:cNvPr id="2" name="Title 1"/>
+          <p:cNvSpPr>
+            <a:spLocks noGrp="1"/>
+          </p:cNvSpPr>
+          <p:nvPr>
+            <p:ph type="title"/>
+          </p:nvPr>
+        </p:nvSpPr>
+        <p:spPr/>
+        <p:txBody>
+          <a:bodyPr/>
+          <a:lstStyle/>
+          <a:p>
+            <a:pPr algn="l"/>
+            <a:r>
+              <a:rPr lang="en-CA" dirty="0"/>
+              <a:t>contributions</a:t>
+            </a:r>
+          </a:p>
+        </p:txBody>
+      </p:sp>
+      <p:sp>
+        <p:nvSpPr>
+          <p:cNvPr id="3" name="Content Placeholder 2"/>
+          <p:cNvSpPr>
+            <a:spLocks noGrp="1"/>
+          </p:cNvSpPr>
+          <p:nvPr>
+            <p:ph idx="1"/>
+          </p:nvPr>
+        </p:nvSpPr>
+        <p:spPr/>
+        <p:txBody>
+          <a:bodyPr/>
+          <a:lstStyle/>
+          <a:p>
+            <a:r>
+              <a:rPr lang="en-CA" dirty="0"/>
+              <a:t>Analysis and Design – </a:t>
+            </a:r>
+            <a:r>
+              <a:rPr lang="en-CA" dirty="0" err="1"/>
+              <a:t>Farzin</a:t>
+            </a:r>
+            <a:endParaRPr lang="en-CA" dirty="0"/>
+          </a:p>
+          <a:p>
+            <a:pPr marL="114300" indent="0">
+              <a:buNone/>
+            </a:pPr>
+            <a:endParaRPr lang="en-CA" dirty="0"/>
+          </a:p>
+          <a:p>
+            <a:r>
+              <a:rPr lang="en-CA" dirty="0"/>
               <a:t>Implementation and testing – Thomas &amp; Karanvir </a:t>
             </a:r>
           </a:p>
@@ -5504,13 +10017,6 @@
   <p:clrMapOvr>
     <a:masterClrMapping/>
   </p:clrMapOvr>
-  <p:timing>
-    <p:tnLst>
-      <p:par>
-        <p:cTn id="1" dur="indefinite" restart="never" nodeType="tmRoot"/>
-      </p:par>
-    </p:tnLst>
-  </p:timing>
 </p:sld>
 </file>
 
@@ -5548,10 +10054,9 @@
           <a:p>
             <a:pPr algn="l"/>
             <a:r>
-              <a:rPr lang="en-CA" dirty="0" smtClean="0"/>
+              <a:rPr lang="en-CA" dirty="0"/>
               <a:t>requirements</a:t>
             </a:r>
-            <a:endParaRPr lang="en-CA" dirty="0"/>
           </a:p>
         </p:txBody>
       </p:sp>
@@ -5606,25 +10111,6 @@
                 </a:solidFill>
               </a14:hiddenFill>
             </a:ext>
-            <a:ext uri="{91240B29-F687-4F45-9708-019B960494DF}">
-              <a14:hiddenLine xmlns:a14="http://schemas.microsoft.com/office/drawing/2010/main" w="9525">
-                <a:solidFill>
-                  <a:schemeClr val="tx1"/>
-                </a:solidFill>
-                <a:miter lim="800000"/>
-                <a:headEnd/>
-                <a:tailEnd/>
-              </a14:hiddenLine>
-            </a:ext>
-            <a:ext uri="{AF507438-7753-43E0-B8FC-AC1667EBCBE1}">
-              <a14:hiddenEffects xmlns:a14="http://schemas.microsoft.com/office/drawing/2010/main">
-                <a:effectLst>
-                  <a:outerShdw dist="35921" dir="2700000" algn="ctr" rotWithShape="0">
-                    <a:schemeClr val="bg2"/>
-                  </a:outerShdw>
-                </a:effectLst>
-              </a14:hiddenEffects>
-            </a:ext>
           </a:extLst>
         </p:spPr>
       </p:pic>
@@ -5638,13 +10124,6 @@
   <p:clrMapOvr>
     <a:masterClrMapping/>
   </p:clrMapOvr>
-  <p:timing>
-    <p:tnLst>
-      <p:par>
-        <p:cTn id="1" dur="indefinite" restart="never" nodeType="tmRoot"/>
-      </p:par>
-    </p:tnLst>
-  </p:timing>
 </p:sld>
 </file>
 
@@ -5682,10 +10161,9 @@
           <a:p>
             <a:pPr algn="l"/>
             <a:r>
-              <a:rPr lang="en-CA" dirty="0" smtClean="0"/>
+              <a:rPr lang="en-CA" dirty="0"/>
               <a:t>Requirements - manager</a:t>
             </a:r>
-            <a:endParaRPr lang="en-CA" dirty="0"/>
           </a:p>
         </p:txBody>
       </p:sp>
@@ -5786,13 +10264,6 @@
   <p:clrMapOvr>
     <a:masterClrMapping/>
   </p:clrMapOvr>
-  <p:timing>
-    <p:tnLst>
-      <p:par>
-        <p:cTn id="1" dur="indefinite" restart="never" nodeType="tmRoot"/>
-      </p:par>
-    </p:tnLst>
-  </p:timing>
 </p:sld>
 </file>
 
@@ -5830,10 +10301,9 @@
           <a:p>
             <a:pPr algn="l"/>
             <a:r>
-              <a:rPr lang="en-CA" dirty="0" smtClean="0"/>
+              <a:rPr lang="en-CA" dirty="0"/>
               <a:t>Requirements - manager</a:t>
             </a:r>
-            <a:endParaRPr lang="en-CA" dirty="0"/>
           </a:p>
         </p:txBody>
       </p:sp>
@@ -5901,13 +10371,6 @@
   <p:clrMapOvr>
     <a:masterClrMapping/>
   </p:clrMapOvr>
-  <p:timing>
-    <p:tnLst>
-      <p:par>
-        <p:cTn id="1" dur="indefinite" restart="never" nodeType="tmRoot"/>
-      </p:par>
-    </p:tnLst>
-  </p:timing>
 </p:sld>
 </file>
 
@@ -5945,10 +10408,9 @@
           <a:p>
             <a:pPr algn="l"/>
             <a:r>
-              <a:rPr lang="en-CA" dirty="0" smtClean="0"/>
+              <a:rPr lang="en-CA" dirty="0"/>
               <a:t>Requirements - operator</a:t>
             </a:r>
-            <a:endParaRPr lang="en-CA" dirty="0"/>
           </a:p>
         </p:txBody>
       </p:sp>
@@ -6049,13 +10511,6 @@
   <p:clrMapOvr>
     <a:masterClrMapping/>
   </p:clrMapOvr>
-  <p:timing>
-    <p:tnLst>
-      <p:par>
-        <p:cTn id="1" dur="indefinite" restart="never" nodeType="tmRoot"/>
-      </p:par>
-    </p:tnLst>
-  </p:timing>
 </p:sld>
 </file>
 
@@ -6093,10 +10548,9 @@
           <a:p>
             <a:pPr algn="l"/>
             <a:r>
-              <a:rPr lang="en-CA" dirty="0" smtClean="0"/>
+              <a:rPr lang="en-CA" dirty="0"/>
               <a:t>Requirements - provider</a:t>
             </a:r>
-            <a:endParaRPr lang="en-CA" dirty="0"/>
           </a:p>
         </p:txBody>
       </p:sp>
@@ -6197,13 +10651,6 @@
   <p:clrMapOvr>
     <a:masterClrMapping/>
   </p:clrMapOvr>
-  <p:timing>
-    <p:tnLst>
-      <p:par>
-        <p:cTn id="1" dur="indefinite" restart="never" nodeType="tmRoot"/>
-      </p:par>
-    </p:tnLst>
-  </p:timing>
 </p:sld>
 </file>
 
@@ -6241,10 +10688,9 @@
           <a:p>
             <a:pPr algn="l"/>
             <a:r>
-              <a:rPr lang="en-CA" dirty="0" smtClean="0"/>
+              <a:rPr lang="en-CA" dirty="0"/>
               <a:t>Requirements - provider</a:t>
             </a:r>
-            <a:endParaRPr lang="en-CA" dirty="0"/>
           </a:p>
         </p:txBody>
       </p:sp>
@@ -6310,13 +10756,6 @@
   <p:clrMapOvr>
     <a:masterClrMapping/>
   </p:clrMapOvr>
-  <p:timing>
-    <p:tnLst>
-      <p:par>
-        <p:cTn id="1" dur="indefinite" restart="never" nodeType="tmRoot"/>
-      </p:par>
-    </p:tnLst>
-  </p:timing>
 </p:sld>
 </file>
 
@@ -6354,10 +10793,9 @@
           <a:p>
             <a:pPr algn="l"/>
             <a:r>
-              <a:rPr lang="en-CA" dirty="0" smtClean="0"/>
+              <a:rPr lang="en-CA" dirty="0"/>
               <a:t>analysis</a:t>
             </a:r>
-            <a:endParaRPr lang="en-CA" dirty="0"/>
           </a:p>
         </p:txBody>
       </p:sp>
@@ -6412,25 +10850,6 @@
                 </a:solidFill>
               </a14:hiddenFill>
             </a:ext>
-            <a:ext uri="{91240B29-F687-4F45-9708-019B960494DF}">
-              <a14:hiddenLine xmlns:a14="http://schemas.microsoft.com/office/drawing/2010/main" w="9525">
-                <a:solidFill>
-                  <a:schemeClr val="tx1"/>
-                </a:solidFill>
-                <a:miter lim="800000"/>
-                <a:headEnd/>
-                <a:tailEnd/>
-              </a14:hiddenLine>
-            </a:ext>
-            <a:ext uri="{AF507438-7753-43E0-B8FC-AC1667EBCBE1}">
-              <a14:hiddenEffects xmlns:a14="http://schemas.microsoft.com/office/drawing/2010/main">
-                <a:effectLst>
-                  <a:outerShdw dist="35921" dir="2700000" algn="ctr" rotWithShape="0">
-                    <a:schemeClr val="bg2"/>
-                  </a:outerShdw>
-                </a:effectLst>
-              </a14:hiddenEffects>
-            </a:ext>
           </a:extLst>
         </p:spPr>
       </p:pic>
@@ -6476,7 +10895,7 @@
               <a:buChar char="•"/>
             </a:pPr>
             <a:r>
-              <a:rPr lang="en-CA" sz="2000" dirty="0" smtClean="0">
+              <a:rPr lang="en-CA" sz="2000" dirty="0">
                 <a:latin typeface="Baskerville Old Face" pitchFamily="18" charset="0"/>
               </a:rPr>
               <a:t>Operator maintains a provider, updates provider database.</a:t>
@@ -6487,7 +10906,7 @@
               <a:buFont typeface="Arial" pitchFamily="34" charset="0"/>
               <a:buChar char="•"/>
             </a:pPr>
-            <a:endParaRPr lang="en-CA" sz="2000" dirty="0" smtClean="0">
+            <a:endParaRPr lang="en-CA" sz="2000" dirty="0">
               <a:latin typeface="Baskerville Old Face" pitchFamily="18" charset="0"/>
             </a:endParaRPr>
           </a:p>
@@ -6497,7 +10916,7 @@
               <a:buChar char="•"/>
             </a:pPr>
             <a:r>
-              <a:rPr lang="en-CA" sz="2000" dirty="0" smtClean="0">
+              <a:rPr lang="en-CA" sz="2000" dirty="0">
                 <a:latin typeface="Baskerville Old Face" pitchFamily="18" charset="0"/>
               </a:rPr>
               <a:t>Operator Maintains a member, updates member database.</a:t>
@@ -6508,7 +10927,7 @@
               <a:buFont typeface="Arial" pitchFamily="34" charset="0"/>
               <a:buChar char="•"/>
             </a:pPr>
-            <a:endParaRPr lang="en-CA" sz="2000" dirty="0" smtClean="0">
+            <a:endParaRPr lang="en-CA" sz="2000" dirty="0">
               <a:latin typeface="Baskerville Old Face" pitchFamily="18" charset="0"/>
             </a:endParaRPr>
           </a:p>
@@ -6518,7 +10937,7 @@
               <a:buChar char="•"/>
             </a:pPr>
             <a:r>
-              <a:rPr lang="en-CA" sz="2000" dirty="0" smtClean="0">
+              <a:rPr lang="en-CA" sz="2000" dirty="0">
                 <a:latin typeface="Baskerville Old Face" pitchFamily="18" charset="0"/>
               </a:rPr>
               <a:t>Operator maintains services, updates services database.</a:t>
@@ -6543,13 +10962,6 @@
   <p:clrMapOvr>
     <a:masterClrMapping/>
   </p:clrMapOvr>
-  <p:timing>
-    <p:tnLst>
-      <p:par>
-        <p:cTn id="1" dur="indefinite" restart="never" nodeType="tmRoot"/>
-      </p:par>
-    </p:tnLst>
-  </p:timing>
 </p:sld>
 </file>
 
@@ -6587,10 +10999,9 @@
           <a:p>
             <a:pPr algn="l"/>
             <a:r>
-              <a:rPr lang="en-CA" dirty="0" smtClean="0"/>
+              <a:rPr lang="en-CA" dirty="0"/>
               <a:t>Analysis</a:t>
             </a:r>
-            <a:endParaRPr lang="en-CA" dirty="0"/>
           </a:p>
         </p:txBody>
       </p:sp>
@@ -6645,25 +11056,6 @@
                 </a:solidFill>
               </a14:hiddenFill>
             </a:ext>
-            <a:ext uri="{91240B29-F687-4F45-9708-019B960494DF}">
-              <a14:hiddenLine xmlns:a14="http://schemas.microsoft.com/office/drawing/2010/main" w="9525">
-                <a:solidFill>
-                  <a:schemeClr val="tx1"/>
-                </a:solidFill>
-                <a:miter lim="800000"/>
-                <a:headEnd/>
-                <a:tailEnd/>
-              </a14:hiddenLine>
-            </a:ext>
-            <a:ext uri="{AF507438-7753-43E0-B8FC-AC1667EBCBE1}">
-              <a14:hiddenEffects xmlns:a14="http://schemas.microsoft.com/office/drawing/2010/main">
-                <a:effectLst>
-                  <a:outerShdw dist="35921" dir="2700000" algn="ctr" rotWithShape="0">
-                    <a:schemeClr val="bg2"/>
-                  </a:outerShdw>
-                </a:effectLst>
-              </a14:hiddenEffects>
-            </a:ext>
           </a:extLst>
         </p:spPr>
       </p:pic>
@@ -6709,7 +11101,7 @@
               <a:buChar char="•"/>
             </a:pPr>
             <a:r>
-              <a:rPr lang="en-CA" sz="2000" dirty="0" smtClean="0">
+              <a:rPr lang="en-CA" sz="2000" dirty="0">
                 <a:latin typeface="Baskerville Old Face" pitchFamily="18" charset="0"/>
               </a:rPr>
               <a:t>Provider verifies member using member database.</a:t>
@@ -6720,7 +11112,7 @@
               <a:buFont typeface="Arial" pitchFamily="34" charset="0"/>
               <a:buChar char="•"/>
             </a:pPr>
-            <a:endParaRPr lang="en-CA" sz="2000" dirty="0" smtClean="0">
+            <a:endParaRPr lang="en-CA" sz="2000" dirty="0">
               <a:latin typeface="Baskerville Old Face" pitchFamily="18" charset="0"/>
             </a:endParaRPr>
           </a:p>
@@ -6730,7 +11122,7 @@
               <a:buChar char="•"/>
             </a:pPr>
             <a:r>
-              <a:rPr lang="en-CA" sz="2000" dirty="0" smtClean="0">
+              <a:rPr lang="en-CA" sz="2000" dirty="0">
                 <a:latin typeface="Baskerville Old Face" pitchFamily="18" charset="0"/>
               </a:rPr>
               <a:t>Provider processes a claim using claims database.</a:t>
@@ -6741,7 +11133,7 @@
               <a:buFont typeface="Arial" pitchFamily="34" charset="0"/>
               <a:buChar char="•"/>
             </a:pPr>
-            <a:endParaRPr lang="en-CA" sz="2000" dirty="0" smtClean="0">
+            <a:endParaRPr lang="en-CA" sz="2000" dirty="0">
               <a:latin typeface="Baskerville Old Face" pitchFamily="18" charset="0"/>
             </a:endParaRPr>
           </a:p>
@@ -6751,7 +11143,7 @@
               <a:buChar char="•"/>
             </a:pPr>
             <a:r>
-              <a:rPr lang="en-CA" sz="2000" dirty="0" smtClean="0">
+              <a:rPr lang="en-CA" sz="2000" dirty="0">
                 <a:latin typeface="Baskerville Old Face" pitchFamily="18" charset="0"/>
               </a:rPr>
               <a:t>Provider directory is generated after provider login (when the provider is verified)</a:t>
@@ -6769,13 +11161,6 @@
   <p:clrMapOvr>
     <a:masterClrMapping/>
   </p:clrMapOvr>
-  <p:timing>
-    <p:tnLst>
-      <p:par>
-        <p:cTn id="1" dur="indefinite" restart="never" nodeType="tmRoot"/>
-      </p:par>
-    </p:tnLst>
-  </p:timing>
 </p:sld>
 </file>
 
